--- a/kagome/simple_update/Unitcell.pptx
+++ b/kagome/simple_update/Unitcell.pptx
@@ -5,7 +5,7 @@
     <p:sldMasterId id="2147483648" r:id="rId1"/>
   </p:sldMasterIdLst>
   <p:notesMasterIdLst>
-    <p:notesMasterId r:id="rId15"/>
+    <p:notesMasterId r:id="rId16"/>
   </p:notesMasterIdLst>
   <p:sldIdLst>
     <p:sldId id="291" r:id="rId2"/>
@@ -21,6 +21,7 @@
     <p:sldId id="300" r:id="rId12"/>
     <p:sldId id="301" r:id="rId13"/>
     <p:sldId id="302" r:id="rId14"/>
+    <p:sldId id="303" r:id="rId15"/>
   </p:sldIdLst>
   <p:sldSz cx="12192000" cy="6858000"/>
   <p:notesSz cx="6797675" cy="9874250"/>
@@ -209,7 +210,7 @@
           <a:p>
             <a:fld id="{1E253AF0-02E2-4DC3-B912-16C36888A7D6}" type="datetimeFigureOut">
               <a:rPr lang="zh-CN" altLang="en-US" smtClean="0"/>
-              <a:t>2022/11/16</a:t>
+              <a:t>2022/11/17</a:t>
             </a:fld>
             <a:endParaRPr lang="zh-CN" altLang="en-US"/>
           </a:p>
@@ -623,7 +624,7 @@
           <a:p>
             <a:fld id="{DA5C2C42-A0FF-4410-A8EC-9651A95059F4}" type="datetimeFigureOut">
               <a:rPr lang="zh-CN" altLang="en-US" smtClean="0"/>
-              <a:t>2022/11/16</a:t>
+              <a:t>2022/11/17</a:t>
             </a:fld>
             <a:endParaRPr lang="zh-CN" altLang="en-US"/>
           </a:p>
@@ -821,7 +822,7 @@
           <a:p>
             <a:fld id="{DA5C2C42-A0FF-4410-A8EC-9651A95059F4}" type="datetimeFigureOut">
               <a:rPr lang="zh-CN" altLang="en-US" smtClean="0"/>
-              <a:t>2022/11/16</a:t>
+              <a:t>2022/11/17</a:t>
             </a:fld>
             <a:endParaRPr lang="zh-CN" altLang="en-US"/>
           </a:p>
@@ -1029,7 +1030,7 @@
           <a:p>
             <a:fld id="{DA5C2C42-A0FF-4410-A8EC-9651A95059F4}" type="datetimeFigureOut">
               <a:rPr lang="zh-CN" altLang="en-US" smtClean="0"/>
-              <a:t>2022/11/16</a:t>
+              <a:t>2022/11/17</a:t>
             </a:fld>
             <a:endParaRPr lang="zh-CN" altLang="en-US"/>
           </a:p>
@@ -1227,7 +1228,7 @@
           <a:p>
             <a:fld id="{DA5C2C42-A0FF-4410-A8EC-9651A95059F4}" type="datetimeFigureOut">
               <a:rPr lang="zh-CN" altLang="en-US" smtClean="0"/>
-              <a:t>2022/11/16</a:t>
+              <a:t>2022/11/17</a:t>
             </a:fld>
             <a:endParaRPr lang="zh-CN" altLang="en-US"/>
           </a:p>
@@ -1502,7 +1503,7 @@
           <a:p>
             <a:fld id="{DA5C2C42-A0FF-4410-A8EC-9651A95059F4}" type="datetimeFigureOut">
               <a:rPr lang="zh-CN" altLang="en-US" smtClean="0"/>
-              <a:t>2022/11/16</a:t>
+              <a:t>2022/11/17</a:t>
             </a:fld>
             <a:endParaRPr lang="zh-CN" altLang="en-US"/>
           </a:p>
@@ -1767,7 +1768,7 @@
           <a:p>
             <a:fld id="{DA5C2C42-A0FF-4410-A8EC-9651A95059F4}" type="datetimeFigureOut">
               <a:rPr lang="zh-CN" altLang="en-US" smtClean="0"/>
-              <a:t>2022/11/16</a:t>
+              <a:t>2022/11/17</a:t>
             </a:fld>
             <a:endParaRPr lang="zh-CN" altLang="en-US"/>
           </a:p>
@@ -2179,7 +2180,7 @@
           <a:p>
             <a:fld id="{DA5C2C42-A0FF-4410-A8EC-9651A95059F4}" type="datetimeFigureOut">
               <a:rPr lang="zh-CN" altLang="en-US" smtClean="0"/>
-              <a:t>2022/11/16</a:t>
+              <a:t>2022/11/17</a:t>
             </a:fld>
             <a:endParaRPr lang="zh-CN" altLang="en-US"/>
           </a:p>
@@ -2320,7 +2321,7 @@
           <a:p>
             <a:fld id="{DA5C2C42-A0FF-4410-A8EC-9651A95059F4}" type="datetimeFigureOut">
               <a:rPr lang="zh-CN" altLang="en-US" smtClean="0"/>
-              <a:t>2022/11/16</a:t>
+              <a:t>2022/11/17</a:t>
             </a:fld>
             <a:endParaRPr lang="zh-CN" altLang="en-US"/>
           </a:p>
@@ -2433,7 +2434,7 @@
           <a:p>
             <a:fld id="{DA5C2C42-A0FF-4410-A8EC-9651A95059F4}" type="datetimeFigureOut">
               <a:rPr lang="zh-CN" altLang="en-US" smtClean="0"/>
-              <a:t>2022/11/16</a:t>
+              <a:t>2022/11/17</a:t>
             </a:fld>
             <a:endParaRPr lang="zh-CN" altLang="en-US"/>
           </a:p>
@@ -2744,7 +2745,7 @@
           <a:p>
             <a:fld id="{DA5C2C42-A0FF-4410-A8EC-9651A95059F4}" type="datetimeFigureOut">
               <a:rPr lang="zh-CN" altLang="en-US" smtClean="0"/>
-              <a:t>2022/11/16</a:t>
+              <a:t>2022/11/17</a:t>
             </a:fld>
             <a:endParaRPr lang="zh-CN" altLang="en-US"/>
           </a:p>
@@ -3032,7 +3033,7 @@
           <a:p>
             <a:fld id="{DA5C2C42-A0FF-4410-A8EC-9651A95059F4}" type="datetimeFigureOut">
               <a:rPr lang="zh-CN" altLang="en-US" smtClean="0"/>
-              <a:t>2022/11/16</a:t>
+              <a:t>2022/11/17</a:t>
             </a:fld>
             <a:endParaRPr lang="zh-CN" altLang="en-US"/>
           </a:p>
@@ -3273,7 +3274,7 @@
           <a:p>
             <a:fld id="{DA5C2C42-A0FF-4410-A8EC-9651A95059F4}" type="datetimeFigureOut">
               <a:rPr lang="zh-CN" altLang="en-US" smtClean="0"/>
-              <a:t>2022/11/16</a:t>
+              <a:t>2022/11/17</a:t>
             </a:fld>
             <a:endParaRPr lang="zh-CN" altLang="en-US"/>
           </a:p>
@@ -6752,6 +6753,654 @@
           </p:cxnSp>
         </p:grpSp>
       </p:grpSp>
+      <p:sp>
+        <p:nvSpPr>
+          <p:cNvPr id="2" name="文本框 1">
+            <a:extLst>
+              <a:ext uri="{FF2B5EF4-FFF2-40B4-BE49-F238E27FC236}">
+                <a16:creationId xmlns:a16="http://schemas.microsoft.com/office/drawing/2014/main" id="{F0EB21CA-BD80-4734-9B3A-EFBD9EC175E6}"/>
+              </a:ext>
+            </a:extLst>
+          </p:cNvPr>
+          <p:cNvSpPr txBox="1"/>
+          <p:nvPr/>
+        </p:nvSpPr>
+        <p:spPr>
+          <a:xfrm>
+            <a:off x="526564" y="5310261"/>
+            <a:ext cx="538930" cy="369332"/>
+          </a:xfrm>
+          <a:prstGeom prst="rect">
+            <a:avLst/>
+          </a:prstGeom>
+          <a:noFill/>
+        </p:spPr>
+        <p:txBody>
+          <a:bodyPr wrap="none" rtlCol="0">
+            <a:spAutoFit/>
+          </a:bodyPr>
+          <a:lstStyle/>
+          <a:p>
+            <a:r>
+              <a:rPr lang="en-US" altLang="zh-CN" dirty="0"/>
+              <a:t>Bc1</a:t>
+            </a:r>
+            <a:endParaRPr lang="zh-CN" altLang="en-US" dirty="0"/>
+          </a:p>
+        </p:txBody>
+      </p:sp>
+      <p:sp>
+        <p:nvSpPr>
+          <p:cNvPr id="67" name="文本框 66">
+            <a:extLst>
+              <a:ext uri="{FF2B5EF4-FFF2-40B4-BE49-F238E27FC236}">
+                <a16:creationId xmlns:a16="http://schemas.microsoft.com/office/drawing/2014/main" id="{7D269B1A-E293-4471-826E-A0312995983C}"/>
+              </a:ext>
+            </a:extLst>
+          </p:cNvPr>
+          <p:cNvSpPr txBox="1"/>
+          <p:nvPr/>
+        </p:nvSpPr>
+        <p:spPr>
+          <a:xfrm>
+            <a:off x="702962" y="5930249"/>
+            <a:ext cx="1661032" cy="369332"/>
+          </a:xfrm>
+          <a:prstGeom prst="rect">
+            <a:avLst/>
+          </a:prstGeom>
+          <a:noFill/>
+        </p:spPr>
+        <p:txBody>
+          <a:bodyPr wrap="none" rtlCol="0">
+            <a:spAutoFit/>
+          </a:bodyPr>
+          <a:lstStyle/>
+          <a:p>
+            <a:r>
+              <a:rPr lang="en-US" altLang="zh-CN" dirty="0"/>
+              <a:t>Lambda_c_up1</a:t>
+            </a:r>
+            <a:endParaRPr lang="zh-CN" altLang="en-US" dirty="0"/>
+          </a:p>
+        </p:txBody>
+      </p:sp>
+      <p:sp>
+        <p:nvSpPr>
+          <p:cNvPr id="68" name="文本框 67">
+            <a:extLst>
+              <a:ext uri="{FF2B5EF4-FFF2-40B4-BE49-F238E27FC236}">
+                <a16:creationId xmlns:a16="http://schemas.microsoft.com/office/drawing/2014/main" id="{D8FEA2A1-6E05-4736-8B08-0A9CC2775C9A}"/>
+              </a:ext>
+            </a:extLst>
+          </p:cNvPr>
+          <p:cNvSpPr txBox="1"/>
+          <p:nvPr/>
+        </p:nvSpPr>
+        <p:spPr>
+          <a:xfrm>
+            <a:off x="3640657" y="5941876"/>
+            <a:ext cx="1661032" cy="369332"/>
+          </a:xfrm>
+          <a:prstGeom prst="rect">
+            <a:avLst/>
+          </a:prstGeom>
+          <a:noFill/>
+        </p:spPr>
+        <p:txBody>
+          <a:bodyPr wrap="none" rtlCol="0">
+            <a:spAutoFit/>
+          </a:bodyPr>
+          <a:lstStyle/>
+          <a:p>
+            <a:r>
+              <a:rPr lang="en-US" altLang="zh-CN" dirty="0"/>
+              <a:t>Lambda_c_up5</a:t>
+            </a:r>
+            <a:endParaRPr lang="zh-CN" altLang="en-US" dirty="0"/>
+          </a:p>
+        </p:txBody>
+      </p:sp>
+      <p:sp>
+        <p:nvSpPr>
+          <p:cNvPr id="69" name="文本框 68">
+            <a:extLst>
+              <a:ext uri="{FF2B5EF4-FFF2-40B4-BE49-F238E27FC236}">
+                <a16:creationId xmlns:a16="http://schemas.microsoft.com/office/drawing/2014/main" id="{212EBD7D-70D1-4CEA-AC1E-793B2FCB484E}"/>
+              </a:ext>
+            </a:extLst>
+          </p:cNvPr>
+          <p:cNvSpPr txBox="1"/>
+          <p:nvPr/>
+        </p:nvSpPr>
+        <p:spPr>
+          <a:xfrm rot="18685747">
+            <a:off x="4899" y="4237246"/>
+            <a:ext cx="1689886" cy="369332"/>
+          </a:xfrm>
+          <a:prstGeom prst="rect">
+            <a:avLst/>
+          </a:prstGeom>
+          <a:noFill/>
+        </p:spPr>
+        <p:txBody>
+          <a:bodyPr wrap="none" rtlCol="0">
+            <a:spAutoFit/>
+          </a:bodyPr>
+          <a:lstStyle/>
+          <a:p>
+            <a:r>
+              <a:rPr lang="en-US" altLang="zh-CN" dirty="0"/>
+              <a:t>Lambda_b_dn2</a:t>
+            </a:r>
+            <a:endParaRPr lang="zh-CN" altLang="en-US" dirty="0"/>
+          </a:p>
+        </p:txBody>
+      </p:sp>
+      <p:sp>
+        <p:nvSpPr>
+          <p:cNvPr id="70" name="文本框 69">
+            <a:extLst>
+              <a:ext uri="{FF2B5EF4-FFF2-40B4-BE49-F238E27FC236}">
+                <a16:creationId xmlns:a16="http://schemas.microsoft.com/office/drawing/2014/main" id="{CAF94760-EF4B-46B4-81D1-AE75C8E9C75A}"/>
+              </a:ext>
+            </a:extLst>
+          </p:cNvPr>
+          <p:cNvSpPr txBox="1"/>
+          <p:nvPr/>
+        </p:nvSpPr>
+        <p:spPr>
+          <a:xfrm>
+            <a:off x="2123742" y="2812248"/>
+            <a:ext cx="1661032" cy="369332"/>
+          </a:xfrm>
+          <a:prstGeom prst="rect">
+            <a:avLst/>
+          </a:prstGeom>
+          <a:noFill/>
+        </p:spPr>
+        <p:txBody>
+          <a:bodyPr wrap="none" rtlCol="0">
+            <a:spAutoFit/>
+          </a:bodyPr>
+          <a:lstStyle/>
+          <a:p>
+            <a:r>
+              <a:rPr lang="en-US" altLang="zh-CN" dirty="0"/>
+              <a:t>Lambda_c_dn3</a:t>
+            </a:r>
+            <a:endParaRPr lang="zh-CN" altLang="en-US" dirty="0"/>
+          </a:p>
+        </p:txBody>
+      </p:sp>
+      <p:sp>
+        <p:nvSpPr>
+          <p:cNvPr id="71" name="文本框 70">
+            <a:extLst>
+              <a:ext uri="{FF2B5EF4-FFF2-40B4-BE49-F238E27FC236}">
+                <a16:creationId xmlns:a16="http://schemas.microsoft.com/office/drawing/2014/main" id="{C76F6D3A-8F9E-46BF-97D5-584D0F86A166}"/>
+              </a:ext>
+            </a:extLst>
+          </p:cNvPr>
+          <p:cNvSpPr txBox="1"/>
+          <p:nvPr/>
+        </p:nvSpPr>
+        <p:spPr>
+          <a:xfrm rot="3693162">
+            <a:off x="4113787" y="4030649"/>
+            <a:ext cx="1672253" cy="369332"/>
+          </a:xfrm>
+          <a:prstGeom prst="rect">
+            <a:avLst/>
+          </a:prstGeom>
+          <a:noFill/>
+        </p:spPr>
+        <p:txBody>
+          <a:bodyPr wrap="none" rtlCol="0">
+            <a:spAutoFit/>
+          </a:bodyPr>
+          <a:lstStyle/>
+          <a:p>
+            <a:r>
+              <a:rPr lang="en-US" altLang="zh-CN" dirty="0"/>
+              <a:t>Lambda_a_dn4</a:t>
+            </a:r>
+            <a:endParaRPr lang="zh-CN" altLang="en-US" dirty="0"/>
+          </a:p>
+        </p:txBody>
+      </p:sp>
+      <p:sp>
+        <p:nvSpPr>
+          <p:cNvPr id="72" name="文本框 71">
+            <a:extLst>
+              <a:ext uri="{FF2B5EF4-FFF2-40B4-BE49-F238E27FC236}">
+                <a16:creationId xmlns:a16="http://schemas.microsoft.com/office/drawing/2014/main" id="{30AA6D6E-5945-4FB2-B196-E762A30AE4D5}"/>
+              </a:ext>
+            </a:extLst>
+          </p:cNvPr>
+          <p:cNvSpPr txBox="1"/>
+          <p:nvPr/>
+        </p:nvSpPr>
+        <p:spPr>
+          <a:xfrm>
+            <a:off x="1717947" y="3261738"/>
+            <a:ext cx="550151" cy="369332"/>
+          </a:xfrm>
+          <a:prstGeom prst="rect">
+            <a:avLst/>
+          </a:prstGeom>
+          <a:noFill/>
+        </p:spPr>
+        <p:txBody>
+          <a:bodyPr wrap="none" rtlCol="0">
+            <a:spAutoFit/>
+          </a:bodyPr>
+          <a:lstStyle/>
+          <a:p>
+            <a:r>
+              <a:rPr lang="en-US" altLang="zh-CN" dirty="0"/>
+              <a:t>Ba2</a:t>
+            </a:r>
+            <a:endParaRPr lang="zh-CN" altLang="en-US" dirty="0"/>
+          </a:p>
+        </p:txBody>
+      </p:sp>
+      <p:sp>
+        <p:nvSpPr>
+          <p:cNvPr id="73" name="文本框 72">
+            <a:extLst>
+              <a:ext uri="{FF2B5EF4-FFF2-40B4-BE49-F238E27FC236}">
+                <a16:creationId xmlns:a16="http://schemas.microsoft.com/office/drawing/2014/main" id="{6925B62F-DE44-45A6-80E6-070F8344EABF}"/>
+              </a:ext>
+            </a:extLst>
+          </p:cNvPr>
+          <p:cNvSpPr txBox="1"/>
+          <p:nvPr/>
+        </p:nvSpPr>
+        <p:spPr>
+          <a:xfrm>
+            <a:off x="3788866" y="3248053"/>
+            <a:ext cx="567784" cy="369332"/>
+          </a:xfrm>
+          <a:prstGeom prst="rect">
+            <a:avLst/>
+          </a:prstGeom>
+          <a:noFill/>
+        </p:spPr>
+        <p:txBody>
+          <a:bodyPr wrap="none" rtlCol="0">
+            <a:spAutoFit/>
+          </a:bodyPr>
+          <a:lstStyle/>
+          <a:p>
+            <a:r>
+              <a:rPr lang="en-US" altLang="zh-CN" dirty="0"/>
+              <a:t>Bb3</a:t>
+            </a:r>
+            <a:endParaRPr lang="zh-CN" altLang="en-US" dirty="0"/>
+          </a:p>
+        </p:txBody>
+      </p:sp>
+      <p:sp>
+        <p:nvSpPr>
+          <p:cNvPr id="74" name="文本框 73">
+            <a:extLst>
+              <a:ext uri="{FF2B5EF4-FFF2-40B4-BE49-F238E27FC236}">
+                <a16:creationId xmlns:a16="http://schemas.microsoft.com/office/drawing/2014/main" id="{E6C03591-2BF9-4116-A7C2-9CFA2E7B4D17}"/>
+              </a:ext>
+            </a:extLst>
+          </p:cNvPr>
+          <p:cNvSpPr txBox="1"/>
+          <p:nvPr/>
+        </p:nvSpPr>
+        <p:spPr>
+          <a:xfrm>
+            <a:off x="4989621" y="5300792"/>
+            <a:ext cx="538930" cy="369332"/>
+          </a:xfrm>
+          <a:prstGeom prst="rect">
+            <a:avLst/>
+          </a:prstGeom>
+          <a:noFill/>
+        </p:spPr>
+        <p:txBody>
+          <a:bodyPr wrap="none" rtlCol="0">
+            <a:spAutoFit/>
+          </a:bodyPr>
+          <a:lstStyle/>
+          <a:p>
+            <a:r>
+              <a:rPr lang="en-US" altLang="zh-CN" dirty="0"/>
+              <a:t>Bc4</a:t>
+            </a:r>
+            <a:endParaRPr lang="zh-CN" altLang="en-US" dirty="0"/>
+          </a:p>
+        </p:txBody>
+      </p:sp>
+      <p:sp>
+        <p:nvSpPr>
+          <p:cNvPr id="75" name="文本框 74">
+            <a:extLst>
+              <a:ext uri="{FF2B5EF4-FFF2-40B4-BE49-F238E27FC236}">
+                <a16:creationId xmlns:a16="http://schemas.microsoft.com/office/drawing/2014/main" id="{85DAC257-6EF9-4F67-BED6-ED9C15810EB3}"/>
+              </a:ext>
+            </a:extLst>
+          </p:cNvPr>
+          <p:cNvSpPr txBox="1"/>
+          <p:nvPr/>
+        </p:nvSpPr>
+        <p:spPr>
+          <a:xfrm>
+            <a:off x="721550" y="4875933"/>
+            <a:ext cx="1661032" cy="369332"/>
+          </a:xfrm>
+          <a:prstGeom prst="rect">
+            <a:avLst/>
+          </a:prstGeom>
+          <a:noFill/>
+        </p:spPr>
+        <p:txBody>
+          <a:bodyPr wrap="none" rtlCol="0">
+            <a:spAutoFit/>
+          </a:bodyPr>
+          <a:lstStyle/>
+          <a:p>
+            <a:r>
+              <a:rPr lang="en-US" altLang="zh-CN" dirty="0"/>
+              <a:t>Lambda_c_dn6</a:t>
+            </a:r>
+            <a:endParaRPr lang="zh-CN" altLang="en-US" dirty="0"/>
+          </a:p>
+        </p:txBody>
+      </p:sp>
+      <p:sp>
+        <p:nvSpPr>
+          <p:cNvPr id="76" name="文本框 75">
+            <a:extLst>
+              <a:ext uri="{FF2B5EF4-FFF2-40B4-BE49-F238E27FC236}">
+                <a16:creationId xmlns:a16="http://schemas.microsoft.com/office/drawing/2014/main" id="{384E7A3B-54CB-44E2-A9C8-2731A61BA24F}"/>
+              </a:ext>
+            </a:extLst>
+          </p:cNvPr>
+          <p:cNvSpPr txBox="1"/>
+          <p:nvPr/>
+        </p:nvSpPr>
+        <p:spPr>
+          <a:xfrm rot="3367739">
+            <a:off x="1096180" y="4089166"/>
+            <a:ext cx="1672253" cy="369332"/>
+          </a:xfrm>
+          <a:prstGeom prst="rect">
+            <a:avLst/>
+          </a:prstGeom>
+          <a:noFill/>
+        </p:spPr>
+        <p:txBody>
+          <a:bodyPr wrap="none" rtlCol="0">
+            <a:spAutoFit/>
+          </a:bodyPr>
+          <a:lstStyle/>
+          <a:p>
+            <a:r>
+              <a:rPr lang="en-US" altLang="zh-CN" dirty="0"/>
+              <a:t>Lambda_a_dn7</a:t>
+            </a:r>
+            <a:endParaRPr lang="zh-CN" altLang="en-US" dirty="0"/>
+          </a:p>
+        </p:txBody>
+      </p:sp>
+      <p:sp>
+        <p:nvSpPr>
+          <p:cNvPr id="77" name="文本框 76">
+            <a:extLst>
+              <a:ext uri="{FF2B5EF4-FFF2-40B4-BE49-F238E27FC236}">
+                <a16:creationId xmlns:a16="http://schemas.microsoft.com/office/drawing/2014/main" id="{BE984613-2526-4341-96FF-D49A0B223E50}"/>
+              </a:ext>
+            </a:extLst>
+          </p:cNvPr>
+          <p:cNvSpPr txBox="1"/>
+          <p:nvPr/>
+        </p:nvSpPr>
+        <p:spPr>
+          <a:xfrm rot="3646528">
+            <a:off x="1732201" y="3657896"/>
+            <a:ext cx="1672253" cy="369332"/>
+          </a:xfrm>
+          <a:prstGeom prst="rect">
+            <a:avLst/>
+          </a:prstGeom>
+          <a:noFill/>
+        </p:spPr>
+        <p:txBody>
+          <a:bodyPr wrap="none" rtlCol="0">
+            <a:spAutoFit/>
+          </a:bodyPr>
+          <a:lstStyle/>
+          <a:p>
+            <a:r>
+              <a:rPr lang="en-US" altLang="zh-CN" dirty="0"/>
+              <a:t>Lambda_a_up8</a:t>
+            </a:r>
+            <a:endParaRPr lang="zh-CN" altLang="en-US" dirty="0"/>
+          </a:p>
+        </p:txBody>
+      </p:sp>
+      <p:sp>
+        <p:nvSpPr>
+          <p:cNvPr id="78" name="文本框 77">
+            <a:extLst>
+              <a:ext uri="{FF2B5EF4-FFF2-40B4-BE49-F238E27FC236}">
+                <a16:creationId xmlns:a16="http://schemas.microsoft.com/office/drawing/2014/main" id="{B14CDD60-4750-45E1-A45E-58C208B1D83F}"/>
+              </a:ext>
+            </a:extLst>
+          </p:cNvPr>
+          <p:cNvSpPr txBox="1"/>
+          <p:nvPr/>
+        </p:nvSpPr>
+        <p:spPr>
+          <a:xfrm rot="18253062">
+            <a:off x="2618170" y="3453008"/>
+            <a:ext cx="1689886" cy="369332"/>
+          </a:xfrm>
+          <a:prstGeom prst="rect">
+            <a:avLst/>
+          </a:prstGeom>
+          <a:noFill/>
+        </p:spPr>
+        <p:txBody>
+          <a:bodyPr wrap="none" rtlCol="0">
+            <a:spAutoFit/>
+          </a:bodyPr>
+          <a:lstStyle/>
+          <a:p>
+            <a:r>
+              <a:rPr lang="en-US" altLang="zh-CN" dirty="0"/>
+              <a:t>Lambda_b_up9</a:t>
+            </a:r>
+            <a:endParaRPr lang="zh-CN" altLang="en-US" dirty="0"/>
+          </a:p>
+        </p:txBody>
+      </p:sp>
+      <p:sp>
+        <p:nvSpPr>
+          <p:cNvPr id="79" name="文本框 78">
+            <a:extLst>
+              <a:ext uri="{FF2B5EF4-FFF2-40B4-BE49-F238E27FC236}">
+                <a16:creationId xmlns:a16="http://schemas.microsoft.com/office/drawing/2014/main" id="{C09D5167-EEEF-427F-AE0B-8D22581D9A70}"/>
+              </a:ext>
+            </a:extLst>
+          </p:cNvPr>
+          <p:cNvSpPr txBox="1"/>
+          <p:nvPr/>
+        </p:nvSpPr>
+        <p:spPr>
+          <a:xfrm rot="18026516">
+            <a:off x="3116120" y="4030650"/>
+            <a:ext cx="1811714" cy="369332"/>
+          </a:xfrm>
+          <a:prstGeom prst="rect">
+            <a:avLst/>
+          </a:prstGeom>
+          <a:noFill/>
+        </p:spPr>
+        <p:txBody>
+          <a:bodyPr wrap="none" rtlCol="0">
+            <a:spAutoFit/>
+          </a:bodyPr>
+          <a:lstStyle/>
+          <a:p>
+            <a:r>
+              <a:rPr lang="en-US" altLang="zh-CN" dirty="0"/>
+              <a:t>Lambda_b_dn10</a:t>
+            </a:r>
+            <a:endParaRPr lang="zh-CN" altLang="en-US" dirty="0"/>
+          </a:p>
+        </p:txBody>
+      </p:sp>
+      <p:sp>
+        <p:nvSpPr>
+          <p:cNvPr id="80" name="文本框 79">
+            <a:extLst>
+              <a:ext uri="{FF2B5EF4-FFF2-40B4-BE49-F238E27FC236}">
+                <a16:creationId xmlns:a16="http://schemas.microsoft.com/office/drawing/2014/main" id="{73372BC8-92AD-4FF0-8493-39739AB2DF74}"/>
+              </a:ext>
+            </a:extLst>
+          </p:cNvPr>
+          <p:cNvSpPr txBox="1"/>
+          <p:nvPr/>
+        </p:nvSpPr>
+        <p:spPr>
+          <a:xfrm>
+            <a:off x="3689498" y="4861997"/>
+            <a:ext cx="1782860" cy="369332"/>
+          </a:xfrm>
+          <a:prstGeom prst="rect">
+            <a:avLst/>
+          </a:prstGeom>
+          <a:noFill/>
+        </p:spPr>
+        <p:txBody>
+          <a:bodyPr wrap="none" rtlCol="0">
+            <a:spAutoFit/>
+          </a:bodyPr>
+          <a:lstStyle/>
+          <a:p>
+            <a:r>
+              <a:rPr lang="en-US" altLang="zh-CN" dirty="0"/>
+              <a:t>Lambda_c_dn11</a:t>
+            </a:r>
+            <a:endParaRPr lang="zh-CN" altLang="en-US" dirty="0"/>
+          </a:p>
+        </p:txBody>
+      </p:sp>
+      <p:sp>
+        <p:nvSpPr>
+          <p:cNvPr id="81" name="文本框 80">
+            <a:extLst>
+              <a:ext uri="{FF2B5EF4-FFF2-40B4-BE49-F238E27FC236}">
+                <a16:creationId xmlns:a16="http://schemas.microsoft.com/office/drawing/2014/main" id="{53624518-2AE9-4493-AEF4-A51CD9975ED2}"/>
+              </a:ext>
+            </a:extLst>
+          </p:cNvPr>
+          <p:cNvSpPr txBox="1"/>
+          <p:nvPr/>
+        </p:nvSpPr>
+        <p:spPr>
+          <a:xfrm>
+            <a:off x="1400352" y="4444777"/>
+            <a:ext cx="559769" cy="369332"/>
+          </a:xfrm>
+          <a:prstGeom prst="rect">
+            <a:avLst/>
+          </a:prstGeom>
+          <a:noFill/>
+        </p:spPr>
+        <p:txBody>
+          <a:bodyPr wrap="none" rtlCol="0">
+            <a:spAutoFit/>
+          </a:bodyPr>
+          <a:lstStyle/>
+          <a:p>
+            <a:r>
+              <a:rPr lang="en-US" altLang="zh-CN" dirty="0"/>
+              <a:t>Td1</a:t>
+            </a:r>
+            <a:endParaRPr lang="zh-CN" altLang="en-US" dirty="0"/>
+          </a:p>
+        </p:txBody>
+      </p:sp>
+      <p:sp>
+        <p:nvSpPr>
+          <p:cNvPr id="82" name="文本框 81">
+            <a:extLst>
+              <a:ext uri="{FF2B5EF4-FFF2-40B4-BE49-F238E27FC236}">
+                <a16:creationId xmlns:a16="http://schemas.microsoft.com/office/drawing/2014/main" id="{CF1FA464-18ED-4AF0-B942-B3821C8A1FF3}"/>
+              </a:ext>
+            </a:extLst>
+          </p:cNvPr>
+          <p:cNvSpPr txBox="1"/>
+          <p:nvPr/>
+        </p:nvSpPr>
+        <p:spPr>
+          <a:xfrm>
+            <a:off x="2691085" y="3654784"/>
+            <a:ext cx="553357" cy="369332"/>
+          </a:xfrm>
+          <a:prstGeom prst="rect">
+            <a:avLst/>
+          </a:prstGeom>
+          <a:noFill/>
+        </p:spPr>
+        <p:txBody>
+          <a:bodyPr wrap="none" rtlCol="0">
+            <a:spAutoFit/>
+          </a:bodyPr>
+          <a:lstStyle/>
+          <a:p>
+            <a:r>
+              <a:rPr lang="en-US" altLang="zh-CN" dirty="0"/>
+              <a:t>Tu2</a:t>
+            </a:r>
+            <a:endParaRPr lang="zh-CN" altLang="en-US" dirty="0"/>
+          </a:p>
+        </p:txBody>
+      </p:sp>
+      <p:sp>
+        <p:nvSpPr>
+          <p:cNvPr id="83" name="文本框 82">
+            <a:extLst>
+              <a:ext uri="{FF2B5EF4-FFF2-40B4-BE49-F238E27FC236}">
+                <a16:creationId xmlns:a16="http://schemas.microsoft.com/office/drawing/2014/main" id="{064F259A-6DF7-4D84-A606-3A3AA78AFEE3}"/>
+              </a:ext>
+            </a:extLst>
+          </p:cNvPr>
+          <p:cNvSpPr txBox="1"/>
+          <p:nvPr/>
+        </p:nvSpPr>
+        <p:spPr>
+          <a:xfrm>
+            <a:off x="4379381" y="4444777"/>
+            <a:ext cx="559769" cy="369332"/>
+          </a:xfrm>
+          <a:prstGeom prst="rect">
+            <a:avLst/>
+          </a:prstGeom>
+          <a:noFill/>
+        </p:spPr>
+        <p:txBody>
+          <a:bodyPr wrap="none" rtlCol="0">
+            <a:spAutoFit/>
+          </a:bodyPr>
+          <a:lstStyle/>
+          <a:p>
+            <a:r>
+              <a:rPr lang="en-US" altLang="zh-CN" dirty="0"/>
+              <a:t>Td3</a:t>
+            </a:r>
+            <a:endParaRPr lang="zh-CN" altLang="en-US" dirty="0"/>
+          </a:p>
+        </p:txBody>
+      </p:sp>
     </p:spTree>
     <p:extLst>
       <p:ext uri="{BB962C8B-B14F-4D97-AF65-F5344CB8AC3E}">
@@ -10932,6 +11581,1319 @@
     <p:extLst>
       <p:ext uri="{BB962C8B-B14F-4D97-AF65-F5344CB8AC3E}">
         <p14:creationId xmlns:p14="http://schemas.microsoft.com/office/powerpoint/2010/main" val="4047773490"/>
+      </p:ext>
+    </p:extLst>
+  </p:cSld>
+  <p:clrMapOvr>
+    <a:masterClrMapping/>
+  </p:clrMapOvr>
+</p:sld>
+</file>
+
+<file path=ppt/slides/slide14.xml><?xml version="1.0" encoding="utf-8"?>
+<p:sld xmlns:a="http://schemas.openxmlformats.org/drawingml/2006/main" xmlns:r="http://schemas.openxmlformats.org/officeDocument/2006/relationships" xmlns:p="http://schemas.openxmlformats.org/presentationml/2006/main">
+  <p:cSld>
+    <p:spTree>
+      <p:nvGrpSpPr>
+        <p:cNvPr id="1" name=""/>
+        <p:cNvGrpSpPr/>
+        <p:nvPr/>
+      </p:nvGrpSpPr>
+      <p:grpSpPr>
+        <a:xfrm>
+          <a:off x="0" y="0"/>
+          <a:ext cx="0" cy="0"/>
+          <a:chOff x="0" y="0"/>
+          <a:chExt cx="0" cy="0"/>
+        </a:xfrm>
+      </p:grpSpPr>
+      <p:grpSp>
+        <p:nvGrpSpPr>
+          <p:cNvPr id="14" name="组合 13">
+            <a:extLst>
+              <a:ext uri="{FF2B5EF4-FFF2-40B4-BE49-F238E27FC236}">
+                <a16:creationId xmlns:a16="http://schemas.microsoft.com/office/drawing/2014/main" id="{56635533-BCEA-4018-93C9-BE6C222A5B36}"/>
+              </a:ext>
+            </a:extLst>
+          </p:cNvPr>
+          <p:cNvGrpSpPr/>
+          <p:nvPr/>
+        </p:nvGrpSpPr>
+        <p:grpSpPr>
+          <a:xfrm>
+            <a:off x="6450567" y="609004"/>
+            <a:ext cx="1371600" cy="1593319"/>
+            <a:chOff x="3362132" y="861526"/>
+            <a:chExt cx="1371600" cy="1593319"/>
+          </a:xfrm>
+        </p:grpSpPr>
+        <p:grpSp>
+          <p:nvGrpSpPr>
+            <p:cNvPr id="6" name="组合 5">
+              <a:extLst>
+                <a:ext uri="{FF2B5EF4-FFF2-40B4-BE49-F238E27FC236}">
+                  <a16:creationId xmlns:a16="http://schemas.microsoft.com/office/drawing/2014/main" id="{A3058BBC-C8E7-4840-A4CF-76F775C60C21}"/>
+                </a:ext>
+              </a:extLst>
+            </p:cNvPr>
+            <p:cNvGrpSpPr/>
+            <p:nvPr/>
+          </p:nvGrpSpPr>
+          <p:grpSpPr>
+            <a:xfrm>
+              <a:off x="3362132" y="861526"/>
+              <a:ext cx="1371600" cy="1593319"/>
+              <a:chOff x="3362132" y="861526"/>
+              <a:chExt cx="1371600" cy="1593319"/>
+            </a:xfrm>
+          </p:grpSpPr>
+          <p:sp>
+            <p:nvSpPr>
+              <p:cNvPr id="38" name="等腰三角形 37">
+                <a:extLst>
+                  <a:ext uri="{FF2B5EF4-FFF2-40B4-BE49-F238E27FC236}">
+                    <a16:creationId xmlns:a16="http://schemas.microsoft.com/office/drawing/2014/main" id="{A2702E77-184C-4627-9174-036823DCBA13}"/>
+                  </a:ext>
+                </a:extLst>
+              </p:cNvPr>
+              <p:cNvSpPr/>
+              <p:nvPr/>
+            </p:nvSpPr>
+            <p:spPr>
+              <a:xfrm>
+                <a:off x="3362132" y="861526"/>
+                <a:ext cx="1371600" cy="1188000"/>
+              </a:xfrm>
+              <a:prstGeom prst="triangle">
+                <a:avLst/>
+              </a:prstGeom>
+              <a:noFill/>
+              <a:ln>
+                <a:solidFill>
+                  <a:schemeClr val="tx1"/>
+                </a:solidFill>
+              </a:ln>
+            </p:spPr>
+            <p:style>
+              <a:lnRef idx="2">
+                <a:schemeClr val="accent1">
+                  <a:shade val="50000"/>
+                </a:schemeClr>
+              </a:lnRef>
+              <a:fillRef idx="1">
+                <a:schemeClr val="accent1"/>
+              </a:fillRef>
+              <a:effectRef idx="0">
+                <a:schemeClr val="accent1"/>
+              </a:effectRef>
+              <a:fontRef idx="minor">
+                <a:schemeClr val="lt1"/>
+              </a:fontRef>
+            </p:style>
+            <p:txBody>
+              <a:bodyPr rtlCol="0" anchor="ctr"/>
+              <a:lstStyle/>
+              <a:p>
+                <a:pPr algn="ctr"/>
+                <a:endParaRPr lang="zh-CN" altLang="en-US"/>
+              </a:p>
+            </p:txBody>
+          </p:sp>
+          <p:sp>
+            <p:nvSpPr>
+              <p:cNvPr id="39" name="等腰三角形 38">
+                <a:extLst>
+                  <a:ext uri="{FF2B5EF4-FFF2-40B4-BE49-F238E27FC236}">
+                    <a16:creationId xmlns:a16="http://schemas.microsoft.com/office/drawing/2014/main" id="{7D7AEEF6-687B-4D30-95D6-75711754D80E}"/>
+                  </a:ext>
+                </a:extLst>
+              </p:cNvPr>
+              <p:cNvSpPr/>
+              <p:nvPr/>
+            </p:nvSpPr>
+            <p:spPr>
+              <a:xfrm rot="10800000">
+                <a:off x="3362132" y="1266845"/>
+                <a:ext cx="1371600" cy="1188000"/>
+              </a:xfrm>
+              <a:prstGeom prst="triangle">
+                <a:avLst/>
+              </a:prstGeom>
+              <a:noFill/>
+              <a:ln>
+                <a:solidFill>
+                  <a:schemeClr val="tx1"/>
+                </a:solidFill>
+              </a:ln>
+            </p:spPr>
+            <p:style>
+              <a:lnRef idx="2">
+                <a:schemeClr val="accent1">
+                  <a:shade val="50000"/>
+                </a:schemeClr>
+              </a:lnRef>
+              <a:fillRef idx="1">
+                <a:schemeClr val="accent1"/>
+              </a:fillRef>
+              <a:effectRef idx="0">
+                <a:schemeClr val="accent1"/>
+              </a:effectRef>
+              <a:fontRef idx="minor">
+                <a:schemeClr val="lt1"/>
+              </a:fontRef>
+            </p:style>
+            <p:txBody>
+              <a:bodyPr rtlCol="0" anchor="ctr"/>
+              <a:lstStyle/>
+              <a:p>
+                <a:pPr algn="ctr"/>
+                <a:endParaRPr lang="zh-CN" altLang="en-US"/>
+              </a:p>
+            </p:txBody>
+          </p:sp>
+        </p:grpSp>
+        <p:cxnSp>
+          <p:nvCxnSpPr>
+            <p:cNvPr id="9" name="直接连接符 8">
+              <a:extLst>
+                <a:ext uri="{FF2B5EF4-FFF2-40B4-BE49-F238E27FC236}">
+                  <a16:creationId xmlns:a16="http://schemas.microsoft.com/office/drawing/2014/main" id="{1602B481-848C-4088-A200-C35FE7A5106D}"/>
+                </a:ext>
+              </a:extLst>
+            </p:cNvPr>
+            <p:cNvCxnSpPr>
+              <a:cxnSpLocks/>
+            </p:cNvCxnSpPr>
+            <p:nvPr/>
+          </p:nvCxnSpPr>
+          <p:spPr>
+            <a:xfrm flipV="1">
+              <a:off x="3599234" y="1663430"/>
+              <a:ext cx="894943" cy="1"/>
+            </a:xfrm>
+            <a:prstGeom prst="line">
+              <a:avLst/>
+            </a:prstGeom>
+            <a:ln w="19050">
+              <a:solidFill>
+                <a:schemeClr val="tx1"/>
+              </a:solidFill>
+              <a:prstDash val="sysDot"/>
+            </a:ln>
+          </p:spPr>
+          <p:style>
+            <a:lnRef idx="1">
+              <a:schemeClr val="accent1"/>
+            </a:lnRef>
+            <a:fillRef idx="0">
+              <a:schemeClr val="accent1"/>
+            </a:fillRef>
+            <a:effectRef idx="0">
+              <a:schemeClr val="accent1"/>
+            </a:effectRef>
+            <a:fontRef idx="minor">
+              <a:schemeClr val="tx1"/>
+            </a:fontRef>
+          </p:style>
+        </p:cxnSp>
+      </p:grpSp>
+      <p:sp>
+        <p:nvSpPr>
+          <p:cNvPr id="16" name="文本框 15">
+            <a:extLst>
+              <a:ext uri="{FF2B5EF4-FFF2-40B4-BE49-F238E27FC236}">
+                <a16:creationId xmlns:a16="http://schemas.microsoft.com/office/drawing/2014/main" id="{A6A70BA5-6E4F-4BD5-9C9A-AEB075C9CC9F}"/>
+              </a:ext>
+            </a:extLst>
+          </p:cNvPr>
+          <p:cNvSpPr txBox="1"/>
+          <p:nvPr/>
+        </p:nvSpPr>
+        <p:spPr>
+          <a:xfrm>
+            <a:off x="418289" y="350196"/>
+            <a:ext cx="3599062" cy="369332"/>
+          </a:xfrm>
+          <a:prstGeom prst="rect">
+            <a:avLst/>
+          </a:prstGeom>
+          <a:noFill/>
+        </p:spPr>
+        <p:txBody>
+          <a:bodyPr wrap="none" rtlCol="0">
+            <a:spAutoFit/>
+          </a:bodyPr>
+          <a:lstStyle/>
+          <a:p>
+            <a:r>
+              <a:rPr lang="en-US" altLang="zh-CN" dirty="0"/>
+              <a:t>bipartition and fuse legs:  J3 term1</a:t>
+            </a:r>
+            <a:endParaRPr lang="zh-CN" altLang="en-US" dirty="0"/>
+          </a:p>
+        </p:txBody>
+      </p:sp>
+      <p:grpSp>
+        <p:nvGrpSpPr>
+          <p:cNvPr id="30" name="组合 29">
+            <a:extLst>
+              <a:ext uri="{FF2B5EF4-FFF2-40B4-BE49-F238E27FC236}">
+                <a16:creationId xmlns:a16="http://schemas.microsoft.com/office/drawing/2014/main" id="{CD8CA9EE-DFBE-4031-ADB0-A81D711F6514}"/>
+              </a:ext>
+            </a:extLst>
+          </p:cNvPr>
+          <p:cNvGrpSpPr/>
+          <p:nvPr/>
+        </p:nvGrpSpPr>
+        <p:grpSpPr>
+          <a:xfrm rot="10800000">
+            <a:off x="637399" y="3751959"/>
+            <a:ext cx="673876" cy="649504"/>
+            <a:chOff x="7169285" y="770735"/>
+            <a:chExt cx="673876" cy="649504"/>
+          </a:xfrm>
+        </p:grpSpPr>
+        <p:cxnSp>
+          <p:nvCxnSpPr>
+            <p:cNvPr id="50" name="直接连接符 49">
+              <a:extLst>
+                <a:ext uri="{FF2B5EF4-FFF2-40B4-BE49-F238E27FC236}">
+                  <a16:creationId xmlns:a16="http://schemas.microsoft.com/office/drawing/2014/main" id="{D9C856B4-CC4E-4CE3-AB98-E247574844B2}"/>
+                </a:ext>
+              </a:extLst>
+            </p:cNvPr>
+            <p:cNvCxnSpPr>
+              <a:cxnSpLocks/>
+            </p:cNvCxnSpPr>
+            <p:nvPr/>
+          </p:nvCxnSpPr>
+          <p:spPr>
+            <a:xfrm flipV="1">
+              <a:off x="7169285" y="1212335"/>
+              <a:ext cx="336938" cy="207904"/>
+            </a:xfrm>
+            <a:prstGeom prst="line">
+              <a:avLst/>
+            </a:prstGeom>
+            <a:ln w="19050">
+              <a:solidFill>
+                <a:schemeClr val="tx1"/>
+              </a:solidFill>
+              <a:prstDash val="solid"/>
+            </a:ln>
+          </p:spPr>
+          <p:style>
+            <a:lnRef idx="1">
+              <a:schemeClr val="accent1"/>
+            </a:lnRef>
+            <a:fillRef idx="0">
+              <a:schemeClr val="accent1"/>
+            </a:fillRef>
+            <a:effectRef idx="0">
+              <a:schemeClr val="accent1"/>
+            </a:effectRef>
+            <a:fontRef idx="minor">
+              <a:schemeClr val="tx1"/>
+            </a:fontRef>
+          </p:style>
+        </p:cxnSp>
+        <p:cxnSp>
+          <p:nvCxnSpPr>
+            <p:cNvPr id="54" name="直接连接符 53">
+              <a:extLst>
+                <a:ext uri="{FF2B5EF4-FFF2-40B4-BE49-F238E27FC236}">
+                  <a16:creationId xmlns:a16="http://schemas.microsoft.com/office/drawing/2014/main" id="{C77A99BB-391F-4E7E-B466-5418177702A6}"/>
+                </a:ext>
+              </a:extLst>
+            </p:cNvPr>
+            <p:cNvCxnSpPr>
+              <a:cxnSpLocks/>
+            </p:cNvCxnSpPr>
+            <p:nvPr/>
+          </p:nvCxnSpPr>
+          <p:spPr>
+            <a:xfrm>
+              <a:off x="7515973" y="1212335"/>
+              <a:ext cx="327188" cy="207904"/>
+            </a:xfrm>
+            <a:prstGeom prst="line">
+              <a:avLst/>
+            </a:prstGeom>
+            <a:ln w="19050">
+              <a:solidFill>
+                <a:schemeClr val="tx1"/>
+              </a:solidFill>
+              <a:prstDash val="solid"/>
+            </a:ln>
+          </p:spPr>
+          <p:style>
+            <a:lnRef idx="1">
+              <a:schemeClr val="accent1"/>
+            </a:lnRef>
+            <a:fillRef idx="0">
+              <a:schemeClr val="accent1"/>
+            </a:fillRef>
+            <a:effectRef idx="0">
+              <a:schemeClr val="accent1"/>
+            </a:effectRef>
+            <a:fontRef idx="minor">
+              <a:schemeClr val="tx1"/>
+            </a:fontRef>
+          </p:style>
+        </p:cxnSp>
+        <p:cxnSp>
+          <p:nvCxnSpPr>
+            <p:cNvPr id="57" name="直接连接符 56">
+              <a:extLst>
+                <a:ext uri="{FF2B5EF4-FFF2-40B4-BE49-F238E27FC236}">
+                  <a16:creationId xmlns:a16="http://schemas.microsoft.com/office/drawing/2014/main" id="{7AB34F4B-B3E2-4FF9-8479-383DD3EEAF7B}"/>
+                </a:ext>
+              </a:extLst>
+            </p:cNvPr>
+            <p:cNvCxnSpPr>
+              <a:cxnSpLocks/>
+            </p:cNvCxnSpPr>
+            <p:nvPr/>
+          </p:nvCxnSpPr>
+          <p:spPr>
+            <a:xfrm flipV="1">
+              <a:off x="7506223" y="770735"/>
+              <a:ext cx="0" cy="441600"/>
+            </a:xfrm>
+            <a:prstGeom prst="line">
+              <a:avLst/>
+            </a:prstGeom>
+            <a:ln w="19050">
+              <a:solidFill>
+                <a:schemeClr val="tx1"/>
+              </a:solidFill>
+              <a:prstDash val="solid"/>
+            </a:ln>
+          </p:spPr>
+          <p:style>
+            <a:lnRef idx="1">
+              <a:schemeClr val="accent1"/>
+            </a:lnRef>
+            <a:fillRef idx="0">
+              <a:schemeClr val="accent1"/>
+            </a:fillRef>
+            <a:effectRef idx="0">
+              <a:schemeClr val="accent1"/>
+            </a:effectRef>
+            <a:fontRef idx="minor">
+              <a:schemeClr val="tx1"/>
+            </a:fontRef>
+          </p:style>
+        </p:cxnSp>
+      </p:grpSp>
+      <p:grpSp>
+        <p:nvGrpSpPr>
+          <p:cNvPr id="90" name="组合 89">
+            <a:extLst>
+              <a:ext uri="{FF2B5EF4-FFF2-40B4-BE49-F238E27FC236}">
+                <a16:creationId xmlns:a16="http://schemas.microsoft.com/office/drawing/2014/main" id="{1C49884E-B866-4B22-BEE7-1583BA45563A}"/>
+              </a:ext>
+            </a:extLst>
+          </p:cNvPr>
+          <p:cNvGrpSpPr/>
+          <p:nvPr/>
+        </p:nvGrpSpPr>
+        <p:grpSpPr>
+          <a:xfrm>
+            <a:off x="556324" y="5401555"/>
+            <a:ext cx="489338" cy="654622"/>
+            <a:chOff x="7169285" y="3200400"/>
+            <a:chExt cx="489338" cy="654622"/>
+          </a:xfrm>
+        </p:grpSpPr>
+        <p:cxnSp>
+          <p:nvCxnSpPr>
+            <p:cNvPr id="91" name="直接连接符 90">
+              <a:extLst>
+                <a:ext uri="{FF2B5EF4-FFF2-40B4-BE49-F238E27FC236}">
+                  <a16:creationId xmlns:a16="http://schemas.microsoft.com/office/drawing/2014/main" id="{2606EB03-2F80-4819-B94D-A94ED57DA2FB}"/>
+                </a:ext>
+              </a:extLst>
+            </p:cNvPr>
+            <p:cNvCxnSpPr>
+              <a:cxnSpLocks/>
+            </p:cNvCxnSpPr>
+            <p:nvPr/>
+          </p:nvCxnSpPr>
+          <p:spPr>
+            <a:xfrm flipV="1">
+              <a:off x="7658623" y="3200400"/>
+              <a:ext cx="0" cy="654622"/>
+            </a:xfrm>
+            <a:prstGeom prst="line">
+              <a:avLst/>
+            </a:prstGeom>
+            <a:ln w="19050">
+              <a:solidFill>
+                <a:schemeClr val="tx1"/>
+              </a:solidFill>
+              <a:prstDash val="solid"/>
+            </a:ln>
+          </p:spPr>
+          <p:style>
+            <a:lnRef idx="1">
+              <a:schemeClr val="accent1"/>
+            </a:lnRef>
+            <a:fillRef idx="0">
+              <a:schemeClr val="accent1"/>
+            </a:fillRef>
+            <a:effectRef idx="0">
+              <a:schemeClr val="accent1"/>
+            </a:effectRef>
+            <a:fontRef idx="minor">
+              <a:schemeClr val="tx1"/>
+            </a:fontRef>
+          </p:style>
+        </p:cxnSp>
+        <p:cxnSp>
+          <p:nvCxnSpPr>
+            <p:cNvPr id="92" name="直接连接符 91">
+              <a:extLst>
+                <a:ext uri="{FF2B5EF4-FFF2-40B4-BE49-F238E27FC236}">
+                  <a16:creationId xmlns:a16="http://schemas.microsoft.com/office/drawing/2014/main" id="{19D52BD5-B058-4135-A831-258A84F2F4F0}"/>
+                </a:ext>
+              </a:extLst>
+            </p:cNvPr>
+            <p:cNvCxnSpPr>
+              <a:cxnSpLocks/>
+            </p:cNvCxnSpPr>
+            <p:nvPr/>
+          </p:nvCxnSpPr>
+          <p:spPr>
+            <a:xfrm>
+              <a:off x="7169285" y="3527711"/>
+              <a:ext cx="489338" cy="0"/>
+            </a:xfrm>
+            <a:prstGeom prst="line">
+              <a:avLst/>
+            </a:prstGeom>
+            <a:ln w="19050">
+              <a:solidFill>
+                <a:schemeClr val="tx1"/>
+              </a:solidFill>
+              <a:prstDash val="dash"/>
+            </a:ln>
+          </p:spPr>
+          <p:style>
+            <a:lnRef idx="1">
+              <a:schemeClr val="accent1"/>
+            </a:lnRef>
+            <a:fillRef idx="0">
+              <a:schemeClr val="accent1"/>
+            </a:fillRef>
+            <a:effectRef idx="0">
+              <a:schemeClr val="accent1"/>
+            </a:effectRef>
+            <a:fontRef idx="minor">
+              <a:schemeClr val="tx1"/>
+            </a:fontRef>
+          </p:style>
+        </p:cxnSp>
+      </p:grpSp>
+      <p:grpSp>
+        <p:nvGrpSpPr>
+          <p:cNvPr id="4" name="组合 3">
+            <a:extLst>
+              <a:ext uri="{FF2B5EF4-FFF2-40B4-BE49-F238E27FC236}">
+                <a16:creationId xmlns:a16="http://schemas.microsoft.com/office/drawing/2014/main" id="{232761D5-E59C-4A64-9C37-66F7CAE0D73B}"/>
+              </a:ext>
+            </a:extLst>
+          </p:cNvPr>
+          <p:cNvGrpSpPr/>
+          <p:nvPr/>
+        </p:nvGrpSpPr>
+        <p:grpSpPr>
+          <a:xfrm>
+            <a:off x="1796431" y="2415823"/>
+            <a:ext cx="2360533" cy="894177"/>
+            <a:chOff x="1796431" y="3190266"/>
+            <a:chExt cx="2360533" cy="894177"/>
+          </a:xfrm>
+        </p:grpSpPr>
+        <p:grpSp>
+          <p:nvGrpSpPr>
+            <p:cNvPr id="42" name="组合 41">
+              <a:extLst>
+                <a:ext uri="{FF2B5EF4-FFF2-40B4-BE49-F238E27FC236}">
+                  <a16:creationId xmlns:a16="http://schemas.microsoft.com/office/drawing/2014/main" id="{D88EF11F-F8B7-4A39-9327-AB3A43B419F5}"/>
+                </a:ext>
+              </a:extLst>
+            </p:cNvPr>
+            <p:cNvGrpSpPr/>
+            <p:nvPr/>
+          </p:nvGrpSpPr>
+          <p:grpSpPr>
+            <a:xfrm rot="3600000">
+              <a:off x="1879073" y="3512459"/>
+              <a:ext cx="489338" cy="654622"/>
+              <a:chOff x="7169285" y="3200400"/>
+              <a:chExt cx="489338" cy="654622"/>
+            </a:xfrm>
+          </p:grpSpPr>
+          <p:cxnSp>
+            <p:nvCxnSpPr>
+              <p:cNvPr id="84" name="直接连接符 83">
+                <a:extLst>
+                  <a:ext uri="{FF2B5EF4-FFF2-40B4-BE49-F238E27FC236}">
+                    <a16:creationId xmlns:a16="http://schemas.microsoft.com/office/drawing/2014/main" id="{107A118D-6C7F-412E-8948-176A41B71765}"/>
+                  </a:ext>
+                </a:extLst>
+              </p:cNvPr>
+              <p:cNvCxnSpPr>
+                <a:cxnSpLocks/>
+              </p:cNvCxnSpPr>
+              <p:nvPr/>
+            </p:nvCxnSpPr>
+            <p:spPr>
+              <a:xfrm flipV="1">
+                <a:off x="7658623" y="3200400"/>
+                <a:ext cx="0" cy="654622"/>
+              </a:xfrm>
+              <a:prstGeom prst="line">
+                <a:avLst/>
+              </a:prstGeom>
+              <a:ln w="19050">
+                <a:solidFill>
+                  <a:schemeClr val="tx1"/>
+                </a:solidFill>
+                <a:prstDash val="solid"/>
+              </a:ln>
+            </p:spPr>
+            <p:style>
+              <a:lnRef idx="1">
+                <a:schemeClr val="accent1"/>
+              </a:lnRef>
+              <a:fillRef idx="0">
+                <a:schemeClr val="accent1"/>
+              </a:fillRef>
+              <a:effectRef idx="0">
+                <a:schemeClr val="accent1"/>
+              </a:effectRef>
+              <a:fontRef idx="minor">
+                <a:schemeClr val="tx1"/>
+              </a:fontRef>
+            </p:style>
+          </p:cxnSp>
+          <p:cxnSp>
+            <p:nvCxnSpPr>
+              <p:cNvPr id="85" name="直接连接符 84">
+                <a:extLst>
+                  <a:ext uri="{FF2B5EF4-FFF2-40B4-BE49-F238E27FC236}">
+                    <a16:creationId xmlns:a16="http://schemas.microsoft.com/office/drawing/2014/main" id="{22DD0643-05A4-4FB2-9B89-B889E1C428F7}"/>
+                  </a:ext>
+                </a:extLst>
+              </p:cNvPr>
+              <p:cNvCxnSpPr>
+                <a:cxnSpLocks/>
+              </p:cNvCxnSpPr>
+              <p:nvPr/>
+            </p:nvCxnSpPr>
+            <p:spPr>
+              <a:xfrm>
+                <a:off x="7169285" y="3527711"/>
+                <a:ext cx="489338" cy="0"/>
+              </a:xfrm>
+              <a:prstGeom prst="line">
+                <a:avLst/>
+              </a:prstGeom>
+              <a:ln w="19050">
+                <a:solidFill>
+                  <a:schemeClr val="tx1"/>
+                </a:solidFill>
+                <a:prstDash val="dash"/>
+              </a:ln>
+            </p:spPr>
+            <p:style>
+              <a:lnRef idx="1">
+                <a:schemeClr val="accent1"/>
+              </a:lnRef>
+              <a:fillRef idx="0">
+                <a:schemeClr val="accent1"/>
+              </a:fillRef>
+              <a:effectRef idx="0">
+                <a:schemeClr val="accent1"/>
+              </a:effectRef>
+              <a:fontRef idx="minor">
+                <a:schemeClr val="tx1"/>
+              </a:fontRef>
+            </p:style>
+          </p:cxnSp>
+        </p:grpSp>
+        <p:grpSp>
+          <p:nvGrpSpPr>
+            <p:cNvPr id="86" name="组合 85">
+              <a:extLst>
+                <a:ext uri="{FF2B5EF4-FFF2-40B4-BE49-F238E27FC236}">
+                  <a16:creationId xmlns:a16="http://schemas.microsoft.com/office/drawing/2014/main" id="{17B211DC-A17A-497E-AD49-EBEE19526028}"/>
+                </a:ext>
+              </a:extLst>
+            </p:cNvPr>
+            <p:cNvGrpSpPr/>
+            <p:nvPr/>
+          </p:nvGrpSpPr>
+          <p:grpSpPr>
+            <a:xfrm>
+              <a:off x="2600706" y="3190266"/>
+              <a:ext cx="673876" cy="649504"/>
+              <a:chOff x="7169285" y="770735"/>
+              <a:chExt cx="673876" cy="649504"/>
+            </a:xfrm>
+          </p:grpSpPr>
+          <p:cxnSp>
+            <p:nvCxnSpPr>
+              <p:cNvPr id="87" name="直接连接符 86">
+                <a:extLst>
+                  <a:ext uri="{FF2B5EF4-FFF2-40B4-BE49-F238E27FC236}">
+                    <a16:creationId xmlns:a16="http://schemas.microsoft.com/office/drawing/2014/main" id="{E3E0FCC2-8FFB-4588-9A41-18ACF393E77C}"/>
+                  </a:ext>
+                </a:extLst>
+              </p:cNvPr>
+              <p:cNvCxnSpPr>
+                <a:cxnSpLocks/>
+              </p:cNvCxnSpPr>
+              <p:nvPr/>
+            </p:nvCxnSpPr>
+            <p:spPr>
+              <a:xfrm flipV="1">
+                <a:off x="7169285" y="1212335"/>
+                <a:ext cx="336938" cy="207904"/>
+              </a:xfrm>
+              <a:prstGeom prst="line">
+                <a:avLst/>
+              </a:prstGeom>
+              <a:ln w="19050">
+                <a:solidFill>
+                  <a:schemeClr val="tx1"/>
+                </a:solidFill>
+                <a:prstDash val="solid"/>
+              </a:ln>
+            </p:spPr>
+            <p:style>
+              <a:lnRef idx="1">
+                <a:schemeClr val="accent1"/>
+              </a:lnRef>
+              <a:fillRef idx="0">
+                <a:schemeClr val="accent1"/>
+              </a:fillRef>
+              <a:effectRef idx="0">
+                <a:schemeClr val="accent1"/>
+              </a:effectRef>
+              <a:fontRef idx="minor">
+                <a:schemeClr val="tx1"/>
+              </a:fontRef>
+            </p:style>
+          </p:cxnSp>
+          <p:cxnSp>
+            <p:nvCxnSpPr>
+              <p:cNvPr id="88" name="直接连接符 87">
+                <a:extLst>
+                  <a:ext uri="{FF2B5EF4-FFF2-40B4-BE49-F238E27FC236}">
+                    <a16:creationId xmlns:a16="http://schemas.microsoft.com/office/drawing/2014/main" id="{44E65966-42CD-4657-9CB0-5B104E91CAC2}"/>
+                  </a:ext>
+                </a:extLst>
+              </p:cNvPr>
+              <p:cNvCxnSpPr>
+                <a:cxnSpLocks/>
+              </p:cNvCxnSpPr>
+              <p:nvPr/>
+            </p:nvCxnSpPr>
+            <p:spPr>
+              <a:xfrm>
+                <a:off x="7515973" y="1212335"/>
+                <a:ext cx="327188" cy="207904"/>
+              </a:xfrm>
+              <a:prstGeom prst="line">
+                <a:avLst/>
+              </a:prstGeom>
+              <a:ln w="19050">
+                <a:solidFill>
+                  <a:schemeClr val="tx1"/>
+                </a:solidFill>
+                <a:prstDash val="solid"/>
+              </a:ln>
+            </p:spPr>
+            <p:style>
+              <a:lnRef idx="1">
+                <a:schemeClr val="accent1"/>
+              </a:lnRef>
+              <a:fillRef idx="0">
+                <a:schemeClr val="accent1"/>
+              </a:fillRef>
+              <a:effectRef idx="0">
+                <a:schemeClr val="accent1"/>
+              </a:effectRef>
+              <a:fontRef idx="minor">
+                <a:schemeClr val="tx1"/>
+              </a:fontRef>
+            </p:style>
+          </p:cxnSp>
+          <p:cxnSp>
+            <p:nvCxnSpPr>
+              <p:cNvPr id="89" name="直接连接符 88">
+                <a:extLst>
+                  <a:ext uri="{FF2B5EF4-FFF2-40B4-BE49-F238E27FC236}">
+                    <a16:creationId xmlns:a16="http://schemas.microsoft.com/office/drawing/2014/main" id="{21E9D6B9-EC44-467D-8AF8-458BE6F0A697}"/>
+                  </a:ext>
+                </a:extLst>
+              </p:cNvPr>
+              <p:cNvCxnSpPr>
+                <a:cxnSpLocks/>
+              </p:cNvCxnSpPr>
+              <p:nvPr/>
+            </p:nvCxnSpPr>
+            <p:spPr>
+              <a:xfrm flipV="1">
+                <a:off x="7506223" y="770735"/>
+                <a:ext cx="0" cy="441600"/>
+              </a:xfrm>
+              <a:prstGeom prst="line">
+                <a:avLst/>
+              </a:prstGeom>
+              <a:ln w="19050">
+                <a:solidFill>
+                  <a:schemeClr val="tx1"/>
+                </a:solidFill>
+                <a:prstDash val="solid"/>
+              </a:ln>
+            </p:spPr>
+            <p:style>
+              <a:lnRef idx="1">
+                <a:schemeClr val="accent1"/>
+              </a:lnRef>
+              <a:fillRef idx="0">
+                <a:schemeClr val="accent1"/>
+              </a:fillRef>
+              <a:effectRef idx="0">
+                <a:schemeClr val="accent1"/>
+              </a:effectRef>
+              <a:fontRef idx="minor">
+                <a:schemeClr val="tx1"/>
+              </a:fontRef>
+            </p:style>
+          </p:cxnSp>
+        </p:grpSp>
+        <p:grpSp>
+          <p:nvGrpSpPr>
+            <p:cNvPr id="93" name="组合 92">
+              <a:extLst>
+                <a:ext uri="{FF2B5EF4-FFF2-40B4-BE49-F238E27FC236}">
+                  <a16:creationId xmlns:a16="http://schemas.microsoft.com/office/drawing/2014/main" id="{6868A47C-6C3F-43F6-8F16-D17BB211C6D2}"/>
+                </a:ext>
+              </a:extLst>
+            </p:cNvPr>
+            <p:cNvGrpSpPr/>
+            <p:nvPr/>
+          </p:nvGrpSpPr>
+          <p:grpSpPr>
+            <a:xfrm rot="7200000">
+              <a:off x="3584984" y="3512463"/>
+              <a:ext cx="489338" cy="654622"/>
+              <a:chOff x="7169289" y="3200400"/>
+              <a:chExt cx="489338" cy="654622"/>
+            </a:xfrm>
+          </p:grpSpPr>
+          <p:cxnSp>
+            <p:nvCxnSpPr>
+              <p:cNvPr id="94" name="直接连接符 93">
+                <a:extLst>
+                  <a:ext uri="{FF2B5EF4-FFF2-40B4-BE49-F238E27FC236}">
+                    <a16:creationId xmlns:a16="http://schemas.microsoft.com/office/drawing/2014/main" id="{B4BFA05B-0C38-47D2-8BB9-3B7748ACB67D}"/>
+                  </a:ext>
+                </a:extLst>
+              </p:cNvPr>
+              <p:cNvCxnSpPr>
+                <a:cxnSpLocks/>
+              </p:cNvCxnSpPr>
+              <p:nvPr/>
+            </p:nvCxnSpPr>
+            <p:spPr>
+              <a:xfrm flipV="1">
+                <a:off x="7658623" y="3200400"/>
+                <a:ext cx="0" cy="654622"/>
+              </a:xfrm>
+              <a:prstGeom prst="line">
+                <a:avLst/>
+              </a:prstGeom>
+              <a:ln w="19050">
+                <a:solidFill>
+                  <a:schemeClr val="tx1"/>
+                </a:solidFill>
+                <a:prstDash val="solid"/>
+              </a:ln>
+            </p:spPr>
+            <p:style>
+              <a:lnRef idx="1">
+                <a:schemeClr val="accent1"/>
+              </a:lnRef>
+              <a:fillRef idx="0">
+                <a:schemeClr val="accent1"/>
+              </a:fillRef>
+              <a:effectRef idx="0">
+                <a:schemeClr val="accent1"/>
+              </a:effectRef>
+              <a:fontRef idx="minor">
+                <a:schemeClr val="tx1"/>
+              </a:fontRef>
+            </p:style>
+          </p:cxnSp>
+          <p:cxnSp>
+            <p:nvCxnSpPr>
+              <p:cNvPr id="95" name="直接连接符 94">
+                <a:extLst>
+                  <a:ext uri="{FF2B5EF4-FFF2-40B4-BE49-F238E27FC236}">
+                    <a16:creationId xmlns:a16="http://schemas.microsoft.com/office/drawing/2014/main" id="{11C68976-568E-4BEB-B393-62B3F72EEFB4}"/>
+                  </a:ext>
+                </a:extLst>
+              </p:cNvPr>
+              <p:cNvCxnSpPr>
+                <a:cxnSpLocks/>
+              </p:cNvCxnSpPr>
+              <p:nvPr/>
+            </p:nvCxnSpPr>
+            <p:spPr>
+              <a:xfrm>
+                <a:off x="7169289" y="3527712"/>
+                <a:ext cx="489338" cy="0"/>
+              </a:xfrm>
+              <a:prstGeom prst="line">
+                <a:avLst/>
+              </a:prstGeom>
+              <a:ln w="19050">
+                <a:solidFill>
+                  <a:schemeClr val="tx1"/>
+                </a:solidFill>
+                <a:prstDash val="dash"/>
+              </a:ln>
+            </p:spPr>
+            <p:style>
+              <a:lnRef idx="1">
+                <a:schemeClr val="accent1"/>
+              </a:lnRef>
+              <a:fillRef idx="0">
+                <a:schemeClr val="accent1"/>
+              </a:fillRef>
+              <a:effectRef idx="0">
+                <a:schemeClr val="accent1"/>
+              </a:effectRef>
+              <a:fontRef idx="minor">
+                <a:schemeClr val="tx1"/>
+              </a:fontRef>
+            </p:style>
+          </p:cxnSp>
+        </p:grpSp>
+      </p:grpSp>
+      <p:grpSp>
+        <p:nvGrpSpPr>
+          <p:cNvPr id="27" name="组合 26">
+            <a:extLst>
+              <a:ext uri="{FF2B5EF4-FFF2-40B4-BE49-F238E27FC236}">
+                <a16:creationId xmlns:a16="http://schemas.microsoft.com/office/drawing/2014/main" id="{5524E613-8769-4CA8-BE85-669BE5D5AEB0}"/>
+              </a:ext>
+            </a:extLst>
+          </p:cNvPr>
+          <p:cNvGrpSpPr/>
+          <p:nvPr/>
+        </p:nvGrpSpPr>
+        <p:grpSpPr>
+          <a:xfrm rot="10800000">
+            <a:off x="4895017" y="4076711"/>
+            <a:ext cx="673876" cy="649504"/>
+            <a:chOff x="7169285" y="770735"/>
+            <a:chExt cx="673876" cy="649504"/>
+          </a:xfrm>
+        </p:grpSpPr>
+        <p:cxnSp>
+          <p:nvCxnSpPr>
+            <p:cNvPr id="28" name="直接连接符 27">
+              <a:extLst>
+                <a:ext uri="{FF2B5EF4-FFF2-40B4-BE49-F238E27FC236}">
+                  <a16:creationId xmlns:a16="http://schemas.microsoft.com/office/drawing/2014/main" id="{2CAF0AFF-6933-46A8-BE28-8DD74C64E154}"/>
+                </a:ext>
+              </a:extLst>
+            </p:cNvPr>
+            <p:cNvCxnSpPr>
+              <a:cxnSpLocks/>
+            </p:cNvCxnSpPr>
+            <p:nvPr/>
+          </p:nvCxnSpPr>
+          <p:spPr>
+            <a:xfrm flipV="1">
+              <a:off x="7169285" y="1212335"/>
+              <a:ext cx="336938" cy="207904"/>
+            </a:xfrm>
+            <a:prstGeom prst="line">
+              <a:avLst/>
+            </a:prstGeom>
+            <a:ln w="19050">
+              <a:solidFill>
+                <a:schemeClr val="tx1"/>
+              </a:solidFill>
+              <a:prstDash val="solid"/>
+            </a:ln>
+          </p:spPr>
+          <p:style>
+            <a:lnRef idx="1">
+              <a:schemeClr val="accent1"/>
+            </a:lnRef>
+            <a:fillRef idx="0">
+              <a:schemeClr val="accent1"/>
+            </a:fillRef>
+            <a:effectRef idx="0">
+              <a:schemeClr val="accent1"/>
+            </a:effectRef>
+            <a:fontRef idx="minor">
+              <a:schemeClr val="tx1"/>
+            </a:fontRef>
+          </p:style>
+        </p:cxnSp>
+        <p:cxnSp>
+          <p:nvCxnSpPr>
+            <p:cNvPr id="29" name="直接连接符 28">
+              <a:extLst>
+                <a:ext uri="{FF2B5EF4-FFF2-40B4-BE49-F238E27FC236}">
+                  <a16:creationId xmlns:a16="http://schemas.microsoft.com/office/drawing/2014/main" id="{6AD11B36-DB03-49AA-B29D-633F306BB68B}"/>
+                </a:ext>
+              </a:extLst>
+            </p:cNvPr>
+            <p:cNvCxnSpPr>
+              <a:cxnSpLocks/>
+            </p:cNvCxnSpPr>
+            <p:nvPr/>
+          </p:nvCxnSpPr>
+          <p:spPr>
+            <a:xfrm>
+              <a:off x="7515973" y="1212335"/>
+              <a:ext cx="327188" cy="207904"/>
+            </a:xfrm>
+            <a:prstGeom prst="line">
+              <a:avLst/>
+            </a:prstGeom>
+            <a:ln w="19050">
+              <a:solidFill>
+                <a:schemeClr val="tx1"/>
+              </a:solidFill>
+              <a:prstDash val="solid"/>
+            </a:ln>
+          </p:spPr>
+          <p:style>
+            <a:lnRef idx="1">
+              <a:schemeClr val="accent1"/>
+            </a:lnRef>
+            <a:fillRef idx="0">
+              <a:schemeClr val="accent1"/>
+            </a:fillRef>
+            <a:effectRef idx="0">
+              <a:schemeClr val="accent1"/>
+            </a:effectRef>
+            <a:fontRef idx="minor">
+              <a:schemeClr val="tx1"/>
+            </a:fontRef>
+          </p:style>
+        </p:cxnSp>
+        <p:cxnSp>
+          <p:nvCxnSpPr>
+            <p:cNvPr id="31" name="直接连接符 30">
+              <a:extLst>
+                <a:ext uri="{FF2B5EF4-FFF2-40B4-BE49-F238E27FC236}">
+                  <a16:creationId xmlns:a16="http://schemas.microsoft.com/office/drawing/2014/main" id="{334A21A8-7C4E-44BD-9045-42BAC2F33E56}"/>
+                </a:ext>
+              </a:extLst>
+            </p:cNvPr>
+            <p:cNvCxnSpPr>
+              <a:cxnSpLocks/>
+            </p:cNvCxnSpPr>
+            <p:nvPr/>
+          </p:nvCxnSpPr>
+          <p:spPr>
+            <a:xfrm flipV="1">
+              <a:off x="7506223" y="770735"/>
+              <a:ext cx="0" cy="441600"/>
+            </a:xfrm>
+            <a:prstGeom prst="line">
+              <a:avLst/>
+            </a:prstGeom>
+            <a:ln w="19050">
+              <a:solidFill>
+                <a:schemeClr val="tx1"/>
+              </a:solidFill>
+              <a:prstDash val="solid"/>
+            </a:ln>
+          </p:spPr>
+          <p:style>
+            <a:lnRef idx="1">
+              <a:schemeClr val="accent1"/>
+            </a:lnRef>
+            <a:fillRef idx="0">
+              <a:schemeClr val="accent1"/>
+            </a:fillRef>
+            <a:effectRef idx="0">
+              <a:schemeClr val="accent1"/>
+            </a:effectRef>
+            <a:fontRef idx="minor">
+              <a:schemeClr val="tx1"/>
+            </a:fontRef>
+          </p:style>
+        </p:cxnSp>
+      </p:grpSp>
+      <p:grpSp>
+        <p:nvGrpSpPr>
+          <p:cNvPr id="32" name="组合 31">
+            <a:extLst>
+              <a:ext uri="{FF2B5EF4-FFF2-40B4-BE49-F238E27FC236}">
+                <a16:creationId xmlns:a16="http://schemas.microsoft.com/office/drawing/2014/main" id="{29C06B76-009D-40B3-9169-31A7F729D79D}"/>
+              </a:ext>
+            </a:extLst>
+          </p:cNvPr>
+          <p:cNvGrpSpPr/>
+          <p:nvPr/>
+        </p:nvGrpSpPr>
+        <p:grpSpPr>
+          <a:xfrm rot="10800000">
+            <a:off x="5218354" y="5560176"/>
+            <a:ext cx="489338" cy="654622"/>
+            <a:chOff x="7169285" y="3200400"/>
+            <a:chExt cx="489338" cy="654622"/>
+          </a:xfrm>
+        </p:grpSpPr>
+        <p:cxnSp>
+          <p:nvCxnSpPr>
+            <p:cNvPr id="33" name="直接连接符 32">
+              <a:extLst>
+                <a:ext uri="{FF2B5EF4-FFF2-40B4-BE49-F238E27FC236}">
+                  <a16:creationId xmlns:a16="http://schemas.microsoft.com/office/drawing/2014/main" id="{167F2A07-D01C-401B-A763-1D9D0A0B8DA6}"/>
+                </a:ext>
+              </a:extLst>
+            </p:cNvPr>
+            <p:cNvCxnSpPr>
+              <a:cxnSpLocks/>
+            </p:cNvCxnSpPr>
+            <p:nvPr/>
+          </p:nvCxnSpPr>
+          <p:spPr>
+            <a:xfrm flipV="1">
+              <a:off x="7658623" y="3200400"/>
+              <a:ext cx="0" cy="654622"/>
+            </a:xfrm>
+            <a:prstGeom prst="line">
+              <a:avLst/>
+            </a:prstGeom>
+            <a:ln w="19050">
+              <a:solidFill>
+                <a:schemeClr val="tx1"/>
+              </a:solidFill>
+              <a:prstDash val="solid"/>
+            </a:ln>
+          </p:spPr>
+          <p:style>
+            <a:lnRef idx="1">
+              <a:schemeClr val="accent1"/>
+            </a:lnRef>
+            <a:fillRef idx="0">
+              <a:schemeClr val="accent1"/>
+            </a:fillRef>
+            <a:effectRef idx="0">
+              <a:schemeClr val="accent1"/>
+            </a:effectRef>
+            <a:fontRef idx="minor">
+              <a:schemeClr val="tx1"/>
+            </a:fontRef>
+          </p:style>
+        </p:cxnSp>
+        <p:cxnSp>
+          <p:nvCxnSpPr>
+            <p:cNvPr id="34" name="直接连接符 33">
+              <a:extLst>
+                <a:ext uri="{FF2B5EF4-FFF2-40B4-BE49-F238E27FC236}">
+                  <a16:creationId xmlns:a16="http://schemas.microsoft.com/office/drawing/2014/main" id="{320BF010-0BDE-4A0B-959B-A90D993BDEB6}"/>
+                </a:ext>
+              </a:extLst>
+            </p:cNvPr>
+            <p:cNvCxnSpPr>
+              <a:cxnSpLocks/>
+            </p:cNvCxnSpPr>
+            <p:nvPr/>
+          </p:nvCxnSpPr>
+          <p:spPr>
+            <a:xfrm>
+              <a:off x="7169285" y="3527711"/>
+              <a:ext cx="489338" cy="0"/>
+            </a:xfrm>
+            <a:prstGeom prst="line">
+              <a:avLst/>
+            </a:prstGeom>
+            <a:ln w="19050">
+              <a:solidFill>
+                <a:schemeClr val="tx1"/>
+              </a:solidFill>
+              <a:prstDash val="dash"/>
+            </a:ln>
+          </p:spPr>
+          <p:style>
+            <a:lnRef idx="1">
+              <a:schemeClr val="accent1"/>
+            </a:lnRef>
+            <a:fillRef idx="0">
+              <a:schemeClr val="accent1"/>
+            </a:fillRef>
+            <a:effectRef idx="0">
+              <a:schemeClr val="accent1"/>
+            </a:effectRef>
+            <a:fontRef idx="minor">
+              <a:schemeClr val="tx1"/>
+            </a:fontRef>
+          </p:style>
+        </p:cxnSp>
+      </p:grpSp>
+      <p:sp>
+        <p:nvSpPr>
+          <p:cNvPr id="5" name="矩形 4">
+            <a:extLst>
+              <a:ext uri="{FF2B5EF4-FFF2-40B4-BE49-F238E27FC236}">
+                <a16:creationId xmlns:a16="http://schemas.microsoft.com/office/drawing/2014/main" id="{F16B142C-59BA-4AD8-B3C2-486AB33BD609}"/>
+              </a:ext>
+            </a:extLst>
+          </p:cNvPr>
+          <p:cNvSpPr/>
+          <p:nvPr/>
+        </p:nvSpPr>
+        <p:spPr>
+          <a:xfrm>
+            <a:off x="1535000" y="2304661"/>
+            <a:ext cx="2887710" cy="808900"/>
+          </a:xfrm>
+          <a:prstGeom prst="rect">
+            <a:avLst/>
+          </a:prstGeom>
+          <a:noFill/>
+        </p:spPr>
+        <p:style>
+          <a:lnRef idx="2">
+            <a:schemeClr val="accent1">
+              <a:shade val="50000"/>
+            </a:schemeClr>
+          </a:lnRef>
+          <a:fillRef idx="1">
+            <a:schemeClr val="accent1"/>
+          </a:fillRef>
+          <a:effectRef idx="0">
+            <a:schemeClr val="accent1"/>
+          </a:effectRef>
+          <a:fontRef idx="minor">
+            <a:schemeClr val="lt1"/>
+          </a:fontRef>
+        </p:style>
+        <p:txBody>
+          <a:bodyPr rtlCol="0" anchor="ctr"/>
+          <a:lstStyle/>
+          <a:p>
+            <a:pPr algn="ctr"/>
+            <a:endParaRPr lang="zh-CN" altLang="en-US"/>
+          </a:p>
+        </p:txBody>
+      </p:sp>
+      <p:sp>
+        <p:nvSpPr>
+          <p:cNvPr id="96" name="矩形 95">
+            <a:extLst>
+              <a:ext uri="{FF2B5EF4-FFF2-40B4-BE49-F238E27FC236}">
+                <a16:creationId xmlns:a16="http://schemas.microsoft.com/office/drawing/2014/main" id="{21D82863-BA3A-4FE7-A675-4E3AF8FD4B6E}"/>
+              </a:ext>
+            </a:extLst>
+          </p:cNvPr>
+          <p:cNvSpPr/>
+          <p:nvPr/>
+        </p:nvSpPr>
+        <p:spPr>
+          <a:xfrm rot="19762818">
+            <a:off x="482787" y="5593224"/>
+            <a:ext cx="636411" cy="808900"/>
+          </a:xfrm>
+          <a:prstGeom prst="rect">
+            <a:avLst/>
+          </a:prstGeom>
+          <a:noFill/>
+        </p:spPr>
+        <p:style>
+          <a:lnRef idx="2">
+            <a:schemeClr val="accent1">
+              <a:shade val="50000"/>
+            </a:schemeClr>
+          </a:lnRef>
+          <a:fillRef idx="1">
+            <a:schemeClr val="accent1"/>
+          </a:fillRef>
+          <a:effectRef idx="0">
+            <a:schemeClr val="accent1"/>
+          </a:effectRef>
+          <a:fontRef idx="minor">
+            <a:schemeClr val="lt1"/>
+          </a:fontRef>
+        </p:style>
+        <p:txBody>
+          <a:bodyPr rtlCol="0" anchor="ctr"/>
+          <a:lstStyle/>
+          <a:p>
+            <a:pPr algn="ctr"/>
+            <a:endParaRPr lang="zh-CN" altLang="en-US"/>
+          </a:p>
+        </p:txBody>
+      </p:sp>
+      <p:sp>
+        <p:nvSpPr>
+          <p:cNvPr id="97" name="矩形 96">
+            <a:extLst>
+              <a:ext uri="{FF2B5EF4-FFF2-40B4-BE49-F238E27FC236}">
+                <a16:creationId xmlns:a16="http://schemas.microsoft.com/office/drawing/2014/main" id="{0C091E04-DF6F-4A60-853D-BD51F836489E}"/>
+              </a:ext>
+            </a:extLst>
+          </p:cNvPr>
+          <p:cNvSpPr/>
+          <p:nvPr/>
+        </p:nvSpPr>
+        <p:spPr>
+          <a:xfrm rot="2168720">
+            <a:off x="5144816" y="5675425"/>
+            <a:ext cx="636411" cy="808900"/>
+          </a:xfrm>
+          <a:prstGeom prst="rect">
+            <a:avLst/>
+          </a:prstGeom>
+          <a:noFill/>
+        </p:spPr>
+        <p:style>
+          <a:lnRef idx="2">
+            <a:schemeClr val="accent1">
+              <a:shade val="50000"/>
+            </a:schemeClr>
+          </a:lnRef>
+          <a:fillRef idx="1">
+            <a:schemeClr val="accent1"/>
+          </a:fillRef>
+          <a:effectRef idx="0">
+            <a:schemeClr val="accent1"/>
+          </a:effectRef>
+          <a:fontRef idx="minor">
+            <a:schemeClr val="lt1"/>
+          </a:fontRef>
+        </p:style>
+        <p:txBody>
+          <a:bodyPr rtlCol="0" anchor="ctr"/>
+          <a:lstStyle/>
+          <a:p>
+            <a:pPr algn="ctr"/>
+            <a:endParaRPr lang="zh-CN" altLang="en-US"/>
+          </a:p>
+        </p:txBody>
+      </p:sp>
+    </p:spTree>
+    <p:extLst>
+      <p:ext uri="{BB962C8B-B14F-4D97-AF65-F5344CB8AC3E}">
+        <p14:creationId xmlns:p14="http://schemas.microsoft.com/office/powerpoint/2010/main" val="3678187525"/>
       </p:ext>
     </p:extLst>
   </p:cSld>

--- a/kagome/simple_update/Unitcell.pptx
+++ b/kagome/simple_update/Unitcell.pptx
@@ -210,7 +210,7 @@
           <a:p>
             <a:fld id="{1E253AF0-02E2-4DC3-B912-16C36888A7D6}" type="datetimeFigureOut">
               <a:rPr lang="zh-CN" altLang="en-US" smtClean="0"/>
-              <a:t>2022/11/17</a:t>
+              <a:t>2022/11/21</a:t>
             </a:fld>
             <a:endParaRPr lang="zh-CN" altLang="en-US"/>
           </a:p>
@@ -624,7 +624,7 @@
           <a:p>
             <a:fld id="{DA5C2C42-A0FF-4410-A8EC-9651A95059F4}" type="datetimeFigureOut">
               <a:rPr lang="zh-CN" altLang="en-US" smtClean="0"/>
-              <a:t>2022/11/17</a:t>
+              <a:t>2022/11/21</a:t>
             </a:fld>
             <a:endParaRPr lang="zh-CN" altLang="en-US"/>
           </a:p>
@@ -822,7 +822,7 @@
           <a:p>
             <a:fld id="{DA5C2C42-A0FF-4410-A8EC-9651A95059F4}" type="datetimeFigureOut">
               <a:rPr lang="zh-CN" altLang="en-US" smtClean="0"/>
-              <a:t>2022/11/17</a:t>
+              <a:t>2022/11/21</a:t>
             </a:fld>
             <a:endParaRPr lang="zh-CN" altLang="en-US"/>
           </a:p>
@@ -1030,7 +1030,7 @@
           <a:p>
             <a:fld id="{DA5C2C42-A0FF-4410-A8EC-9651A95059F4}" type="datetimeFigureOut">
               <a:rPr lang="zh-CN" altLang="en-US" smtClean="0"/>
-              <a:t>2022/11/17</a:t>
+              <a:t>2022/11/21</a:t>
             </a:fld>
             <a:endParaRPr lang="zh-CN" altLang="en-US"/>
           </a:p>
@@ -1228,7 +1228,7 @@
           <a:p>
             <a:fld id="{DA5C2C42-A0FF-4410-A8EC-9651A95059F4}" type="datetimeFigureOut">
               <a:rPr lang="zh-CN" altLang="en-US" smtClean="0"/>
-              <a:t>2022/11/17</a:t>
+              <a:t>2022/11/21</a:t>
             </a:fld>
             <a:endParaRPr lang="zh-CN" altLang="en-US"/>
           </a:p>
@@ -1503,7 +1503,7 @@
           <a:p>
             <a:fld id="{DA5C2C42-A0FF-4410-A8EC-9651A95059F4}" type="datetimeFigureOut">
               <a:rPr lang="zh-CN" altLang="en-US" smtClean="0"/>
-              <a:t>2022/11/17</a:t>
+              <a:t>2022/11/21</a:t>
             </a:fld>
             <a:endParaRPr lang="zh-CN" altLang="en-US"/>
           </a:p>
@@ -1768,7 +1768,7 @@
           <a:p>
             <a:fld id="{DA5C2C42-A0FF-4410-A8EC-9651A95059F4}" type="datetimeFigureOut">
               <a:rPr lang="zh-CN" altLang="en-US" smtClean="0"/>
-              <a:t>2022/11/17</a:t>
+              <a:t>2022/11/21</a:t>
             </a:fld>
             <a:endParaRPr lang="zh-CN" altLang="en-US"/>
           </a:p>
@@ -2180,7 +2180,7 @@
           <a:p>
             <a:fld id="{DA5C2C42-A0FF-4410-A8EC-9651A95059F4}" type="datetimeFigureOut">
               <a:rPr lang="zh-CN" altLang="en-US" smtClean="0"/>
-              <a:t>2022/11/17</a:t>
+              <a:t>2022/11/21</a:t>
             </a:fld>
             <a:endParaRPr lang="zh-CN" altLang="en-US"/>
           </a:p>
@@ -2321,7 +2321,7 @@
           <a:p>
             <a:fld id="{DA5C2C42-A0FF-4410-A8EC-9651A95059F4}" type="datetimeFigureOut">
               <a:rPr lang="zh-CN" altLang="en-US" smtClean="0"/>
-              <a:t>2022/11/17</a:t>
+              <a:t>2022/11/21</a:t>
             </a:fld>
             <a:endParaRPr lang="zh-CN" altLang="en-US"/>
           </a:p>
@@ -2434,7 +2434,7 @@
           <a:p>
             <a:fld id="{DA5C2C42-A0FF-4410-A8EC-9651A95059F4}" type="datetimeFigureOut">
               <a:rPr lang="zh-CN" altLang="en-US" smtClean="0"/>
-              <a:t>2022/11/17</a:t>
+              <a:t>2022/11/21</a:t>
             </a:fld>
             <a:endParaRPr lang="zh-CN" altLang="en-US"/>
           </a:p>
@@ -2745,7 +2745,7 @@
           <a:p>
             <a:fld id="{DA5C2C42-A0FF-4410-A8EC-9651A95059F4}" type="datetimeFigureOut">
               <a:rPr lang="zh-CN" altLang="en-US" smtClean="0"/>
-              <a:t>2022/11/17</a:t>
+              <a:t>2022/11/21</a:t>
             </a:fld>
             <a:endParaRPr lang="zh-CN" altLang="en-US"/>
           </a:p>
@@ -3033,7 +3033,7 @@
           <a:p>
             <a:fld id="{DA5C2C42-A0FF-4410-A8EC-9651A95059F4}" type="datetimeFigureOut">
               <a:rPr lang="zh-CN" altLang="en-US" smtClean="0"/>
-              <a:t>2022/11/17</a:t>
+              <a:t>2022/11/21</a:t>
             </a:fld>
             <a:endParaRPr lang="zh-CN" altLang="en-US"/>
           </a:p>
@@ -3274,7 +3274,7 @@
           <a:p>
             <a:fld id="{DA5C2C42-A0FF-4410-A8EC-9651A95059F4}" type="datetimeFigureOut">
               <a:rPr lang="zh-CN" altLang="en-US" smtClean="0"/>
-              <a:t>2022/11/17</a:t>
+              <a:t>2022/11/21</a:t>
             </a:fld>
             <a:endParaRPr lang="zh-CN" altLang="en-US"/>
           </a:p>
@@ -6912,7 +6912,7 @@
         <p:spPr>
           <a:xfrm>
             <a:off x="2123742" y="2812248"/>
-            <a:ext cx="1661032" cy="369332"/>
+            <a:ext cx="1712328" cy="369332"/>
           </a:xfrm>
           <a:prstGeom prst="rect">
             <a:avLst/>
@@ -6927,7 +6927,7 @@
           <a:p>
             <a:r>
               <a:rPr lang="en-US" altLang="zh-CN" dirty="0"/>
-              <a:t>Lambda_c_dn3</a:t>
+              <a:t>Lambda_c_up3</a:t>
             </a:r>
             <a:endParaRPr lang="zh-CN" altLang="en-US" dirty="0"/>
           </a:p>

--- a/kagome/simple_update/Unitcell.pptx
+++ b/kagome/simple_update/Unitcell.pptx
@@ -5,23 +5,24 @@
     <p:sldMasterId id="2147483648" r:id="rId1"/>
   </p:sldMasterIdLst>
   <p:notesMasterIdLst>
-    <p:notesMasterId r:id="rId16"/>
+    <p:notesMasterId r:id="rId17"/>
   </p:notesMasterIdLst>
   <p:sldIdLst>
     <p:sldId id="291" r:id="rId2"/>
     <p:sldId id="290" r:id="rId3"/>
     <p:sldId id="292" r:id="rId4"/>
-    <p:sldId id="293" r:id="rId5"/>
-    <p:sldId id="294" r:id="rId6"/>
-    <p:sldId id="295" r:id="rId7"/>
-    <p:sldId id="296" r:id="rId8"/>
-    <p:sldId id="297" r:id="rId9"/>
-    <p:sldId id="298" r:id="rId10"/>
-    <p:sldId id="299" r:id="rId11"/>
-    <p:sldId id="300" r:id="rId12"/>
-    <p:sldId id="301" r:id="rId13"/>
-    <p:sldId id="302" r:id="rId14"/>
-    <p:sldId id="303" r:id="rId15"/>
+    <p:sldId id="304" r:id="rId5"/>
+    <p:sldId id="293" r:id="rId6"/>
+    <p:sldId id="294" r:id="rId7"/>
+    <p:sldId id="295" r:id="rId8"/>
+    <p:sldId id="296" r:id="rId9"/>
+    <p:sldId id="297" r:id="rId10"/>
+    <p:sldId id="298" r:id="rId11"/>
+    <p:sldId id="299" r:id="rId12"/>
+    <p:sldId id="300" r:id="rId13"/>
+    <p:sldId id="301" r:id="rId14"/>
+    <p:sldId id="302" r:id="rId15"/>
+    <p:sldId id="303" r:id="rId16"/>
   </p:sldIdLst>
   <p:sldSz cx="12192000" cy="6858000"/>
   <p:notesSz cx="6797675" cy="9874250"/>
@@ -210,7 +211,7 @@
           <a:p>
             <a:fld id="{1E253AF0-02E2-4DC3-B912-16C36888A7D6}" type="datetimeFigureOut">
               <a:rPr lang="zh-CN" altLang="en-US" smtClean="0"/>
-              <a:t>2022/11/21</a:t>
+              <a:t>2022/11/23</a:t>
             </a:fld>
             <a:endParaRPr lang="zh-CN" altLang="en-US"/>
           </a:p>
@@ -624,7 +625,7 @@
           <a:p>
             <a:fld id="{DA5C2C42-A0FF-4410-A8EC-9651A95059F4}" type="datetimeFigureOut">
               <a:rPr lang="zh-CN" altLang="en-US" smtClean="0"/>
-              <a:t>2022/11/21</a:t>
+              <a:t>2022/11/23</a:t>
             </a:fld>
             <a:endParaRPr lang="zh-CN" altLang="en-US"/>
           </a:p>
@@ -822,7 +823,7 @@
           <a:p>
             <a:fld id="{DA5C2C42-A0FF-4410-A8EC-9651A95059F4}" type="datetimeFigureOut">
               <a:rPr lang="zh-CN" altLang="en-US" smtClean="0"/>
-              <a:t>2022/11/21</a:t>
+              <a:t>2022/11/23</a:t>
             </a:fld>
             <a:endParaRPr lang="zh-CN" altLang="en-US"/>
           </a:p>
@@ -1030,7 +1031,7 @@
           <a:p>
             <a:fld id="{DA5C2C42-A0FF-4410-A8EC-9651A95059F4}" type="datetimeFigureOut">
               <a:rPr lang="zh-CN" altLang="en-US" smtClean="0"/>
-              <a:t>2022/11/21</a:t>
+              <a:t>2022/11/23</a:t>
             </a:fld>
             <a:endParaRPr lang="zh-CN" altLang="en-US"/>
           </a:p>
@@ -1228,7 +1229,7 @@
           <a:p>
             <a:fld id="{DA5C2C42-A0FF-4410-A8EC-9651A95059F4}" type="datetimeFigureOut">
               <a:rPr lang="zh-CN" altLang="en-US" smtClean="0"/>
-              <a:t>2022/11/21</a:t>
+              <a:t>2022/11/23</a:t>
             </a:fld>
             <a:endParaRPr lang="zh-CN" altLang="en-US"/>
           </a:p>
@@ -1503,7 +1504,7 @@
           <a:p>
             <a:fld id="{DA5C2C42-A0FF-4410-A8EC-9651A95059F4}" type="datetimeFigureOut">
               <a:rPr lang="zh-CN" altLang="en-US" smtClean="0"/>
-              <a:t>2022/11/21</a:t>
+              <a:t>2022/11/23</a:t>
             </a:fld>
             <a:endParaRPr lang="zh-CN" altLang="en-US"/>
           </a:p>
@@ -1768,7 +1769,7 @@
           <a:p>
             <a:fld id="{DA5C2C42-A0FF-4410-A8EC-9651A95059F4}" type="datetimeFigureOut">
               <a:rPr lang="zh-CN" altLang="en-US" smtClean="0"/>
-              <a:t>2022/11/21</a:t>
+              <a:t>2022/11/23</a:t>
             </a:fld>
             <a:endParaRPr lang="zh-CN" altLang="en-US"/>
           </a:p>
@@ -2180,7 +2181,7 @@
           <a:p>
             <a:fld id="{DA5C2C42-A0FF-4410-A8EC-9651A95059F4}" type="datetimeFigureOut">
               <a:rPr lang="zh-CN" altLang="en-US" smtClean="0"/>
-              <a:t>2022/11/21</a:t>
+              <a:t>2022/11/23</a:t>
             </a:fld>
             <a:endParaRPr lang="zh-CN" altLang="en-US"/>
           </a:p>
@@ -2321,7 +2322,7 @@
           <a:p>
             <a:fld id="{DA5C2C42-A0FF-4410-A8EC-9651A95059F4}" type="datetimeFigureOut">
               <a:rPr lang="zh-CN" altLang="en-US" smtClean="0"/>
-              <a:t>2022/11/21</a:t>
+              <a:t>2022/11/23</a:t>
             </a:fld>
             <a:endParaRPr lang="zh-CN" altLang="en-US"/>
           </a:p>
@@ -2434,7 +2435,7 @@
           <a:p>
             <a:fld id="{DA5C2C42-A0FF-4410-A8EC-9651A95059F4}" type="datetimeFigureOut">
               <a:rPr lang="zh-CN" altLang="en-US" smtClean="0"/>
-              <a:t>2022/11/21</a:t>
+              <a:t>2022/11/23</a:t>
             </a:fld>
             <a:endParaRPr lang="zh-CN" altLang="en-US"/>
           </a:p>
@@ -2745,7 +2746,7 @@
           <a:p>
             <a:fld id="{DA5C2C42-A0FF-4410-A8EC-9651A95059F4}" type="datetimeFigureOut">
               <a:rPr lang="zh-CN" altLang="en-US" smtClean="0"/>
-              <a:t>2022/11/21</a:t>
+              <a:t>2022/11/23</a:t>
             </a:fld>
             <a:endParaRPr lang="zh-CN" altLang="en-US"/>
           </a:p>
@@ -3033,7 +3034,7 @@
           <a:p>
             <a:fld id="{DA5C2C42-A0FF-4410-A8EC-9651A95059F4}" type="datetimeFigureOut">
               <a:rPr lang="zh-CN" altLang="en-US" smtClean="0"/>
-              <a:t>2022/11/21</a:t>
+              <a:t>2022/11/23</a:t>
             </a:fld>
             <a:endParaRPr lang="zh-CN" altLang="en-US"/>
           </a:p>
@@ -3274,7 +3275,7 @@
           <a:p>
             <a:fld id="{DA5C2C42-A0FF-4410-A8EC-9651A95059F4}" type="datetimeFigureOut">
               <a:rPr lang="zh-CN" altLang="en-US" smtClean="0"/>
-              <a:t>2022/11/21</a:t>
+              <a:t>2022/11/23</a:t>
             </a:fld>
             <a:endParaRPr lang="zh-CN" altLang="en-US"/>
           </a:p>
@@ -3800,6 +3801,914 @@
           <p:nvPr/>
         </p:nvGrpSpPr>
         <p:grpSpPr>
+          <a:xfrm rot="14400000">
+            <a:off x="1990534" y="618335"/>
+            <a:ext cx="1371600" cy="1593319"/>
+            <a:chOff x="3362132" y="861526"/>
+            <a:chExt cx="1371600" cy="1593319"/>
+          </a:xfrm>
+        </p:grpSpPr>
+        <p:grpSp>
+          <p:nvGrpSpPr>
+            <p:cNvPr id="6" name="组合 5">
+              <a:extLst>
+                <a:ext uri="{FF2B5EF4-FFF2-40B4-BE49-F238E27FC236}">
+                  <a16:creationId xmlns:a16="http://schemas.microsoft.com/office/drawing/2014/main" id="{A3058BBC-C8E7-4840-A4CF-76F775C60C21}"/>
+                </a:ext>
+              </a:extLst>
+            </p:cNvPr>
+            <p:cNvGrpSpPr/>
+            <p:nvPr/>
+          </p:nvGrpSpPr>
+          <p:grpSpPr>
+            <a:xfrm>
+              <a:off x="3362132" y="861526"/>
+              <a:ext cx="1371600" cy="1593319"/>
+              <a:chOff x="3362132" y="861526"/>
+              <a:chExt cx="1371600" cy="1593319"/>
+            </a:xfrm>
+          </p:grpSpPr>
+          <p:sp>
+            <p:nvSpPr>
+              <p:cNvPr id="38" name="等腰三角形 37">
+                <a:extLst>
+                  <a:ext uri="{FF2B5EF4-FFF2-40B4-BE49-F238E27FC236}">
+                    <a16:creationId xmlns:a16="http://schemas.microsoft.com/office/drawing/2014/main" id="{A2702E77-184C-4627-9174-036823DCBA13}"/>
+                  </a:ext>
+                </a:extLst>
+              </p:cNvPr>
+              <p:cNvSpPr/>
+              <p:nvPr/>
+            </p:nvSpPr>
+            <p:spPr>
+              <a:xfrm>
+                <a:off x="3362132" y="861526"/>
+                <a:ext cx="1371600" cy="1188000"/>
+              </a:xfrm>
+              <a:prstGeom prst="triangle">
+                <a:avLst/>
+              </a:prstGeom>
+              <a:noFill/>
+              <a:ln>
+                <a:solidFill>
+                  <a:schemeClr val="tx1"/>
+                </a:solidFill>
+              </a:ln>
+            </p:spPr>
+            <p:style>
+              <a:lnRef idx="2">
+                <a:schemeClr val="accent1">
+                  <a:shade val="50000"/>
+                </a:schemeClr>
+              </a:lnRef>
+              <a:fillRef idx="1">
+                <a:schemeClr val="accent1"/>
+              </a:fillRef>
+              <a:effectRef idx="0">
+                <a:schemeClr val="accent1"/>
+              </a:effectRef>
+              <a:fontRef idx="minor">
+                <a:schemeClr val="lt1"/>
+              </a:fontRef>
+            </p:style>
+            <p:txBody>
+              <a:bodyPr rtlCol="0" anchor="ctr"/>
+              <a:lstStyle/>
+              <a:p>
+                <a:pPr algn="ctr"/>
+                <a:endParaRPr lang="zh-CN" altLang="en-US"/>
+              </a:p>
+            </p:txBody>
+          </p:sp>
+          <p:sp>
+            <p:nvSpPr>
+              <p:cNvPr id="39" name="等腰三角形 38">
+                <a:extLst>
+                  <a:ext uri="{FF2B5EF4-FFF2-40B4-BE49-F238E27FC236}">
+                    <a16:creationId xmlns:a16="http://schemas.microsoft.com/office/drawing/2014/main" id="{7D7AEEF6-687B-4D30-95D6-75711754D80E}"/>
+                  </a:ext>
+                </a:extLst>
+              </p:cNvPr>
+              <p:cNvSpPr/>
+              <p:nvPr/>
+            </p:nvSpPr>
+            <p:spPr>
+              <a:xfrm rot="10800000">
+                <a:off x="3362132" y="1266845"/>
+                <a:ext cx="1371600" cy="1188000"/>
+              </a:xfrm>
+              <a:prstGeom prst="triangle">
+                <a:avLst/>
+              </a:prstGeom>
+              <a:noFill/>
+              <a:ln>
+                <a:solidFill>
+                  <a:schemeClr val="tx1"/>
+                </a:solidFill>
+              </a:ln>
+            </p:spPr>
+            <p:style>
+              <a:lnRef idx="2">
+                <a:schemeClr val="accent1">
+                  <a:shade val="50000"/>
+                </a:schemeClr>
+              </a:lnRef>
+              <a:fillRef idx="1">
+                <a:schemeClr val="accent1"/>
+              </a:fillRef>
+              <a:effectRef idx="0">
+                <a:schemeClr val="accent1"/>
+              </a:effectRef>
+              <a:fontRef idx="minor">
+                <a:schemeClr val="lt1"/>
+              </a:fontRef>
+            </p:style>
+            <p:txBody>
+              <a:bodyPr rtlCol="0" anchor="ctr"/>
+              <a:lstStyle/>
+              <a:p>
+                <a:pPr algn="ctr"/>
+                <a:endParaRPr lang="zh-CN" altLang="en-US"/>
+              </a:p>
+            </p:txBody>
+          </p:sp>
+        </p:grpSp>
+        <p:cxnSp>
+          <p:nvCxnSpPr>
+            <p:cNvPr id="9" name="直接连接符 8">
+              <a:extLst>
+                <a:ext uri="{FF2B5EF4-FFF2-40B4-BE49-F238E27FC236}">
+                  <a16:creationId xmlns:a16="http://schemas.microsoft.com/office/drawing/2014/main" id="{1602B481-848C-4088-A200-C35FE7A5106D}"/>
+                </a:ext>
+              </a:extLst>
+            </p:cNvPr>
+            <p:cNvCxnSpPr/>
+            <p:nvPr/>
+          </p:nvCxnSpPr>
+          <p:spPr>
+            <a:xfrm flipV="1">
+              <a:off x="3599234" y="1284051"/>
+              <a:ext cx="680936" cy="379379"/>
+            </a:xfrm>
+            <a:prstGeom prst="line">
+              <a:avLst/>
+            </a:prstGeom>
+            <a:ln w="19050">
+              <a:solidFill>
+                <a:schemeClr val="tx1"/>
+              </a:solidFill>
+              <a:prstDash val="sysDot"/>
+            </a:ln>
+          </p:spPr>
+          <p:style>
+            <a:lnRef idx="1">
+              <a:schemeClr val="accent1"/>
+            </a:lnRef>
+            <a:fillRef idx="0">
+              <a:schemeClr val="accent1"/>
+            </a:fillRef>
+            <a:effectRef idx="0">
+              <a:schemeClr val="accent1"/>
+            </a:effectRef>
+            <a:fontRef idx="minor">
+              <a:schemeClr val="tx1"/>
+            </a:fontRef>
+          </p:style>
+        </p:cxnSp>
+      </p:grpSp>
+      <p:sp>
+        <p:nvSpPr>
+          <p:cNvPr id="16" name="文本框 15">
+            <a:extLst>
+              <a:ext uri="{FF2B5EF4-FFF2-40B4-BE49-F238E27FC236}">
+                <a16:creationId xmlns:a16="http://schemas.microsoft.com/office/drawing/2014/main" id="{A6A70BA5-6E4F-4BD5-9C9A-AEB075C9CC9F}"/>
+              </a:ext>
+            </a:extLst>
+          </p:cNvPr>
+          <p:cNvSpPr txBox="1"/>
+          <p:nvPr/>
+        </p:nvSpPr>
+        <p:spPr>
+          <a:xfrm>
+            <a:off x="418289" y="350196"/>
+            <a:ext cx="1034257" cy="369332"/>
+          </a:xfrm>
+          <a:prstGeom prst="rect">
+            <a:avLst/>
+          </a:prstGeom>
+          <a:noFill/>
+        </p:spPr>
+        <p:txBody>
+          <a:bodyPr wrap="none" rtlCol="0">
+            <a:spAutoFit/>
+          </a:bodyPr>
+          <a:lstStyle/>
+          <a:p>
+            <a:r>
+              <a:rPr lang="en-US" altLang="zh-CN" dirty="0"/>
+              <a:t>J2 term5</a:t>
+            </a:r>
+            <a:endParaRPr lang="zh-CN" altLang="en-US" dirty="0"/>
+          </a:p>
+        </p:txBody>
+      </p:sp>
+      <p:grpSp>
+        <p:nvGrpSpPr>
+          <p:cNvPr id="43" name="组合 42">
+            <a:extLst>
+              <a:ext uri="{FF2B5EF4-FFF2-40B4-BE49-F238E27FC236}">
+                <a16:creationId xmlns:a16="http://schemas.microsoft.com/office/drawing/2014/main" id="{4806383A-F045-425B-81CB-74B593F43C6C}"/>
+              </a:ext>
+            </a:extLst>
+          </p:cNvPr>
+          <p:cNvGrpSpPr/>
+          <p:nvPr/>
+        </p:nvGrpSpPr>
+        <p:grpSpPr>
+          <a:xfrm rot="14400000">
+            <a:off x="7277878" y="1089085"/>
+            <a:ext cx="3182626" cy="2641976"/>
+            <a:chOff x="6295383" y="1974302"/>
+            <a:chExt cx="3182626" cy="2641976"/>
+          </a:xfrm>
+        </p:grpSpPr>
+        <p:grpSp>
+          <p:nvGrpSpPr>
+            <p:cNvPr id="30" name="组合 29">
+              <a:extLst>
+                <a:ext uri="{FF2B5EF4-FFF2-40B4-BE49-F238E27FC236}">
+                  <a16:creationId xmlns:a16="http://schemas.microsoft.com/office/drawing/2014/main" id="{CD8CA9EE-DFBE-4031-ADB0-A81D711F6514}"/>
+                </a:ext>
+              </a:extLst>
+            </p:cNvPr>
+            <p:cNvGrpSpPr/>
+            <p:nvPr/>
+          </p:nvGrpSpPr>
+          <p:grpSpPr>
+            <a:xfrm rot="10800000">
+              <a:off x="6457533" y="3104248"/>
+              <a:ext cx="673876" cy="649504"/>
+              <a:chOff x="7169285" y="770735"/>
+              <a:chExt cx="673876" cy="649504"/>
+            </a:xfrm>
+          </p:grpSpPr>
+          <p:cxnSp>
+            <p:nvCxnSpPr>
+              <p:cNvPr id="50" name="直接连接符 49">
+                <a:extLst>
+                  <a:ext uri="{FF2B5EF4-FFF2-40B4-BE49-F238E27FC236}">
+                    <a16:creationId xmlns:a16="http://schemas.microsoft.com/office/drawing/2014/main" id="{D9C856B4-CC4E-4CE3-AB98-E247574844B2}"/>
+                  </a:ext>
+                </a:extLst>
+              </p:cNvPr>
+              <p:cNvCxnSpPr>
+                <a:cxnSpLocks/>
+              </p:cNvCxnSpPr>
+              <p:nvPr/>
+            </p:nvCxnSpPr>
+            <p:spPr>
+              <a:xfrm flipV="1">
+                <a:off x="7169285" y="1212335"/>
+                <a:ext cx="336938" cy="207904"/>
+              </a:xfrm>
+              <a:prstGeom prst="line">
+                <a:avLst/>
+              </a:prstGeom>
+              <a:ln w="19050">
+                <a:solidFill>
+                  <a:schemeClr val="tx1"/>
+                </a:solidFill>
+                <a:prstDash val="solid"/>
+              </a:ln>
+            </p:spPr>
+            <p:style>
+              <a:lnRef idx="1">
+                <a:schemeClr val="accent1"/>
+              </a:lnRef>
+              <a:fillRef idx="0">
+                <a:schemeClr val="accent1"/>
+              </a:fillRef>
+              <a:effectRef idx="0">
+                <a:schemeClr val="accent1"/>
+              </a:effectRef>
+              <a:fontRef idx="minor">
+                <a:schemeClr val="tx1"/>
+              </a:fontRef>
+            </p:style>
+          </p:cxnSp>
+          <p:cxnSp>
+            <p:nvCxnSpPr>
+              <p:cNvPr id="54" name="直接连接符 53">
+                <a:extLst>
+                  <a:ext uri="{FF2B5EF4-FFF2-40B4-BE49-F238E27FC236}">
+                    <a16:creationId xmlns:a16="http://schemas.microsoft.com/office/drawing/2014/main" id="{C77A99BB-391F-4E7E-B466-5418177702A6}"/>
+                  </a:ext>
+                </a:extLst>
+              </p:cNvPr>
+              <p:cNvCxnSpPr>
+                <a:cxnSpLocks/>
+              </p:cNvCxnSpPr>
+              <p:nvPr/>
+            </p:nvCxnSpPr>
+            <p:spPr>
+              <a:xfrm>
+                <a:off x="7515973" y="1212335"/>
+                <a:ext cx="327188" cy="207904"/>
+              </a:xfrm>
+              <a:prstGeom prst="line">
+                <a:avLst/>
+              </a:prstGeom>
+              <a:ln w="19050">
+                <a:solidFill>
+                  <a:schemeClr val="tx1"/>
+                </a:solidFill>
+                <a:prstDash val="solid"/>
+              </a:ln>
+            </p:spPr>
+            <p:style>
+              <a:lnRef idx="1">
+                <a:schemeClr val="accent1"/>
+              </a:lnRef>
+              <a:fillRef idx="0">
+                <a:schemeClr val="accent1"/>
+              </a:fillRef>
+              <a:effectRef idx="0">
+                <a:schemeClr val="accent1"/>
+              </a:effectRef>
+              <a:fontRef idx="minor">
+                <a:schemeClr val="tx1"/>
+              </a:fontRef>
+            </p:style>
+          </p:cxnSp>
+          <p:cxnSp>
+            <p:nvCxnSpPr>
+              <p:cNvPr id="57" name="直接连接符 56">
+                <a:extLst>
+                  <a:ext uri="{FF2B5EF4-FFF2-40B4-BE49-F238E27FC236}">
+                    <a16:creationId xmlns:a16="http://schemas.microsoft.com/office/drawing/2014/main" id="{7AB34F4B-B3E2-4FF9-8479-383DD3EEAF7B}"/>
+                  </a:ext>
+                </a:extLst>
+              </p:cNvPr>
+              <p:cNvCxnSpPr>
+                <a:cxnSpLocks/>
+              </p:cNvCxnSpPr>
+              <p:nvPr/>
+            </p:nvCxnSpPr>
+            <p:spPr>
+              <a:xfrm flipV="1">
+                <a:off x="7506223" y="770735"/>
+                <a:ext cx="0" cy="441600"/>
+              </a:xfrm>
+              <a:prstGeom prst="line">
+                <a:avLst/>
+              </a:prstGeom>
+              <a:ln w="19050">
+                <a:solidFill>
+                  <a:schemeClr val="tx1"/>
+                </a:solidFill>
+                <a:prstDash val="solid"/>
+              </a:ln>
+            </p:spPr>
+            <p:style>
+              <a:lnRef idx="1">
+                <a:schemeClr val="accent1"/>
+              </a:lnRef>
+              <a:fillRef idx="0">
+                <a:schemeClr val="accent1"/>
+              </a:fillRef>
+              <a:effectRef idx="0">
+                <a:schemeClr val="accent1"/>
+              </a:effectRef>
+              <a:fontRef idx="minor">
+                <a:schemeClr val="tx1"/>
+              </a:fontRef>
+            </p:style>
+          </p:cxnSp>
+        </p:grpSp>
+        <p:grpSp>
+          <p:nvGrpSpPr>
+            <p:cNvPr id="42" name="组合 41">
+              <a:extLst>
+                <a:ext uri="{FF2B5EF4-FFF2-40B4-BE49-F238E27FC236}">
+                  <a16:creationId xmlns:a16="http://schemas.microsoft.com/office/drawing/2014/main" id="{D88EF11F-F8B7-4A39-9327-AB3A43B419F5}"/>
+                </a:ext>
+              </a:extLst>
+            </p:cNvPr>
+            <p:cNvGrpSpPr/>
+            <p:nvPr/>
+          </p:nvGrpSpPr>
+          <p:grpSpPr>
+            <a:xfrm rot="3600000">
+              <a:off x="7200119" y="2296495"/>
+              <a:ext cx="489338" cy="654622"/>
+              <a:chOff x="7169285" y="3200400"/>
+              <a:chExt cx="489338" cy="654622"/>
+            </a:xfrm>
+          </p:grpSpPr>
+          <p:cxnSp>
+            <p:nvCxnSpPr>
+              <p:cNvPr id="84" name="直接连接符 83">
+                <a:extLst>
+                  <a:ext uri="{FF2B5EF4-FFF2-40B4-BE49-F238E27FC236}">
+                    <a16:creationId xmlns:a16="http://schemas.microsoft.com/office/drawing/2014/main" id="{107A118D-6C7F-412E-8948-176A41B71765}"/>
+                  </a:ext>
+                </a:extLst>
+              </p:cNvPr>
+              <p:cNvCxnSpPr>
+                <a:cxnSpLocks/>
+              </p:cNvCxnSpPr>
+              <p:nvPr/>
+            </p:nvCxnSpPr>
+            <p:spPr>
+              <a:xfrm flipV="1">
+                <a:off x="7658623" y="3200400"/>
+                <a:ext cx="0" cy="654622"/>
+              </a:xfrm>
+              <a:prstGeom prst="line">
+                <a:avLst/>
+              </a:prstGeom>
+              <a:ln w="19050">
+                <a:solidFill>
+                  <a:schemeClr val="tx1"/>
+                </a:solidFill>
+                <a:prstDash val="solid"/>
+              </a:ln>
+            </p:spPr>
+            <p:style>
+              <a:lnRef idx="1">
+                <a:schemeClr val="accent1"/>
+              </a:lnRef>
+              <a:fillRef idx="0">
+                <a:schemeClr val="accent1"/>
+              </a:fillRef>
+              <a:effectRef idx="0">
+                <a:schemeClr val="accent1"/>
+              </a:effectRef>
+              <a:fontRef idx="minor">
+                <a:schemeClr val="tx1"/>
+              </a:fontRef>
+            </p:style>
+          </p:cxnSp>
+          <p:cxnSp>
+            <p:nvCxnSpPr>
+              <p:cNvPr id="85" name="直接连接符 84">
+                <a:extLst>
+                  <a:ext uri="{FF2B5EF4-FFF2-40B4-BE49-F238E27FC236}">
+                    <a16:creationId xmlns:a16="http://schemas.microsoft.com/office/drawing/2014/main" id="{22DD0643-05A4-4FB2-9B89-B889E1C428F7}"/>
+                  </a:ext>
+                </a:extLst>
+              </p:cNvPr>
+              <p:cNvCxnSpPr>
+                <a:cxnSpLocks/>
+              </p:cNvCxnSpPr>
+              <p:nvPr/>
+            </p:nvCxnSpPr>
+            <p:spPr>
+              <a:xfrm>
+                <a:off x="7169285" y="3527711"/>
+                <a:ext cx="489338" cy="0"/>
+              </a:xfrm>
+              <a:prstGeom prst="line">
+                <a:avLst/>
+              </a:prstGeom>
+              <a:ln w="19050">
+                <a:solidFill>
+                  <a:schemeClr val="tx1"/>
+                </a:solidFill>
+                <a:prstDash val="dash"/>
+              </a:ln>
+            </p:spPr>
+            <p:style>
+              <a:lnRef idx="1">
+                <a:schemeClr val="accent1"/>
+              </a:lnRef>
+              <a:fillRef idx="0">
+                <a:schemeClr val="accent1"/>
+              </a:fillRef>
+              <a:effectRef idx="0">
+                <a:schemeClr val="accent1"/>
+              </a:effectRef>
+              <a:fontRef idx="minor">
+                <a:schemeClr val="tx1"/>
+              </a:fontRef>
+            </p:style>
+          </p:cxnSp>
+        </p:grpSp>
+        <p:grpSp>
+          <p:nvGrpSpPr>
+            <p:cNvPr id="86" name="组合 85">
+              <a:extLst>
+                <a:ext uri="{FF2B5EF4-FFF2-40B4-BE49-F238E27FC236}">
+                  <a16:creationId xmlns:a16="http://schemas.microsoft.com/office/drawing/2014/main" id="{17B211DC-A17A-497E-AD49-EBEE19526028}"/>
+                </a:ext>
+              </a:extLst>
+            </p:cNvPr>
+            <p:cNvGrpSpPr/>
+            <p:nvPr/>
+          </p:nvGrpSpPr>
+          <p:grpSpPr>
+            <a:xfrm>
+              <a:off x="7921752" y="1974302"/>
+              <a:ext cx="673876" cy="649504"/>
+              <a:chOff x="7169285" y="770735"/>
+              <a:chExt cx="673876" cy="649504"/>
+            </a:xfrm>
+          </p:grpSpPr>
+          <p:cxnSp>
+            <p:nvCxnSpPr>
+              <p:cNvPr id="87" name="直接连接符 86">
+                <a:extLst>
+                  <a:ext uri="{FF2B5EF4-FFF2-40B4-BE49-F238E27FC236}">
+                    <a16:creationId xmlns:a16="http://schemas.microsoft.com/office/drawing/2014/main" id="{E3E0FCC2-8FFB-4588-9A41-18ACF393E77C}"/>
+                  </a:ext>
+                </a:extLst>
+              </p:cNvPr>
+              <p:cNvCxnSpPr>
+                <a:cxnSpLocks/>
+              </p:cNvCxnSpPr>
+              <p:nvPr/>
+            </p:nvCxnSpPr>
+            <p:spPr>
+              <a:xfrm flipV="1">
+                <a:off x="7169285" y="1212335"/>
+                <a:ext cx="336938" cy="207904"/>
+              </a:xfrm>
+              <a:prstGeom prst="line">
+                <a:avLst/>
+              </a:prstGeom>
+              <a:ln w="19050">
+                <a:solidFill>
+                  <a:schemeClr val="tx1"/>
+                </a:solidFill>
+                <a:prstDash val="solid"/>
+              </a:ln>
+            </p:spPr>
+            <p:style>
+              <a:lnRef idx="1">
+                <a:schemeClr val="accent1"/>
+              </a:lnRef>
+              <a:fillRef idx="0">
+                <a:schemeClr val="accent1"/>
+              </a:fillRef>
+              <a:effectRef idx="0">
+                <a:schemeClr val="accent1"/>
+              </a:effectRef>
+              <a:fontRef idx="minor">
+                <a:schemeClr val="tx1"/>
+              </a:fontRef>
+            </p:style>
+          </p:cxnSp>
+          <p:cxnSp>
+            <p:nvCxnSpPr>
+              <p:cNvPr id="88" name="直接连接符 87">
+                <a:extLst>
+                  <a:ext uri="{FF2B5EF4-FFF2-40B4-BE49-F238E27FC236}">
+                    <a16:creationId xmlns:a16="http://schemas.microsoft.com/office/drawing/2014/main" id="{44E65966-42CD-4657-9CB0-5B104E91CAC2}"/>
+                  </a:ext>
+                </a:extLst>
+              </p:cNvPr>
+              <p:cNvCxnSpPr>
+                <a:cxnSpLocks/>
+              </p:cNvCxnSpPr>
+              <p:nvPr/>
+            </p:nvCxnSpPr>
+            <p:spPr>
+              <a:xfrm>
+                <a:off x="7515973" y="1212335"/>
+                <a:ext cx="327188" cy="207904"/>
+              </a:xfrm>
+              <a:prstGeom prst="line">
+                <a:avLst/>
+              </a:prstGeom>
+              <a:ln w="19050">
+                <a:solidFill>
+                  <a:schemeClr val="tx1"/>
+                </a:solidFill>
+                <a:prstDash val="solid"/>
+              </a:ln>
+            </p:spPr>
+            <p:style>
+              <a:lnRef idx="1">
+                <a:schemeClr val="accent1"/>
+              </a:lnRef>
+              <a:fillRef idx="0">
+                <a:schemeClr val="accent1"/>
+              </a:fillRef>
+              <a:effectRef idx="0">
+                <a:schemeClr val="accent1"/>
+              </a:effectRef>
+              <a:fontRef idx="minor">
+                <a:schemeClr val="tx1"/>
+              </a:fontRef>
+            </p:style>
+          </p:cxnSp>
+          <p:cxnSp>
+            <p:nvCxnSpPr>
+              <p:cNvPr id="89" name="直接连接符 88">
+                <a:extLst>
+                  <a:ext uri="{FF2B5EF4-FFF2-40B4-BE49-F238E27FC236}">
+                    <a16:creationId xmlns:a16="http://schemas.microsoft.com/office/drawing/2014/main" id="{21E9D6B9-EC44-467D-8AF8-458BE6F0A697}"/>
+                  </a:ext>
+                </a:extLst>
+              </p:cNvPr>
+              <p:cNvCxnSpPr>
+                <a:cxnSpLocks/>
+              </p:cNvCxnSpPr>
+              <p:nvPr/>
+            </p:nvCxnSpPr>
+            <p:spPr>
+              <a:xfrm flipV="1">
+                <a:off x="7506223" y="770735"/>
+                <a:ext cx="0" cy="441600"/>
+              </a:xfrm>
+              <a:prstGeom prst="line">
+                <a:avLst/>
+              </a:prstGeom>
+              <a:ln w="19050">
+                <a:solidFill>
+                  <a:schemeClr val="tx1"/>
+                </a:solidFill>
+                <a:prstDash val="solid"/>
+              </a:ln>
+            </p:spPr>
+            <p:style>
+              <a:lnRef idx="1">
+                <a:schemeClr val="accent1"/>
+              </a:lnRef>
+              <a:fillRef idx="0">
+                <a:schemeClr val="accent1"/>
+              </a:fillRef>
+              <a:effectRef idx="0">
+                <a:schemeClr val="accent1"/>
+              </a:effectRef>
+              <a:fontRef idx="minor">
+                <a:schemeClr val="tx1"/>
+              </a:fontRef>
+            </p:style>
+          </p:cxnSp>
+        </p:grpSp>
+        <p:grpSp>
+          <p:nvGrpSpPr>
+            <p:cNvPr id="90" name="组合 89">
+              <a:extLst>
+                <a:ext uri="{FF2B5EF4-FFF2-40B4-BE49-F238E27FC236}">
+                  <a16:creationId xmlns:a16="http://schemas.microsoft.com/office/drawing/2014/main" id="{1C49884E-B866-4B22-BEE7-1583BA45563A}"/>
+                </a:ext>
+              </a:extLst>
+            </p:cNvPr>
+            <p:cNvGrpSpPr/>
+            <p:nvPr/>
+          </p:nvGrpSpPr>
+          <p:grpSpPr>
+            <a:xfrm>
+              <a:off x="6295383" y="3961656"/>
+              <a:ext cx="489338" cy="654622"/>
+              <a:chOff x="7169285" y="3200400"/>
+              <a:chExt cx="489338" cy="654622"/>
+            </a:xfrm>
+          </p:grpSpPr>
+          <p:cxnSp>
+            <p:nvCxnSpPr>
+              <p:cNvPr id="91" name="直接连接符 90">
+                <a:extLst>
+                  <a:ext uri="{FF2B5EF4-FFF2-40B4-BE49-F238E27FC236}">
+                    <a16:creationId xmlns:a16="http://schemas.microsoft.com/office/drawing/2014/main" id="{2606EB03-2F80-4819-B94D-A94ED57DA2FB}"/>
+                  </a:ext>
+                </a:extLst>
+              </p:cNvPr>
+              <p:cNvCxnSpPr>
+                <a:cxnSpLocks/>
+              </p:cNvCxnSpPr>
+              <p:nvPr/>
+            </p:nvCxnSpPr>
+            <p:spPr>
+              <a:xfrm flipV="1">
+                <a:off x="7658623" y="3200400"/>
+                <a:ext cx="0" cy="654622"/>
+              </a:xfrm>
+              <a:prstGeom prst="line">
+                <a:avLst/>
+              </a:prstGeom>
+              <a:ln w="19050">
+                <a:solidFill>
+                  <a:schemeClr val="tx1"/>
+                </a:solidFill>
+                <a:prstDash val="solid"/>
+              </a:ln>
+            </p:spPr>
+            <p:style>
+              <a:lnRef idx="1">
+                <a:schemeClr val="accent1"/>
+              </a:lnRef>
+              <a:fillRef idx="0">
+                <a:schemeClr val="accent1"/>
+              </a:fillRef>
+              <a:effectRef idx="0">
+                <a:schemeClr val="accent1"/>
+              </a:effectRef>
+              <a:fontRef idx="minor">
+                <a:schemeClr val="tx1"/>
+              </a:fontRef>
+            </p:style>
+          </p:cxnSp>
+          <p:cxnSp>
+            <p:nvCxnSpPr>
+              <p:cNvPr id="92" name="直接连接符 91">
+                <a:extLst>
+                  <a:ext uri="{FF2B5EF4-FFF2-40B4-BE49-F238E27FC236}">
+                    <a16:creationId xmlns:a16="http://schemas.microsoft.com/office/drawing/2014/main" id="{19D52BD5-B058-4135-A831-258A84F2F4F0}"/>
+                  </a:ext>
+                </a:extLst>
+              </p:cNvPr>
+              <p:cNvCxnSpPr>
+                <a:cxnSpLocks/>
+              </p:cNvCxnSpPr>
+              <p:nvPr/>
+            </p:nvCxnSpPr>
+            <p:spPr>
+              <a:xfrm>
+                <a:off x="7169285" y="3527711"/>
+                <a:ext cx="489338" cy="0"/>
+              </a:xfrm>
+              <a:prstGeom prst="line">
+                <a:avLst/>
+              </a:prstGeom>
+              <a:ln w="19050">
+                <a:solidFill>
+                  <a:schemeClr val="tx1"/>
+                </a:solidFill>
+                <a:prstDash val="dash"/>
+              </a:ln>
+            </p:spPr>
+            <p:style>
+              <a:lnRef idx="1">
+                <a:schemeClr val="accent1"/>
+              </a:lnRef>
+              <a:fillRef idx="0">
+                <a:schemeClr val="accent1"/>
+              </a:fillRef>
+              <a:effectRef idx="0">
+                <a:schemeClr val="accent1"/>
+              </a:effectRef>
+              <a:fontRef idx="minor">
+                <a:schemeClr val="tx1"/>
+              </a:fontRef>
+            </p:style>
+          </p:cxnSp>
+        </p:grpSp>
+        <p:grpSp>
+          <p:nvGrpSpPr>
+            <p:cNvPr id="93" name="组合 92">
+              <a:extLst>
+                <a:ext uri="{FF2B5EF4-FFF2-40B4-BE49-F238E27FC236}">
+                  <a16:creationId xmlns:a16="http://schemas.microsoft.com/office/drawing/2014/main" id="{6868A47C-6C3F-43F6-8F16-D17BB211C6D2}"/>
+                </a:ext>
+              </a:extLst>
+            </p:cNvPr>
+            <p:cNvGrpSpPr/>
+            <p:nvPr/>
+          </p:nvGrpSpPr>
+          <p:grpSpPr>
+            <a:xfrm rot="7200000">
+              <a:off x="8906029" y="2296495"/>
+              <a:ext cx="489338" cy="654622"/>
+              <a:chOff x="7169285" y="3200400"/>
+              <a:chExt cx="489338" cy="654622"/>
+            </a:xfrm>
+          </p:grpSpPr>
+          <p:cxnSp>
+            <p:nvCxnSpPr>
+              <p:cNvPr id="94" name="直接连接符 93">
+                <a:extLst>
+                  <a:ext uri="{FF2B5EF4-FFF2-40B4-BE49-F238E27FC236}">
+                    <a16:creationId xmlns:a16="http://schemas.microsoft.com/office/drawing/2014/main" id="{B4BFA05B-0C38-47D2-8BB9-3B7748ACB67D}"/>
+                  </a:ext>
+                </a:extLst>
+              </p:cNvPr>
+              <p:cNvCxnSpPr>
+                <a:cxnSpLocks/>
+              </p:cNvCxnSpPr>
+              <p:nvPr/>
+            </p:nvCxnSpPr>
+            <p:spPr>
+              <a:xfrm flipV="1">
+                <a:off x="7658623" y="3200400"/>
+                <a:ext cx="0" cy="654622"/>
+              </a:xfrm>
+              <a:prstGeom prst="line">
+                <a:avLst/>
+              </a:prstGeom>
+              <a:ln w="19050">
+                <a:solidFill>
+                  <a:schemeClr val="tx1"/>
+                </a:solidFill>
+                <a:prstDash val="solid"/>
+              </a:ln>
+            </p:spPr>
+            <p:style>
+              <a:lnRef idx="1">
+                <a:schemeClr val="accent1"/>
+              </a:lnRef>
+              <a:fillRef idx="0">
+                <a:schemeClr val="accent1"/>
+              </a:fillRef>
+              <a:effectRef idx="0">
+                <a:schemeClr val="accent1"/>
+              </a:effectRef>
+              <a:fontRef idx="minor">
+                <a:schemeClr val="tx1"/>
+              </a:fontRef>
+            </p:style>
+          </p:cxnSp>
+          <p:cxnSp>
+            <p:nvCxnSpPr>
+              <p:cNvPr id="95" name="直接连接符 94">
+                <a:extLst>
+                  <a:ext uri="{FF2B5EF4-FFF2-40B4-BE49-F238E27FC236}">
+                    <a16:creationId xmlns:a16="http://schemas.microsoft.com/office/drawing/2014/main" id="{11C68976-568E-4BEB-B393-62B3F72EEFB4}"/>
+                  </a:ext>
+                </a:extLst>
+              </p:cNvPr>
+              <p:cNvCxnSpPr>
+                <a:cxnSpLocks/>
+              </p:cNvCxnSpPr>
+              <p:nvPr/>
+            </p:nvCxnSpPr>
+            <p:spPr>
+              <a:xfrm>
+                <a:off x="7169285" y="3527711"/>
+                <a:ext cx="489338" cy="0"/>
+              </a:xfrm>
+              <a:prstGeom prst="line">
+                <a:avLst/>
+              </a:prstGeom>
+              <a:ln w="19050">
+                <a:solidFill>
+                  <a:schemeClr val="tx1"/>
+                </a:solidFill>
+                <a:prstDash val="dash"/>
+              </a:ln>
+            </p:spPr>
+            <p:style>
+              <a:lnRef idx="1">
+                <a:schemeClr val="accent1"/>
+              </a:lnRef>
+              <a:fillRef idx="0">
+                <a:schemeClr val="accent1"/>
+              </a:fillRef>
+              <a:effectRef idx="0">
+                <a:schemeClr val="accent1"/>
+              </a:effectRef>
+              <a:fontRef idx="minor">
+                <a:schemeClr val="tx1"/>
+              </a:fontRef>
+            </p:style>
+          </p:cxnSp>
+        </p:grpSp>
+      </p:grpSp>
+    </p:spTree>
+    <p:extLst>
+      <p:ext uri="{BB962C8B-B14F-4D97-AF65-F5344CB8AC3E}">
+        <p14:creationId xmlns:p14="http://schemas.microsoft.com/office/powerpoint/2010/main" val="2610331328"/>
+      </p:ext>
+    </p:extLst>
+  </p:cSld>
+  <p:clrMapOvr>
+    <a:masterClrMapping/>
+  </p:clrMapOvr>
+</p:sld>
+</file>
+
+<file path=ppt/slides/slide11.xml><?xml version="1.0" encoding="utf-8"?>
+<p:sld xmlns:a="http://schemas.openxmlformats.org/drawingml/2006/main" xmlns:r="http://schemas.openxmlformats.org/officeDocument/2006/relationships" xmlns:p="http://schemas.openxmlformats.org/presentationml/2006/main">
+  <p:cSld>
+    <p:spTree>
+      <p:nvGrpSpPr>
+        <p:cNvPr id="1" name=""/>
+        <p:cNvGrpSpPr/>
+        <p:nvPr/>
+      </p:nvGrpSpPr>
+      <p:grpSpPr>
+        <a:xfrm>
+          <a:off x="0" y="0"/>
+          <a:ext cx="0" cy="0"/>
+          <a:chOff x="0" y="0"/>
+          <a:chExt cx="0" cy="0"/>
+        </a:xfrm>
+      </p:grpSpPr>
+      <p:grpSp>
+        <p:nvGrpSpPr>
+          <p:cNvPr id="14" name="组合 13">
+            <a:extLst>
+              <a:ext uri="{FF2B5EF4-FFF2-40B4-BE49-F238E27FC236}">
+                <a16:creationId xmlns:a16="http://schemas.microsoft.com/office/drawing/2014/main" id="{56635533-BCEA-4018-93C9-BE6C222A5B36}"/>
+              </a:ext>
+            </a:extLst>
+          </p:cNvPr>
+          <p:cNvGrpSpPr/>
+          <p:nvPr/>
+        </p:nvGrpSpPr>
+        <p:grpSpPr>
           <a:xfrm rot="18000000">
             <a:off x="1990534" y="618335"/>
             <a:ext cx="1371600" cy="1593319"/>
@@ -4678,7 +5587,7 @@
 </p:sld>
 </file>
 
-<file path=ppt/slides/slide11.xml><?xml version="1.0" encoding="utf-8"?>
+<file path=ppt/slides/slide12.xml><?xml version="1.0" encoding="utf-8"?>
 <p:sld xmlns:a="http://schemas.openxmlformats.org/drawingml/2006/main" xmlns:r="http://schemas.openxmlformats.org/officeDocument/2006/relationships" xmlns:p="http://schemas.openxmlformats.org/presentationml/2006/main">
   <p:cSld>
     <p:spTree>
@@ -6875,8 +7784,8 @@
         </p:nvSpPr>
         <p:spPr>
           <a:xfrm rot="18685747">
-            <a:off x="4899" y="4237246"/>
-            <a:ext cx="1689886" cy="369332"/>
+            <a:off x="13716" y="4237246"/>
+            <a:ext cx="1672253" cy="369332"/>
           </a:xfrm>
           <a:prstGeom prst="rect">
             <a:avLst/>
@@ -6890,10 +7799,18 @@
           <a:lstStyle/>
           <a:p>
             <a:r>
-              <a:rPr lang="en-US" altLang="zh-CN" dirty="0"/>
-              <a:t>Lambda_b_dn2</a:t>
+              <a:rPr lang="en-US" altLang="zh-CN" dirty="0">
+                <a:solidFill>
+                  <a:schemeClr val="accent3"/>
+                </a:solidFill>
+              </a:rPr>
+              <a:t>Lambda_a_dn2</a:t>
             </a:r>
-            <a:endParaRPr lang="zh-CN" altLang="en-US" dirty="0"/>
+            <a:endParaRPr lang="zh-CN" altLang="en-US" dirty="0">
+              <a:solidFill>
+                <a:schemeClr val="accent3"/>
+              </a:solidFill>
+            </a:endParaRPr>
           </a:p>
         </p:txBody>
       </p:sp>
@@ -6926,10 +7843,18 @@
           <a:lstStyle/>
           <a:p>
             <a:r>
-              <a:rPr lang="en-US" altLang="zh-CN" dirty="0"/>
+              <a:rPr lang="en-US" altLang="zh-CN" dirty="0">
+                <a:solidFill>
+                  <a:schemeClr val="accent3"/>
+                </a:solidFill>
+              </a:rPr>
               <a:t>Lambda_c_up3</a:t>
             </a:r>
-            <a:endParaRPr lang="zh-CN" altLang="en-US" dirty="0"/>
+            <a:endParaRPr lang="zh-CN" altLang="en-US" dirty="0">
+              <a:solidFill>
+                <a:schemeClr val="accent3"/>
+              </a:solidFill>
+            </a:endParaRPr>
           </a:p>
         </p:txBody>
       </p:sp>
@@ -6947,8 +7872,8 @@
         </p:nvSpPr>
         <p:spPr>
           <a:xfrm rot="3693162">
-            <a:off x="4113787" y="4030649"/>
-            <a:ext cx="1672253" cy="369332"/>
+            <a:off x="4104970" y="4030649"/>
+            <a:ext cx="1689886" cy="369332"/>
           </a:xfrm>
           <a:prstGeom prst="rect">
             <a:avLst/>
@@ -6962,10 +7887,18 @@
           <a:lstStyle/>
           <a:p>
             <a:r>
-              <a:rPr lang="en-US" altLang="zh-CN" dirty="0"/>
-              <a:t>Lambda_a_dn4</a:t>
+              <a:rPr lang="en-US" altLang="zh-CN" dirty="0">
+                <a:solidFill>
+                  <a:schemeClr val="accent3"/>
+                </a:solidFill>
+              </a:rPr>
+              <a:t>Lambda_b_dn4</a:t>
             </a:r>
-            <a:endParaRPr lang="zh-CN" altLang="en-US" dirty="0"/>
+            <a:endParaRPr lang="zh-CN" altLang="en-US" dirty="0">
+              <a:solidFill>
+                <a:schemeClr val="accent3"/>
+              </a:solidFill>
+            </a:endParaRPr>
           </a:p>
         </p:txBody>
       </p:sp>
@@ -6984,7 +7917,7 @@
         <p:spPr>
           <a:xfrm>
             <a:off x="1717947" y="3261738"/>
-            <a:ext cx="550151" cy="369332"/>
+            <a:ext cx="567784" cy="369332"/>
           </a:xfrm>
           <a:prstGeom prst="rect">
             <a:avLst/>
@@ -6999,7 +7932,7 @@
           <a:p>
             <a:r>
               <a:rPr lang="en-US" altLang="zh-CN" dirty="0"/>
-              <a:t>Ba2</a:t>
+              <a:t>Bb2</a:t>
             </a:r>
             <a:endParaRPr lang="zh-CN" altLang="en-US" dirty="0"/>
           </a:p>
@@ -7020,7 +7953,7 @@
         <p:spPr>
           <a:xfrm>
             <a:off x="3788866" y="3248053"/>
-            <a:ext cx="567784" cy="369332"/>
+            <a:ext cx="550151" cy="369332"/>
           </a:xfrm>
           <a:prstGeom prst="rect">
             <a:avLst/>
@@ -7035,7 +7968,7 @@
           <a:p>
             <a:r>
               <a:rPr lang="en-US" altLang="zh-CN" dirty="0"/>
-              <a:t>Bb3</a:t>
+              <a:t>Ba3</a:t>
             </a:r>
             <a:endParaRPr lang="zh-CN" altLang="en-US" dirty="0"/>
           </a:p>
@@ -7127,8 +8060,8 @@
         </p:nvSpPr>
         <p:spPr>
           <a:xfrm rot="3367739">
-            <a:off x="1096180" y="4089166"/>
-            <a:ext cx="1672253" cy="369332"/>
+            <a:off x="1087363" y="4089166"/>
+            <a:ext cx="1689886" cy="369332"/>
           </a:xfrm>
           <a:prstGeom prst="rect">
             <a:avLst/>
@@ -7143,7 +8076,7 @@
           <a:p>
             <a:r>
               <a:rPr lang="en-US" altLang="zh-CN" dirty="0"/>
-              <a:t>Lambda_a_dn7</a:t>
+              <a:t>Lambda_b_dn7</a:t>
             </a:r>
             <a:endParaRPr lang="zh-CN" altLang="en-US" dirty="0"/>
           </a:p>
@@ -7163,8 +8096,8 @@
         </p:nvSpPr>
         <p:spPr>
           <a:xfrm rot="3646528">
-            <a:off x="1732201" y="3657896"/>
-            <a:ext cx="1672253" cy="369332"/>
+            <a:off x="1723384" y="3657896"/>
+            <a:ext cx="1689886" cy="369332"/>
           </a:xfrm>
           <a:prstGeom prst="rect">
             <a:avLst/>
@@ -7179,7 +8112,7 @@
           <a:p>
             <a:r>
               <a:rPr lang="en-US" altLang="zh-CN" dirty="0"/>
-              <a:t>Lambda_a_up8</a:t>
+              <a:t>Lambda_b_up8</a:t>
             </a:r>
             <a:endParaRPr lang="zh-CN" altLang="en-US" dirty="0"/>
           </a:p>
@@ -7199,8 +8132,8 @@
         </p:nvSpPr>
         <p:spPr>
           <a:xfrm rot="18253062">
-            <a:off x="2618170" y="3453008"/>
-            <a:ext cx="1689886" cy="369332"/>
+            <a:off x="2626987" y="3453008"/>
+            <a:ext cx="1672253" cy="369332"/>
           </a:xfrm>
           <a:prstGeom prst="rect">
             <a:avLst/>
@@ -7215,7 +8148,7 @@
           <a:p>
             <a:r>
               <a:rPr lang="en-US" altLang="zh-CN" dirty="0"/>
-              <a:t>Lambda_b_up9</a:t>
+              <a:t>Lambda_a_up9</a:t>
             </a:r>
             <a:endParaRPr lang="zh-CN" altLang="en-US" dirty="0"/>
           </a:p>
@@ -7235,8 +8168,8 @@
         </p:nvSpPr>
         <p:spPr>
           <a:xfrm rot="18026516">
-            <a:off x="3116120" y="4030650"/>
-            <a:ext cx="1811714" cy="369332"/>
+            <a:off x="3124936" y="4030650"/>
+            <a:ext cx="1794081" cy="369332"/>
           </a:xfrm>
           <a:prstGeom prst="rect">
             <a:avLst/>
@@ -7251,7 +8184,7 @@
           <a:p>
             <a:r>
               <a:rPr lang="en-US" altLang="zh-CN" dirty="0"/>
-              <a:t>Lambda_b_dn10</a:t>
+              <a:t>Lambda_a_dn10</a:t>
             </a:r>
             <a:endParaRPr lang="zh-CN" altLang="en-US" dirty="0"/>
           </a:p>
@@ -7414,7 +8347,7 @@
 </p:sld>
 </file>
 
-<file path=ppt/slides/slide12.xml><?xml version="1.0" encoding="utf-8"?>
+<file path=ppt/slides/slide13.xml><?xml version="1.0" encoding="utf-8"?>
 <p:sld xmlns:a="http://schemas.openxmlformats.org/drawingml/2006/main" xmlns:r="http://schemas.openxmlformats.org/officeDocument/2006/relationships" xmlns:p="http://schemas.openxmlformats.org/presentationml/2006/main">
   <p:cSld>
     <p:spTree>
@@ -9489,6 +10422,78 @@
           </p:cxnSp>
         </p:grpSp>
       </p:grpSp>
+      <p:sp>
+        <p:nvSpPr>
+          <p:cNvPr id="2" name="文本框 1">
+            <a:extLst>
+              <a:ext uri="{FF2B5EF4-FFF2-40B4-BE49-F238E27FC236}">
+                <a16:creationId xmlns:a16="http://schemas.microsoft.com/office/drawing/2014/main" id="{6DFA6E5B-E389-460B-B1FB-64AA65135B8F}"/>
+              </a:ext>
+            </a:extLst>
+          </p:cNvPr>
+          <p:cNvSpPr txBox="1"/>
+          <p:nvPr/>
+        </p:nvSpPr>
+        <p:spPr>
+          <a:xfrm>
+            <a:off x="3514665" y="4422710"/>
+            <a:ext cx="726481" cy="369332"/>
+          </a:xfrm>
+          <a:prstGeom prst="rect">
+            <a:avLst/>
+          </a:prstGeom>
+          <a:noFill/>
+        </p:spPr>
+        <p:txBody>
+          <a:bodyPr wrap="none" rtlCol="0">
+            <a:spAutoFit/>
+          </a:bodyPr>
+          <a:lstStyle/>
+          <a:p>
+            <a:r>
+              <a:rPr lang="en-US" altLang="zh-CN" dirty="0"/>
+              <a:t>alpha</a:t>
+            </a:r>
+            <a:endParaRPr lang="zh-CN" altLang="en-US" dirty="0"/>
+          </a:p>
+        </p:txBody>
+      </p:sp>
+      <p:sp>
+        <p:nvSpPr>
+          <p:cNvPr id="67" name="文本框 66">
+            <a:extLst>
+              <a:ext uri="{FF2B5EF4-FFF2-40B4-BE49-F238E27FC236}">
+                <a16:creationId xmlns:a16="http://schemas.microsoft.com/office/drawing/2014/main" id="{F2DCEF09-DF15-410A-A209-17EA2D6F92D8}"/>
+              </a:ext>
+            </a:extLst>
+          </p:cNvPr>
+          <p:cNvSpPr txBox="1"/>
+          <p:nvPr/>
+        </p:nvSpPr>
+        <p:spPr>
+          <a:xfrm>
+            <a:off x="8091726" y="4456321"/>
+            <a:ext cx="625492" cy="369332"/>
+          </a:xfrm>
+          <a:prstGeom prst="rect">
+            <a:avLst/>
+          </a:prstGeom>
+          <a:noFill/>
+        </p:spPr>
+        <p:txBody>
+          <a:bodyPr wrap="none" rtlCol="0">
+            <a:spAutoFit/>
+          </a:bodyPr>
+          <a:lstStyle/>
+          <a:p>
+            <a:r>
+              <a:rPr lang="en-US" altLang="zh-CN" dirty="0"/>
+              <a:t>beta</a:t>
+            </a:r>
+            <a:endParaRPr lang="zh-CN" altLang="en-US" dirty="0"/>
+          </a:p>
+        </p:txBody>
+      </p:sp>
     </p:spTree>
     <p:extLst>
       <p:ext uri="{BB962C8B-B14F-4D97-AF65-F5344CB8AC3E}">
@@ -9502,7 +10507,7 @@
 </p:sld>
 </file>
 
-<file path=ppt/slides/slide13.xml><?xml version="1.0" encoding="utf-8"?>
+<file path=ppt/slides/slide14.xml><?xml version="1.0" encoding="utf-8"?>
 <p:sld xmlns:a="http://schemas.openxmlformats.org/drawingml/2006/main" xmlns:r="http://schemas.openxmlformats.org/officeDocument/2006/relationships" xmlns:p="http://schemas.openxmlformats.org/presentationml/2006/main">
   <p:cSld>
     <p:spTree>
@@ -9759,7 +10764,7 @@
         </p:nvGrpSpPr>
         <p:grpSpPr>
           <a:xfrm rot="7200000">
-            <a:off x="7579244" y="3621721"/>
+            <a:off x="1109606" y="3375552"/>
             <a:ext cx="3961853" cy="2641976"/>
             <a:chOff x="6470483" y="301143"/>
             <a:chExt cx="3961853" cy="2641976"/>
@@ -10675,7 +11680,7 @@
         </p:nvGrpSpPr>
         <p:grpSpPr>
           <a:xfrm rot="18000000">
-            <a:off x="928576" y="2940269"/>
+            <a:off x="7292941" y="2663864"/>
             <a:ext cx="3961853" cy="2641976"/>
             <a:chOff x="6470483" y="301143"/>
             <a:chExt cx="3961853" cy="2641976"/>
@@ -11590,7 +12595,7 @@
 </p:sld>
 </file>
 
-<file path=ppt/slides/slide14.xml><?xml version="1.0" encoding="utf-8"?>
+<file path=ppt/slides/slide15.xml><?xml version="1.0" encoding="utf-8"?>
 <p:sld xmlns:a="http://schemas.openxmlformats.org/drawingml/2006/main" xmlns:r="http://schemas.openxmlformats.org/officeDocument/2006/relationships" xmlns:p="http://schemas.openxmlformats.org/presentationml/2006/main">
   <p:cSld>
     <p:spTree>
@@ -12890,6 +13895,226 @@
           </a:p>
         </p:txBody>
       </p:sp>
+      <p:sp>
+        <p:nvSpPr>
+          <p:cNvPr id="2" name="文本框 1">
+            <a:extLst>
+              <a:ext uri="{FF2B5EF4-FFF2-40B4-BE49-F238E27FC236}">
+                <a16:creationId xmlns:a16="http://schemas.microsoft.com/office/drawing/2014/main" id="{BA51E448-60F3-44C1-8DE7-0BA9577E4ED2}"/>
+              </a:ext>
+            </a:extLst>
+          </p:cNvPr>
+          <p:cNvSpPr txBox="1"/>
+          <p:nvPr/>
+        </p:nvSpPr>
+        <p:spPr>
+          <a:xfrm>
+            <a:off x="1685857" y="3422318"/>
+            <a:ext cx="233265" cy="369332"/>
+          </a:xfrm>
+          <a:prstGeom prst="rect">
+            <a:avLst/>
+          </a:prstGeom>
+          <a:noFill/>
+        </p:spPr>
+        <p:txBody>
+          <a:bodyPr wrap="square" rtlCol="0">
+            <a:spAutoFit/>
+          </a:bodyPr>
+          <a:lstStyle/>
+          <a:p>
+            <a:r>
+              <a:rPr lang="en-US" altLang="zh-CN" dirty="0">
+                <a:solidFill>
+                  <a:srgbClr val="00B050"/>
+                </a:solidFill>
+              </a:rPr>
+              <a:t>1</a:t>
+            </a:r>
+            <a:endParaRPr lang="zh-CN" altLang="en-US" dirty="0">
+              <a:solidFill>
+                <a:srgbClr val="00B050"/>
+              </a:solidFill>
+            </a:endParaRPr>
+          </a:p>
+        </p:txBody>
+      </p:sp>
+      <p:sp>
+        <p:nvSpPr>
+          <p:cNvPr id="37" name="文本框 36">
+            <a:extLst>
+              <a:ext uri="{FF2B5EF4-FFF2-40B4-BE49-F238E27FC236}">
+                <a16:creationId xmlns:a16="http://schemas.microsoft.com/office/drawing/2014/main" id="{917E82BC-B2B7-4573-922F-539003E43AAC}"/>
+              </a:ext>
+            </a:extLst>
+          </p:cNvPr>
+          <p:cNvSpPr txBox="1"/>
+          <p:nvPr/>
+        </p:nvSpPr>
+        <p:spPr>
+          <a:xfrm>
+            <a:off x="1838257" y="2548350"/>
+            <a:ext cx="233265" cy="369332"/>
+          </a:xfrm>
+          <a:prstGeom prst="rect">
+            <a:avLst/>
+          </a:prstGeom>
+          <a:noFill/>
+        </p:spPr>
+        <p:txBody>
+          <a:bodyPr wrap="square" rtlCol="0">
+            <a:spAutoFit/>
+          </a:bodyPr>
+          <a:lstStyle/>
+          <a:p>
+            <a:r>
+              <a:rPr lang="en-US" altLang="zh-CN" dirty="0">
+                <a:solidFill>
+                  <a:srgbClr val="00B050"/>
+                </a:solidFill>
+              </a:rPr>
+              <a:t>2</a:t>
+            </a:r>
+            <a:endParaRPr lang="zh-CN" altLang="en-US" dirty="0">
+              <a:solidFill>
+                <a:srgbClr val="00B050"/>
+              </a:solidFill>
+            </a:endParaRPr>
+          </a:p>
+        </p:txBody>
+      </p:sp>
+      <p:sp>
+        <p:nvSpPr>
+          <p:cNvPr id="40" name="文本框 39">
+            <a:extLst>
+              <a:ext uri="{FF2B5EF4-FFF2-40B4-BE49-F238E27FC236}">
+                <a16:creationId xmlns:a16="http://schemas.microsoft.com/office/drawing/2014/main" id="{921FF5BD-64B2-40B1-9CAA-3048C64B11C3}"/>
+              </a:ext>
+            </a:extLst>
+          </p:cNvPr>
+          <p:cNvSpPr txBox="1"/>
+          <p:nvPr/>
+        </p:nvSpPr>
+        <p:spPr>
+          <a:xfrm>
+            <a:off x="2687342" y="2277762"/>
+            <a:ext cx="233265" cy="369332"/>
+          </a:xfrm>
+          <a:prstGeom prst="rect">
+            <a:avLst/>
+          </a:prstGeom>
+          <a:noFill/>
+        </p:spPr>
+        <p:txBody>
+          <a:bodyPr wrap="square" rtlCol="0">
+            <a:spAutoFit/>
+          </a:bodyPr>
+          <a:lstStyle/>
+          <a:p>
+            <a:r>
+              <a:rPr lang="en-US" altLang="zh-CN" dirty="0">
+                <a:solidFill>
+                  <a:srgbClr val="00B050"/>
+                </a:solidFill>
+              </a:rPr>
+              <a:t>3</a:t>
+            </a:r>
+            <a:endParaRPr lang="zh-CN" altLang="en-US" dirty="0">
+              <a:solidFill>
+                <a:srgbClr val="00B050"/>
+              </a:solidFill>
+            </a:endParaRPr>
+          </a:p>
+        </p:txBody>
+      </p:sp>
+      <p:sp>
+        <p:nvSpPr>
+          <p:cNvPr id="41" name="文本框 40">
+            <a:extLst>
+              <a:ext uri="{FF2B5EF4-FFF2-40B4-BE49-F238E27FC236}">
+                <a16:creationId xmlns:a16="http://schemas.microsoft.com/office/drawing/2014/main" id="{6A63B6A3-8D76-49F2-B92E-6588E9950A39}"/>
+              </a:ext>
+            </a:extLst>
+          </p:cNvPr>
+          <p:cNvSpPr txBox="1"/>
+          <p:nvPr/>
+        </p:nvSpPr>
+        <p:spPr>
+          <a:xfrm>
+            <a:off x="3946975" y="2567011"/>
+            <a:ext cx="233265" cy="369332"/>
+          </a:xfrm>
+          <a:prstGeom prst="rect">
+            <a:avLst/>
+          </a:prstGeom>
+          <a:noFill/>
+        </p:spPr>
+        <p:txBody>
+          <a:bodyPr wrap="square" rtlCol="0">
+            <a:spAutoFit/>
+          </a:bodyPr>
+          <a:lstStyle/>
+          <a:p>
+            <a:r>
+              <a:rPr lang="en-US" altLang="zh-CN" dirty="0">
+                <a:solidFill>
+                  <a:srgbClr val="00B050"/>
+                </a:solidFill>
+              </a:rPr>
+              <a:t>4</a:t>
+            </a:r>
+            <a:endParaRPr lang="zh-CN" altLang="en-US" dirty="0">
+              <a:solidFill>
+                <a:srgbClr val="00B050"/>
+              </a:solidFill>
+            </a:endParaRPr>
+          </a:p>
+        </p:txBody>
+      </p:sp>
+      <p:sp>
+        <p:nvSpPr>
+          <p:cNvPr id="43" name="文本框 42">
+            <a:extLst>
+              <a:ext uri="{FF2B5EF4-FFF2-40B4-BE49-F238E27FC236}">
+                <a16:creationId xmlns:a16="http://schemas.microsoft.com/office/drawing/2014/main" id="{616A67BE-44D7-4CEF-93E4-D81B4F673E95}"/>
+              </a:ext>
+            </a:extLst>
+          </p:cNvPr>
+          <p:cNvSpPr txBox="1"/>
+          <p:nvPr/>
+        </p:nvSpPr>
+        <p:spPr>
+          <a:xfrm>
+            <a:off x="3844339" y="3350783"/>
+            <a:ext cx="233265" cy="369332"/>
+          </a:xfrm>
+          <a:prstGeom prst="rect">
+            <a:avLst/>
+          </a:prstGeom>
+          <a:noFill/>
+        </p:spPr>
+        <p:txBody>
+          <a:bodyPr wrap="square" rtlCol="0">
+            <a:spAutoFit/>
+          </a:bodyPr>
+          <a:lstStyle/>
+          <a:p>
+            <a:r>
+              <a:rPr lang="en-US" altLang="zh-CN" dirty="0">
+                <a:solidFill>
+                  <a:srgbClr val="00B050"/>
+                </a:solidFill>
+              </a:rPr>
+              <a:t>5</a:t>
+            </a:r>
+            <a:endParaRPr lang="zh-CN" altLang="en-US" dirty="0">
+              <a:solidFill>
+                <a:srgbClr val="00B050"/>
+              </a:solidFill>
+            </a:endParaRPr>
+          </a:p>
+        </p:txBody>
+      </p:sp>
     </p:spTree>
     <p:extLst>
       <p:ext uri="{BB962C8B-B14F-4D97-AF65-F5344CB8AC3E}">
@@ -15413,6 +16638,78 @@
           </a:p>
         </p:txBody>
       </p:sp>
+      <p:sp>
+        <p:nvSpPr>
+          <p:cNvPr id="4" name="文本框 3">
+            <a:extLst>
+              <a:ext uri="{FF2B5EF4-FFF2-40B4-BE49-F238E27FC236}">
+                <a16:creationId xmlns:a16="http://schemas.microsoft.com/office/drawing/2014/main" id="{B489CF3E-578F-46F5-8223-51E1027B9841}"/>
+              </a:ext>
+            </a:extLst>
+          </p:cNvPr>
+          <p:cNvSpPr txBox="1"/>
+          <p:nvPr/>
+        </p:nvSpPr>
+        <p:spPr>
+          <a:xfrm>
+            <a:off x="8795754" y="5403002"/>
+            <a:ext cx="3484775" cy="646331"/>
+          </a:xfrm>
+          <a:prstGeom prst="rect">
+            <a:avLst/>
+          </a:prstGeom>
+          <a:noFill/>
+        </p:spPr>
+        <p:txBody>
+          <a:bodyPr wrap="square" rtlCol="0">
+            <a:spAutoFit/>
+          </a:bodyPr>
+          <a:lstStyle/>
+          <a:p>
+            <a:r>
+              <a:rPr lang="en-US" altLang="zh-CN" dirty="0"/>
+              <a:t>Label of B tensor is defined by the neighbor down triangle</a:t>
+            </a:r>
+            <a:endParaRPr lang="zh-CN" altLang="en-US" dirty="0"/>
+          </a:p>
+        </p:txBody>
+      </p:sp>
+      <p:sp>
+        <p:nvSpPr>
+          <p:cNvPr id="38" name="文本框 37">
+            <a:extLst>
+              <a:ext uri="{FF2B5EF4-FFF2-40B4-BE49-F238E27FC236}">
+                <a16:creationId xmlns:a16="http://schemas.microsoft.com/office/drawing/2014/main" id="{AB14504D-684B-4F9B-982A-61F1F7CA3A68}"/>
+              </a:ext>
+            </a:extLst>
+          </p:cNvPr>
+          <p:cNvSpPr txBox="1"/>
+          <p:nvPr/>
+        </p:nvSpPr>
+        <p:spPr>
+          <a:xfrm>
+            <a:off x="8164286" y="6049333"/>
+            <a:ext cx="4329403" cy="646331"/>
+          </a:xfrm>
+          <a:prstGeom prst="rect">
+            <a:avLst/>
+          </a:prstGeom>
+          <a:noFill/>
+        </p:spPr>
+        <p:txBody>
+          <a:bodyPr wrap="square" rtlCol="0">
+            <a:spAutoFit/>
+          </a:bodyPr>
+          <a:lstStyle/>
+          <a:p>
+            <a:r>
+              <a:rPr lang="en-US" altLang="zh-CN" dirty="0"/>
+              <a:t>Label of lambda tensor is defined by the neighbor triangle and a/b/c direction</a:t>
+            </a:r>
+            <a:endParaRPr lang="zh-CN" altLang="en-US" dirty="0"/>
+          </a:p>
+        </p:txBody>
+      </p:sp>
     </p:spTree>
     <p:extLst>
       <p:ext uri="{BB962C8B-B14F-4D97-AF65-F5344CB8AC3E}">
@@ -15427,6 +16724,116 @@
 </file>
 
 <file path=ppt/slides/slide4.xml><?xml version="1.0" encoding="utf-8"?>
+<p:sld xmlns:a="http://schemas.openxmlformats.org/drawingml/2006/main" xmlns:r="http://schemas.openxmlformats.org/officeDocument/2006/relationships" xmlns:p="http://schemas.openxmlformats.org/presentationml/2006/main">
+  <p:cSld>
+    <p:spTree>
+      <p:nvGrpSpPr>
+        <p:cNvPr id="1" name=""/>
+        <p:cNvGrpSpPr/>
+        <p:nvPr/>
+      </p:nvGrpSpPr>
+      <p:grpSpPr>
+        <a:xfrm>
+          <a:off x="0" y="0"/>
+          <a:ext cx="0" cy="0"/>
+          <a:chOff x="0" y="0"/>
+          <a:chExt cx="0" cy="0"/>
+        </a:xfrm>
+      </p:grpSpPr>
+      <p:pic>
+        <p:nvPicPr>
+          <p:cNvPr id="4" name="图片 3">
+            <a:extLst>
+              <a:ext uri="{FF2B5EF4-FFF2-40B4-BE49-F238E27FC236}">
+                <a16:creationId xmlns:a16="http://schemas.microsoft.com/office/drawing/2014/main" id="{9AB3528C-7816-4F38-A9DC-2181318AFFAF}"/>
+              </a:ext>
+            </a:extLst>
+          </p:cNvPr>
+          <p:cNvPicPr>
+            <a:picLocks noChangeAspect="1"/>
+          </p:cNvPicPr>
+          <p:nvPr/>
+        </p:nvPicPr>
+        <p:blipFill>
+          <a:blip r:embed="rId2"/>
+          <a:stretch>
+            <a:fillRect/>
+          </a:stretch>
+        </p:blipFill>
+        <p:spPr>
+          <a:xfrm>
+            <a:off x="628941" y="857833"/>
+            <a:ext cx="2219325" cy="2343150"/>
+          </a:xfrm>
+          <a:prstGeom prst="rect">
+            <a:avLst/>
+          </a:prstGeom>
+        </p:spPr>
+      </p:pic>
+      <p:sp>
+        <p:nvSpPr>
+          <p:cNvPr id="6" name="文本框 5">
+            <a:extLst>
+              <a:ext uri="{FF2B5EF4-FFF2-40B4-BE49-F238E27FC236}">
+                <a16:creationId xmlns:a16="http://schemas.microsoft.com/office/drawing/2014/main" id="{725D575B-0DCE-4B69-94BC-AAFD8C008EE2}"/>
+              </a:ext>
+            </a:extLst>
+          </p:cNvPr>
+          <p:cNvSpPr txBox="1"/>
+          <p:nvPr/>
+        </p:nvSpPr>
+        <p:spPr>
+          <a:xfrm>
+            <a:off x="5952931" y="1446245"/>
+            <a:ext cx="5891356" cy="646331"/>
+          </a:xfrm>
+          <a:prstGeom prst="rect">
+            <a:avLst/>
+          </a:prstGeom>
+          <a:noFill/>
+        </p:spPr>
+        <p:txBody>
+          <a:bodyPr wrap="none" rtlCol="0">
+            <a:spAutoFit/>
+          </a:bodyPr>
+          <a:lstStyle/>
+          <a:p>
+            <a:r>
+              <a:rPr lang="en-US" altLang="zh-CN" dirty="0"/>
+              <a:t>Triangle </a:t>
+            </a:r>
+            <a:r>
+              <a:rPr lang="en-US" altLang="zh-CN" dirty="0" err="1"/>
+              <a:t>lable</a:t>
+            </a:r>
+            <a:r>
+              <a:rPr lang="en-US" altLang="zh-CN" dirty="0"/>
+              <a:t> around a hexagon, from left-top, clockwise:</a:t>
+            </a:r>
+          </a:p>
+          <a:p>
+            <a:r>
+              <a:rPr lang="en-US" altLang="zh-CN" dirty="0"/>
+              <a:t>B,E,A,A,F,B</a:t>
+            </a:r>
+            <a:endParaRPr lang="zh-CN" altLang="en-US" dirty="0"/>
+          </a:p>
+        </p:txBody>
+      </p:sp>
+    </p:spTree>
+    <p:extLst>
+      <p:ext uri="{BB962C8B-B14F-4D97-AF65-F5344CB8AC3E}">
+        <p14:creationId xmlns:p14="http://schemas.microsoft.com/office/powerpoint/2010/main" val="256982177"/>
+      </p:ext>
+    </p:extLst>
+  </p:cSld>
+  <p:clrMapOvr>
+    <a:masterClrMapping/>
+  </p:clrMapOvr>
+</p:sld>
+</file>
+
+<file path=ppt/slides/slide5.xml><?xml version="1.0" encoding="utf-8"?>
 <p:sld xmlns:a="http://schemas.openxmlformats.org/drawingml/2006/main" xmlns:r="http://schemas.openxmlformats.org/officeDocument/2006/relationships" xmlns:p="http://schemas.openxmlformats.org/presentationml/2006/main">
   <p:cSld>
     <p:spTree>
@@ -15610,7 +17017,7 @@
 </p:sld>
 </file>
 
-<file path=ppt/slides/slide5.xml><?xml version="1.0" encoding="utf-8"?>
+<file path=ppt/slides/slide6.xml><?xml version="1.0" encoding="utf-8"?>
 <p:sld xmlns:a="http://schemas.openxmlformats.org/drawingml/2006/main" xmlns:r="http://schemas.openxmlformats.org/officeDocument/2006/relationships" xmlns:p="http://schemas.openxmlformats.org/presentationml/2006/main">
   <p:cSld>
     <p:spTree>
@@ -16518,7 +17925,7 @@
 </p:sld>
 </file>
 
-<file path=ppt/slides/slide6.xml><?xml version="1.0" encoding="utf-8"?>
+<file path=ppt/slides/slide7.xml><?xml version="1.0" encoding="utf-8"?>
 <p:sld xmlns:a="http://schemas.openxmlformats.org/drawingml/2006/main" xmlns:r="http://schemas.openxmlformats.org/officeDocument/2006/relationships" xmlns:p="http://schemas.openxmlformats.org/presentationml/2006/main">
   <p:cSld>
     <p:spTree>
@@ -17426,7 +18833,7 @@
 </p:sld>
 </file>
 
-<file path=ppt/slides/slide7.xml><?xml version="1.0" encoding="utf-8"?>
+<file path=ppt/slides/slide8.xml><?xml version="1.0" encoding="utf-8"?>
 <p:sld xmlns:a="http://schemas.openxmlformats.org/drawingml/2006/main" xmlns:r="http://schemas.openxmlformats.org/officeDocument/2006/relationships" xmlns:p="http://schemas.openxmlformats.org/presentationml/2006/main">
   <p:cSld>
     <p:spTree>
@@ -18334,7 +19741,7 @@
 </p:sld>
 </file>
 
-<file path=ppt/slides/slide8.xml><?xml version="1.0" encoding="utf-8"?>
+<file path=ppt/slides/slide9.xml><?xml version="1.0" encoding="utf-8"?>
 <p:sld xmlns:a="http://schemas.openxmlformats.org/drawingml/2006/main" xmlns:r="http://schemas.openxmlformats.org/officeDocument/2006/relationships" xmlns:p="http://schemas.openxmlformats.org/presentationml/2006/main">
   <p:cSld>
     <p:spTree>
@@ -19233,914 +20640,6 @@
     <p:extLst>
       <p:ext uri="{BB962C8B-B14F-4D97-AF65-F5344CB8AC3E}">
         <p14:creationId xmlns:p14="http://schemas.microsoft.com/office/powerpoint/2010/main" val="1511583348"/>
-      </p:ext>
-    </p:extLst>
-  </p:cSld>
-  <p:clrMapOvr>
-    <a:masterClrMapping/>
-  </p:clrMapOvr>
-</p:sld>
-</file>
-
-<file path=ppt/slides/slide9.xml><?xml version="1.0" encoding="utf-8"?>
-<p:sld xmlns:a="http://schemas.openxmlformats.org/drawingml/2006/main" xmlns:r="http://schemas.openxmlformats.org/officeDocument/2006/relationships" xmlns:p="http://schemas.openxmlformats.org/presentationml/2006/main">
-  <p:cSld>
-    <p:spTree>
-      <p:nvGrpSpPr>
-        <p:cNvPr id="1" name=""/>
-        <p:cNvGrpSpPr/>
-        <p:nvPr/>
-      </p:nvGrpSpPr>
-      <p:grpSpPr>
-        <a:xfrm>
-          <a:off x="0" y="0"/>
-          <a:ext cx="0" cy="0"/>
-          <a:chOff x="0" y="0"/>
-          <a:chExt cx="0" cy="0"/>
-        </a:xfrm>
-      </p:grpSpPr>
-      <p:grpSp>
-        <p:nvGrpSpPr>
-          <p:cNvPr id="14" name="组合 13">
-            <a:extLst>
-              <a:ext uri="{FF2B5EF4-FFF2-40B4-BE49-F238E27FC236}">
-                <a16:creationId xmlns:a16="http://schemas.microsoft.com/office/drawing/2014/main" id="{56635533-BCEA-4018-93C9-BE6C222A5B36}"/>
-              </a:ext>
-            </a:extLst>
-          </p:cNvPr>
-          <p:cNvGrpSpPr/>
-          <p:nvPr/>
-        </p:nvGrpSpPr>
-        <p:grpSpPr>
-          <a:xfrm rot="14400000">
-            <a:off x="1990534" y="618335"/>
-            <a:ext cx="1371600" cy="1593319"/>
-            <a:chOff x="3362132" y="861526"/>
-            <a:chExt cx="1371600" cy="1593319"/>
-          </a:xfrm>
-        </p:grpSpPr>
-        <p:grpSp>
-          <p:nvGrpSpPr>
-            <p:cNvPr id="6" name="组合 5">
-              <a:extLst>
-                <a:ext uri="{FF2B5EF4-FFF2-40B4-BE49-F238E27FC236}">
-                  <a16:creationId xmlns:a16="http://schemas.microsoft.com/office/drawing/2014/main" id="{A3058BBC-C8E7-4840-A4CF-76F775C60C21}"/>
-                </a:ext>
-              </a:extLst>
-            </p:cNvPr>
-            <p:cNvGrpSpPr/>
-            <p:nvPr/>
-          </p:nvGrpSpPr>
-          <p:grpSpPr>
-            <a:xfrm>
-              <a:off x="3362132" y="861526"/>
-              <a:ext cx="1371600" cy="1593319"/>
-              <a:chOff x="3362132" y="861526"/>
-              <a:chExt cx="1371600" cy="1593319"/>
-            </a:xfrm>
-          </p:grpSpPr>
-          <p:sp>
-            <p:nvSpPr>
-              <p:cNvPr id="38" name="等腰三角形 37">
-                <a:extLst>
-                  <a:ext uri="{FF2B5EF4-FFF2-40B4-BE49-F238E27FC236}">
-                    <a16:creationId xmlns:a16="http://schemas.microsoft.com/office/drawing/2014/main" id="{A2702E77-184C-4627-9174-036823DCBA13}"/>
-                  </a:ext>
-                </a:extLst>
-              </p:cNvPr>
-              <p:cNvSpPr/>
-              <p:nvPr/>
-            </p:nvSpPr>
-            <p:spPr>
-              <a:xfrm>
-                <a:off x="3362132" y="861526"/>
-                <a:ext cx="1371600" cy="1188000"/>
-              </a:xfrm>
-              <a:prstGeom prst="triangle">
-                <a:avLst/>
-              </a:prstGeom>
-              <a:noFill/>
-              <a:ln>
-                <a:solidFill>
-                  <a:schemeClr val="tx1"/>
-                </a:solidFill>
-              </a:ln>
-            </p:spPr>
-            <p:style>
-              <a:lnRef idx="2">
-                <a:schemeClr val="accent1">
-                  <a:shade val="50000"/>
-                </a:schemeClr>
-              </a:lnRef>
-              <a:fillRef idx="1">
-                <a:schemeClr val="accent1"/>
-              </a:fillRef>
-              <a:effectRef idx="0">
-                <a:schemeClr val="accent1"/>
-              </a:effectRef>
-              <a:fontRef idx="minor">
-                <a:schemeClr val="lt1"/>
-              </a:fontRef>
-            </p:style>
-            <p:txBody>
-              <a:bodyPr rtlCol="0" anchor="ctr"/>
-              <a:lstStyle/>
-              <a:p>
-                <a:pPr algn="ctr"/>
-                <a:endParaRPr lang="zh-CN" altLang="en-US"/>
-              </a:p>
-            </p:txBody>
-          </p:sp>
-          <p:sp>
-            <p:nvSpPr>
-              <p:cNvPr id="39" name="等腰三角形 38">
-                <a:extLst>
-                  <a:ext uri="{FF2B5EF4-FFF2-40B4-BE49-F238E27FC236}">
-                    <a16:creationId xmlns:a16="http://schemas.microsoft.com/office/drawing/2014/main" id="{7D7AEEF6-687B-4D30-95D6-75711754D80E}"/>
-                  </a:ext>
-                </a:extLst>
-              </p:cNvPr>
-              <p:cNvSpPr/>
-              <p:nvPr/>
-            </p:nvSpPr>
-            <p:spPr>
-              <a:xfrm rot="10800000">
-                <a:off x="3362132" y="1266845"/>
-                <a:ext cx="1371600" cy="1188000"/>
-              </a:xfrm>
-              <a:prstGeom prst="triangle">
-                <a:avLst/>
-              </a:prstGeom>
-              <a:noFill/>
-              <a:ln>
-                <a:solidFill>
-                  <a:schemeClr val="tx1"/>
-                </a:solidFill>
-              </a:ln>
-            </p:spPr>
-            <p:style>
-              <a:lnRef idx="2">
-                <a:schemeClr val="accent1">
-                  <a:shade val="50000"/>
-                </a:schemeClr>
-              </a:lnRef>
-              <a:fillRef idx="1">
-                <a:schemeClr val="accent1"/>
-              </a:fillRef>
-              <a:effectRef idx="0">
-                <a:schemeClr val="accent1"/>
-              </a:effectRef>
-              <a:fontRef idx="minor">
-                <a:schemeClr val="lt1"/>
-              </a:fontRef>
-            </p:style>
-            <p:txBody>
-              <a:bodyPr rtlCol="0" anchor="ctr"/>
-              <a:lstStyle/>
-              <a:p>
-                <a:pPr algn="ctr"/>
-                <a:endParaRPr lang="zh-CN" altLang="en-US"/>
-              </a:p>
-            </p:txBody>
-          </p:sp>
-        </p:grpSp>
-        <p:cxnSp>
-          <p:nvCxnSpPr>
-            <p:cNvPr id="9" name="直接连接符 8">
-              <a:extLst>
-                <a:ext uri="{FF2B5EF4-FFF2-40B4-BE49-F238E27FC236}">
-                  <a16:creationId xmlns:a16="http://schemas.microsoft.com/office/drawing/2014/main" id="{1602B481-848C-4088-A200-C35FE7A5106D}"/>
-                </a:ext>
-              </a:extLst>
-            </p:cNvPr>
-            <p:cNvCxnSpPr/>
-            <p:nvPr/>
-          </p:nvCxnSpPr>
-          <p:spPr>
-            <a:xfrm flipV="1">
-              <a:off x="3599234" y="1284051"/>
-              <a:ext cx="680936" cy="379379"/>
-            </a:xfrm>
-            <a:prstGeom prst="line">
-              <a:avLst/>
-            </a:prstGeom>
-            <a:ln w="19050">
-              <a:solidFill>
-                <a:schemeClr val="tx1"/>
-              </a:solidFill>
-              <a:prstDash val="sysDot"/>
-            </a:ln>
-          </p:spPr>
-          <p:style>
-            <a:lnRef idx="1">
-              <a:schemeClr val="accent1"/>
-            </a:lnRef>
-            <a:fillRef idx="0">
-              <a:schemeClr val="accent1"/>
-            </a:fillRef>
-            <a:effectRef idx="0">
-              <a:schemeClr val="accent1"/>
-            </a:effectRef>
-            <a:fontRef idx="minor">
-              <a:schemeClr val="tx1"/>
-            </a:fontRef>
-          </p:style>
-        </p:cxnSp>
-      </p:grpSp>
-      <p:sp>
-        <p:nvSpPr>
-          <p:cNvPr id="16" name="文本框 15">
-            <a:extLst>
-              <a:ext uri="{FF2B5EF4-FFF2-40B4-BE49-F238E27FC236}">
-                <a16:creationId xmlns:a16="http://schemas.microsoft.com/office/drawing/2014/main" id="{A6A70BA5-6E4F-4BD5-9C9A-AEB075C9CC9F}"/>
-              </a:ext>
-            </a:extLst>
-          </p:cNvPr>
-          <p:cNvSpPr txBox="1"/>
-          <p:nvPr/>
-        </p:nvSpPr>
-        <p:spPr>
-          <a:xfrm>
-            <a:off x="418289" y="350196"/>
-            <a:ext cx="1034257" cy="369332"/>
-          </a:xfrm>
-          <a:prstGeom prst="rect">
-            <a:avLst/>
-          </a:prstGeom>
-          <a:noFill/>
-        </p:spPr>
-        <p:txBody>
-          <a:bodyPr wrap="none" rtlCol="0">
-            <a:spAutoFit/>
-          </a:bodyPr>
-          <a:lstStyle/>
-          <a:p>
-            <a:r>
-              <a:rPr lang="en-US" altLang="zh-CN" dirty="0"/>
-              <a:t>J2 term5</a:t>
-            </a:r>
-            <a:endParaRPr lang="zh-CN" altLang="en-US" dirty="0"/>
-          </a:p>
-        </p:txBody>
-      </p:sp>
-      <p:grpSp>
-        <p:nvGrpSpPr>
-          <p:cNvPr id="43" name="组合 42">
-            <a:extLst>
-              <a:ext uri="{FF2B5EF4-FFF2-40B4-BE49-F238E27FC236}">
-                <a16:creationId xmlns:a16="http://schemas.microsoft.com/office/drawing/2014/main" id="{4806383A-F045-425B-81CB-74B593F43C6C}"/>
-              </a:ext>
-            </a:extLst>
-          </p:cNvPr>
-          <p:cNvGrpSpPr/>
-          <p:nvPr/>
-        </p:nvGrpSpPr>
-        <p:grpSpPr>
-          <a:xfrm rot="14400000">
-            <a:off x="7277878" y="1089085"/>
-            <a:ext cx="3182626" cy="2641976"/>
-            <a:chOff x="6295383" y="1974302"/>
-            <a:chExt cx="3182626" cy="2641976"/>
-          </a:xfrm>
-        </p:grpSpPr>
-        <p:grpSp>
-          <p:nvGrpSpPr>
-            <p:cNvPr id="30" name="组合 29">
-              <a:extLst>
-                <a:ext uri="{FF2B5EF4-FFF2-40B4-BE49-F238E27FC236}">
-                  <a16:creationId xmlns:a16="http://schemas.microsoft.com/office/drawing/2014/main" id="{CD8CA9EE-DFBE-4031-ADB0-A81D711F6514}"/>
-                </a:ext>
-              </a:extLst>
-            </p:cNvPr>
-            <p:cNvGrpSpPr/>
-            <p:nvPr/>
-          </p:nvGrpSpPr>
-          <p:grpSpPr>
-            <a:xfrm rot="10800000">
-              <a:off x="6457533" y="3104248"/>
-              <a:ext cx="673876" cy="649504"/>
-              <a:chOff x="7169285" y="770735"/>
-              <a:chExt cx="673876" cy="649504"/>
-            </a:xfrm>
-          </p:grpSpPr>
-          <p:cxnSp>
-            <p:nvCxnSpPr>
-              <p:cNvPr id="50" name="直接连接符 49">
-                <a:extLst>
-                  <a:ext uri="{FF2B5EF4-FFF2-40B4-BE49-F238E27FC236}">
-                    <a16:creationId xmlns:a16="http://schemas.microsoft.com/office/drawing/2014/main" id="{D9C856B4-CC4E-4CE3-AB98-E247574844B2}"/>
-                  </a:ext>
-                </a:extLst>
-              </p:cNvPr>
-              <p:cNvCxnSpPr>
-                <a:cxnSpLocks/>
-              </p:cNvCxnSpPr>
-              <p:nvPr/>
-            </p:nvCxnSpPr>
-            <p:spPr>
-              <a:xfrm flipV="1">
-                <a:off x="7169285" y="1212335"/>
-                <a:ext cx="336938" cy="207904"/>
-              </a:xfrm>
-              <a:prstGeom prst="line">
-                <a:avLst/>
-              </a:prstGeom>
-              <a:ln w="19050">
-                <a:solidFill>
-                  <a:schemeClr val="tx1"/>
-                </a:solidFill>
-                <a:prstDash val="solid"/>
-              </a:ln>
-            </p:spPr>
-            <p:style>
-              <a:lnRef idx="1">
-                <a:schemeClr val="accent1"/>
-              </a:lnRef>
-              <a:fillRef idx="0">
-                <a:schemeClr val="accent1"/>
-              </a:fillRef>
-              <a:effectRef idx="0">
-                <a:schemeClr val="accent1"/>
-              </a:effectRef>
-              <a:fontRef idx="minor">
-                <a:schemeClr val="tx1"/>
-              </a:fontRef>
-            </p:style>
-          </p:cxnSp>
-          <p:cxnSp>
-            <p:nvCxnSpPr>
-              <p:cNvPr id="54" name="直接连接符 53">
-                <a:extLst>
-                  <a:ext uri="{FF2B5EF4-FFF2-40B4-BE49-F238E27FC236}">
-                    <a16:creationId xmlns:a16="http://schemas.microsoft.com/office/drawing/2014/main" id="{C77A99BB-391F-4E7E-B466-5418177702A6}"/>
-                  </a:ext>
-                </a:extLst>
-              </p:cNvPr>
-              <p:cNvCxnSpPr>
-                <a:cxnSpLocks/>
-              </p:cNvCxnSpPr>
-              <p:nvPr/>
-            </p:nvCxnSpPr>
-            <p:spPr>
-              <a:xfrm>
-                <a:off x="7515973" y="1212335"/>
-                <a:ext cx="327188" cy="207904"/>
-              </a:xfrm>
-              <a:prstGeom prst="line">
-                <a:avLst/>
-              </a:prstGeom>
-              <a:ln w="19050">
-                <a:solidFill>
-                  <a:schemeClr val="tx1"/>
-                </a:solidFill>
-                <a:prstDash val="solid"/>
-              </a:ln>
-            </p:spPr>
-            <p:style>
-              <a:lnRef idx="1">
-                <a:schemeClr val="accent1"/>
-              </a:lnRef>
-              <a:fillRef idx="0">
-                <a:schemeClr val="accent1"/>
-              </a:fillRef>
-              <a:effectRef idx="0">
-                <a:schemeClr val="accent1"/>
-              </a:effectRef>
-              <a:fontRef idx="minor">
-                <a:schemeClr val="tx1"/>
-              </a:fontRef>
-            </p:style>
-          </p:cxnSp>
-          <p:cxnSp>
-            <p:nvCxnSpPr>
-              <p:cNvPr id="57" name="直接连接符 56">
-                <a:extLst>
-                  <a:ext uri="{FF2B5EF4-FFF2-40B4-BE49-F238E27FC236}">
-                    <a16:creationId xmlns:a16="http://schemas.microsoft.com/office/drawing/2014/main" id="{7AB34F4B-B3E2-4FF9-8479-383DD3EEAF7B}"/>
-                  </a:ext>
-                </a:extLst>
-              </p:cNvPr>
-              <p:cNvCxnSpPr>
-                <a:cxnSpLocks/>
-              </p:cNvCxnSpPr>
-              <p:nvPr/>
-            </p:nvCxnSpPr>
-            <p:spPr>
-              <a:xfrm flipV="1">
-                <a:off x="7506223" y="770735"/>
-                <a:ext cx="0" cy="441600"/>
-              </a:xfrm>
-              <a:prstGeom prst="line">
-                <a:avLst/>
-              </a:prstGeom>
-              <a:ln w="19050">
-                <a:solidFill>
-                  <a:schemeClr val="tx1"/>
-                </a:solidFill>
-                <a:prstDash val="solid"/>
-              </a:ln>
-            </p:spPr>
-            <p:style>
-              <a:lnRef idx="1">
-                <a:schemeClr val="accent1"/>
-              </a:lnRef>
-              <a:fillRef idx="0">
-                <a:schemeClr val="accent1"/>
-              </a:fillRef>
-              <a:effectRef idx="0">
-                <a:schemeClr val="accent1"/>
-              </a:effectRef>
-              <a:fontRef idx="minor">
-                <a:schemeClr val="tx1"/>
-              </a:fontRef>
-            </p:style>
-          </p:cxnSp>
-        </p:grpSp>
-        <p:grpSp>
-          <p:nvGrpSpPr>
-            <p:cNvPr id="42" name="组合 41">
-              <a:extLst>
-                <a:ext uri="{FF2B5EF4-FFF2-40B4-BE49-F238E27FC236}">
-                  <a16:creationId xmlns:a16="http://schemas.microsoft.com/office/drawing/2014/main" id="{D88EF11F-F8B7-4A39-9327-AB3A43B419F5}"/>
-                </a:ext>
-              </a:extLst>
-            </p:cNvPr>
-            <p:cNvGrpSpPr/>
-            <p:nvPr/>
-          </p:nvGrpSpPr>
-          <p:grpSpPr>
-            <a:xfrm rot="3600000">
-              <a:off x="7200119" y="2296495"/>
-              <a:ext cx="489338" cy="654622"/>
-              <a:chOff x="7169285" y="3200400"/>
-              <a:chExt cx="489338" cy="654622"/>
-            </a:xfrm>
-          </p:grpSpPr>
-          <p:cxnSp>
-            <p:nvCxnSpPr>
-              <p:cNvPr id="84" name="直接连接符 83">
-                <a:extLst>
-                  <a:ext uri="{FF2B5EF4-FFF2-40B4-BE49-F238E27FC236}">
-                    <a16:creationId xmlns:a16="http://schemas.microsoft.com/office/drawing/2014/main" id="{107A118D-6C7F-412E-8948-176A41B71765}"/>
-                  </a:ext>
-                </a:extLst>
-              </p:cNvPr>
-              <p:cNvCxnSpPr>
-                <a:cxnSpLocks/>
-              </p:cNvCxnSpPr>
-              <p:nvPr/>
-            </p:nvCxnSpPr>
-            <p:spPr>
-              <a:xfrm flipV="1">
-                <a:off x="7658623" y="3200400"/>
-                <a:ext cx="0" cy="654622"/>
-              </a:xfrm>
-              <a:prstGeom prst="line">
-                <a:avLst/>
-              </a:prstGeom>
-              <a:ln w="19050">
-                <a:solidFill>
-                  <a:schemeClr val="tx1"/>
-                </a:solidFill>
-                <a:prstDash val="solid"/>
-              </a:ln>
-            </p:spPr>
-            <p:style>
-              <a:lnRef idx="1">
-                <a:schemeClr val="accent1"/>
-              </a:lnRef>
-              <a:fillRef idx="0">
-                <a:schemeClr val="accent1"/>
-              </a:fillRef>
-              <a:effectRef idx="0">
-                <a:schemeClr val="accent1"/>
-              </a:effectRef>
-              <a:fontRef idx="minor">
-                <a:schemeClr val="tx1"/>
-              </a:fontRef>
-            </p:style>
-          </p:cxnSp>
-          <p:cxnSp>
-            <p:nvCxnSpPr>
-              <p:cNvPr id="85" name="直接连接符 84">
-                <a:extLst>
-                  <a:ext uri="{FF2B5EF4-FFF2-40B4-BE49-F238E27FC236}">
-                    <a16:creationId xmlns:a16="http://schemas.microsoft.com/office/drawing/2014/main" id="{22DD0643-05A4-4FB2-9B89-B889E1C428F7}"/>
-                  </a:ext>
-                </a:extLst>
-              </p:cNvPr>
-              <p:cNvCxnSpPr>
-                <a:cxnSpLocks/>
-              </p:cNvCxnSpPr>
-              <p:nvPr/>
-            </p:nvCxnSpPr>
-            <p:spPr>
-              <a:xfrm>
-                <a:off x="7169285" y="3527711"/>
-                <a:ext cx="489338" cy="0"/>
-              </a:xfrm>
-              <a:prstGeom prst="line">
-                <a:avLst/>
-              </a:prstGeom>
-              <a:ln w="19050">
-                <a:solidFill>
-                  <a:schemeClr val="tx1"/>
-                </a:solidFill>
-                <a:prstDash val="dash"/>
-              </a:ln>
-            </p:spPr>
-            <p:style>
-              <a:lnRef idx="1">
-                <a:schemeClr val="accent1"/>
-              </a:lnRef>
-              <a:fillRef idx="0">
-                <a:schemeClr val="accent1"/>
-              </a:fillRef>
-              <a:effectRef idx="0">
-                <a:schemeClr val="accent1"/>
-              </a:effectRef>
-              <a:fontRef idx="minor">
-                <a:schemeClr val="tx1"/>
-              </a:fontRef>
-            </p:style>
-          </p:cxnSp>
-        </p:grpSp>
-        <p:grpSp>
-          <p:nvGrpSpPr>
-            <p:cNvPr id="86" name="组合 85">
-              <a:extLst>
-                <a:ext uri="{FF2B5EF4-FFF2-40B4-BE49-F238E27FC236}">
-                  <a16:creationId xmlns:a16="http://schemas.microsoft.com/office/drawing/2014/main" id="{17B211DC-A17A-497E-AD49-EBEE19526028}"/>
-                </a:ext>
-              </a:extLst>
-            </p:cNvPr>
-            <p:cNvGrpSpPr/>
-            <p:nvPr/>
-          </p:nvGrpSpPr>
-          <p:grpSpPr>
-            <a:xfrm>
-              <a:off x="7921752" y="1974302"/>
-              <a:ext cx="673876" cy="649504"/>
-              <a:chOff x="7169285" y="770735"/>
-              <a:chExt cx="673876" cy="649504"/>
-            </a:xfrm>
-          </p:grpSpPr>
-          <p:cxnSp>
-            <p:nvCxnSpPr>
-              <p:cNvPr id="87" name="直接连接符 86">
-                <a:extLst>
-                  <a:ext uri="{FF2B5EF4-FFF2-40B4-BE49-F238E27FC236}">
-                    <a16:creationId xmlns:a16="http://schemas.microsoft.com/office/drawing/2014/main" id="{E3E0FCC2-8FFB-4588-9A41-18ACF393E77C}"/>
-                  </a:ext>
-                </a:extLst>
-              </p:cNvPr>
-              <p:cNvCxnSpPr>
-                <a:cxnSpLocks/>
-              </p:cNvCxnSpPr>
-              <p:nvPr/>
-            </p:nvCxnSpPr>
-            <p:spPr>
-              <a:xfrm flipV="1">
-                <a:off x="7169285" y="1212335"/>
-                <a:ext cx="336938" cy="207904"/>
-              </a:xfrm>
-              <a:prstGeom prst="line">
-                <a:avLst/>
-              </a:prstGeom>
-              <a:ln w="19050">
-                <a:solidFill>
-                  <a:schemeClr val="tx1"/>
-                </a:solidFill>
-                <a:prstDash val="solid"/>
-              </a:ln>
-            </p:spPr>
-            <p:style>
-              <a:lnRef idx="1">
-                <a:schemeClr val="accent1"/>
-              </a:lnRef>
-              <a:fillRef idx="0">
-                <a:schemeClr val="accent1"/>
-              </a:fillRef>
-              <a:effectRef idx="0">
-                <a:schemeClr val="accent1"/>
-              </a:effectRef>
-              <a:fontRef idx="minor">
-                <a:schemeClr val="tx1"/>
-              </a:fontRef>
-            </p:style>
-          </p:cxnSp>
-          <p:cxnSp>
-            <p:nvCxnSpPr>
-              <p:cNvPr id="88" name="直接连接符 87">
-                <a:extLst>
-                  <a:ext uri="{FF2B5EF4-FFF2-40B4-BE49-F238E27FC236}">
-                    <a16:creationId xmlns:a16="http://schemas.microsoft.com/office/drawing/2014/main" id="{44E65966-42CD-4657-9CB0-5B104E91CAC2}"/>
-                  </a:ext>
-                </a:extLst>
-              </p:cNvPr>
-              <p:cNvCxnSpPr>
-                <a:cxnSpLocks/>
-              </p:cNvCxnSpPr>
-              <p:nvPr/>
-            </p:nvCxnSpPr>
-            <p:spPr>
-              <a:xfrm>
-                <a:off x="7515973" y="1212335"/>
-                <a:ext cx="327188" cy="207904"/>
-              </a:xfrm>
-              <a:prstGeom prst="line">
-                <a:avLst/>
-              </a:prstGeom>
-              <a:ln w="19050">
-                <a:solidFill>
-                  <a:schemeClr val="tx1"/>
-                </a:solidFill>
-                <a:prstDash val="solid"/>
-              </a:ln>
-            </p:spPr>
-            <p:style>
-              <a:lnRef idx="1">
-                <a:schemeClr val="accent1"/>
-              </a:lnRef>
-              <a:fillRef idx="0">
-                <a:schemeClr val="accent1"/>
-              </a:fillRef>
-              <a:effectRef idx="0">
-                <a:schemeClr val="accent1"/>
-              </a:effectRef>
-              <a:fontRef idx="minor">
-                <a:schemeClr val="tx1"/>
-              </a:fontRef>
-            </p:style>
-          </p:cxnSp>
-          <p:cxnSp>
-            <p:nvCxnSpPr>
-              <p:cNvPr id="89" name="直接连接符 88">
-                <a:extLst>
-                  <a:ext uri="{FF2B5EF4-FFF2-40B4-BE49-F238E27FC236}">
-                    <a16:creationId xmlns:a16="http://schemas.microsoft.com/office/drawing/2014/main" id="{21E9D6B9-EC44-467D-8AF8-458BE6F0A697}"/>
-                  </a:ext>
-                </a:extLst>
-              </p:cNvPr>
-              <p:cNvCxnSpPr>
-                <a:cxnSpLocks/>
-              </p:cNvCxnSpPr>
-              <p:nvPr/>
-            </p:nvCxnSpPr>
-            <p:spPr>
-              <a:xfrm flipV="1">
-                <a:off x="7506223" y="770735"/>
-                <a:ext cx="0" cy="441600"/>
-              </a:xfrm>
-              <a:prstGeom prst="line">
-                <a:avLst/>
-              </a:prstGeom>
-              <a:ln w="19050">
-                <a:solidFill>
-                  <a:schemeClr val="tx1"/>
-                </a:solidFill>
-                <a:prstDash val="solid"/>
-              </a:ln>
-            </p:spPr>
-            <p:style>
-              <a:lnRef idx="1">
-                <a:schemeClr val="accent1"/>
-              </a:lnRef>
-              <a:fillRef idx="0">
-                <a:schemeClr val="accent1"/>
-              </a:fillRef>
-              <a:effectRef idx="0">
-                <a:schemeClr val="accent1"/>
-              </a:effectRef>
-              <a:fontRef idx="minor">
-                <a:schemeClr val="tx1"/>
-              </a:fontRef>
-            </p:style>
-          </p:cxnSp>
-        </p:grpSp>
-        <p:grpSp>
-          <p:nvGrpSpPr>
-            <p:cNvPr id="90" name="组合 89">
-              <a:extLst>
-                <a:ext uri="{FF2B5EF4-FFF2-40B4-BE49-F238E27FC236}">
-                  <a16:creationId xmlns:a16="http://schemas.microsoft.com/office/drawing/2014/main" id="{1C49884E-B866-4B22-BEE7-1583BA45563A}"/>
-                </a:ext>
-              </a:extLst>
-            </p:cNvPr>
-            <p:cNvGrpSpPr/>
-            <p:nvPr/>
-          </p:nvGrpSpPr>
-          <p:grpSpPr>
-            <a:xfrm>
-              <a:off x="6295383" y="3961656"/>
-              <a:ext cx="489338" cy="654622"/>
-              <a:chOff x="7169285" y="3200400"/>
-              <a:chExt cx="489338" cy="654622"/>
-            </a:xfrm>
-          </p:grpSpPr>
-          <p:cxnSp>
-            <p:nvCxnSpPr>
-              <p:cNvPr id="91" name="直接连接符 90">
-                <a:extLst>
-                  <a:ext uri="{FF2B5EF4-FFF2-40B4-BE49-F238E27FC236}">
-                    <a16:creationId xmlns:a16="http://schemas.microsoft.com/office/drawing/2014/main" id="{2606EB03-2F80-4819-B94D-A94ED57DA2FB}"/>
-                  </a:ext>
-                </a:extLst>
-              </p:cNvPr>
-              <p:cNvCxnSpPr>
-                <a:cxnSpLocks/>
-              </p:cNvCxnSpPr>
-              <p:nvPr/>
-            </p:nvCxnSpPr>
-            <p:spPr>
-              <a:xfrm flipV="1">
-                <a:off x="7658623" y="3200400"/>
-                <a:ext cx="0" cy="654622"/>
-              </a:xfrm>
-              <a:prstGeom prst="line">
-                <a:avLst/>
-              </a:prstGeom>
-              <a:ln w="19050">
-                <a:solidFill>
-                  <a:schemeClr val="tx1"/>
-                </a:solidFill>
-                <a:prstDash val="solid"/>
-              </a:ln>
-            </p:spPr>
-            <p:style>
-              <a:lnRef idx="1">
-                <a:schemeClr val="accent1"/>
-              </a:lnRef>
-              <a:fillRef idx="0">
-                <a:schemeClr val="accent1"/>
-              </a:fillRef>
-              <a:effectRef idx="0">
-                <a:schemeClr val="accent1"/>
-              </a:effectRef>
-              <a:fontRef idx="minor">
-                <a:schemeClr val="tx1"/>
-              </a:fontRef>
-            </p:style>
-          </p:cxnSp>
-          <p:cxnSp>
-            <p:nvCxnSpPr>
-              <p:cNvPr id="92" name="直接连接符 91">
-                <a:extLst>
-                  <a:ext uri="{FF2B5EF4-FFF2-40B4-BE49-F238E27FC236}">
-                    <a16:creationId xmlns:a16="http://schemas.microsoft.com/office/drawing/2014/main" id="{19D52BD5-B058-4135-A831-258A84F2F4F0}"/>
-                  </a:ext>
-                </a:extLst>
-              </p:cNvPr>
-              <p:cNvCxnSpPr>
-                <a:cxnSpLocks/>
-              </p:cNvCxnSpPr>
-              <p:nvPr/>
-            </p:nvCxnSpPr>
-            <p:spPr>
-              <a:xfrm>
-                <a:off x="7169285" y="3527711"/>
-                <a:ext cx="489338" cy="0"/>
-              </a:xfrm>
-              <a:prstGeom prst="line">
-                <a:avLst/>
-              </a:prstGeom>
-              <a:ln w="19050">
-                <a:solidFill>
-                  <a:schemeClr val="tx1"/>
-                </a:solidFill>
-                <a:prstDash val="dash"/>
-              </a:ln>
-            </p:spPr>
-            <p:style>
-              <a:lnRef idx="1">
-                <a:schemeClr val="accent1"/>
-              </a:lnRef>
-              <a:fillRef idx="0">
-                <a:schemeClr val="accent1"/>
-              </a:fillRef>
-              <a:effectRef idx="0">
-                <a:schemeClr val="accent1"/>
-              </a:effectRef>
-              <a:fontRef idx="minor">
-                <a:schemeClr val="tx1"/>
-              </a:fontRef>
-            </p:style>
-          </p:cxnSp>
-        </p:grpSp>
-        <p:grpSp>
-          <p:nvGrpSpPr>
-            <p:cNvPr id="93" name="组合 92">
-              <a:extLst>
-                <a:ext uri="{FF2B5EF4-FFF2-40B4-BE49-F238E27FC236}">
-                  <a16:creationId xmlns:a16="http://schemas.microsoft.com/office/drawing/2014/main" id="{6868A47C-6C3F-43F6-8F16-D17BB211C6D2}"/>
-                </a:ext>
-              </a:extLst>
-            </p:cNvPr>
-            <p:cNvGrpSpPr/>
-            <p:nvPr/>
-          </p:nvGrpSpPr>
-          <p:grpSpPr>
-            <a:xfrm rot="7200000">
-              <a:off x="8906029" y="2296495"/>
-              <a:ext cx="489338" cy="654622"/>
-              <a:chOff x="7169285" y="3200400"/>
-              <a:chExt cx="489338" cy="654622"/>
-            </a:xfrm>
-          </p:grpSpPr>
-          <p:cxnSp>
-            <p:nvCxnSpPr>
-              <p:cNvPr id="94" name="直接连接符 93">
-                <a:extLst>
-                  <a:ext uri="{FF2B5EF4-FFF2-40B4-BE49-F238E27FC236}">
-                    <a16:creationId xmlns:a16="http://schemas.microsoft.com/office/drawing/2014/main" id="{B4BFA05B-0C38-47D2-8BB9-3B7748ACB67D}"/>
-                  </a:ext>
-                </a:extLst>
-              </p:cNvPr>
-              <p:cNvCxnSpPr>
-                <a:cxnSpLocks/>
-              </p:cNvCxnSpPr>
-              <p:nvPr/>
-            </p:nvCxnSpPr>
-            <p:spPr>
-              <a:xfrm flipV="1">
-                <a:off x="7658623" y="3200400"/>
-                <a:ext cx="0" cy="654622"/>
-              </a:xfrm>
-              <a:prstGeom prst="line">
-                <a:avLst/>
-              </a:prstGeom>
-              <a:ln w="19050">
-                <a:solidFill>
-                  <a:schemeClr val="tx1"/>
-                </a:solidFill>
-                <a:prstDash val="solid"/>
-              </a:ln>
-            </p:spPr>
-            <p:style>
-              <a:lnRef idx="1">
-                <a:schemeClr val="accent1"/>
-              </a:lnRef>
-              <a:fillRef idx="0">
-                <a:schemeClr val="accent1"/>
-              </a:fillRef>
-              <a:effectRef idx="0">
-                <a:schemeClr val="accent1"/>
-              </a:effectRef>
-              <a:fontRef idx="minor">
-                <a:schemeClr val="tx1"/>
-              </a:fontRef>
-            </p:style>
-          </p:cxnSp>
-          <p:cxnSp>
-            <p:nvCxnSpPr>
-              <p:cNvPr id="95" name="直接连接符 94">
-                <a:extLst>
-                  <a:ext uri="{FF2B5EF4-FFF2-40B4-BE49-F238E27FC236}">
-                    <a16:creationId xmlns:a16="http://schemas.microsoft.com/office/drawing/2014/main" id="{11C68976-568E-4BEB-B393-62B3F72EEFB4}"/>
-                  </a:ext>
-                </a:extLst>
-              </p:cNvPr>
-              <p:cNvCxnSpPr>
-                <a:cxnSpLocks/>
-              </p:cNvCxnSpPr>
-              <p:nvPr/>
-            </p:nvCxnSpPr>
-            <p:spPr>
-              <a:xfrm>
-                <a:off x="7169285" y="3527711"/>
-                <a:ext cx="489338" cy="0"/>
-              </a:xfrm>
-              <a:prstGeom prst="line">
-                <a:avLst/>
-              </a:prstGeom>
-              <a:ln w="19050">
-                <a:solidFill>
-                  <a:schemeClr val="tx1"/>
-                </a:solidFill>
-                <a:prstDash val="dash"/>
-              </a:ln>
-            </p:spPr>
-            <p:style>
-              <a:lnRef idx="1">
-                <a:schemeClr val="accent1"/>
-              </a:lnRef>
-              <a:fillRef idx="0">
-                <a:schemeClr val="accent1"/>
-              </a:fillRef>
-              <a:effectRef idx="0">
-                <a:schemeClr val="accent1"/>
-              </a:effectRef>
-              <a:fontRef idx="minor">
-                <a:schemeClr val="tx1"/>
-              </a:fontRef>
-            </p:style>
-          </p:cxnSp>
-        </p:grpSp>
-      </p:grpSp>
-    </p:spTree>
-    <p:extLst>
-      <p:ext uri="{BB962C8B-B14F-4D97-AF65-F5344CB8AC3E}">
-        <p14:creationId xmlns:p14="http://schemas.microsoft.com/office/powerpoint/2010/main" val="2610331328"/>
       </p:ext>
     </p:extLst>
   </p:cSld>

--- a/kagome/simple_update/Unitcell.pptx
+++ b/kagome/simple_update/Unitcell.pptx
@@ -211,7 +211,7 @@
           <a:p>
             <a:fld id="{1E253AF0-02E2-4DC3-B912-16C36888A7D6}" type="datetimeFigureOut">
               <a:rPr lang="zh-CN" altLang="en-US" smtClean="0"/>
-              <a:t>2022/11/23</a:t>
+              <a:t>2022/12/7</a:t>
             </a:fld>
             <a:endParaRPr lang="zh-CN" altLang="en-US"/>
           </a:p>
@@ -625,7 +625,7 @@
           <a:p>
             <a:fld id="{DA5C2C42-A0FF-4410-A8EC-9651A95059F4}" type="datetimeFigureOut">
               <a:rPr lang="zh-CN" altLang="en-US" smtClean="0"/>
-              <a:t>2022/11/23</a:t>
+              <a:t>2022/12/7</a:t>
             </a:fld>
             <a:endParaRPr lang="zh-CN" altLang="en-US"/>
           </a:p>
@@ -823,7 +823,7 @@
           <a:p>
             <a:fld id="{DA5C2C42-A0FF-4410-A8EC-9651A95059F4}" type="datetimeFigureOut">
               <a:rPr lang="zh-CN" altLang="en-US" smtClean="0"/>
-              <a:t>2022/11/23</a:t>
+              <a:t>2022/12/7</a:t>
             </a:fld>
             <a:endParaRPr lang="zh-CN" altLang="en-US"/>
           </a:p>
@@ -1031,7 +1031,7 @@
           <a:p>
             <a:fld id="{DA5C2C42-A0FF-4410-A8EC-9651A95059F4}" type="datetimeFigureOut">
               <a:rPr lang="zh-CN" altLang="en-US" smtClean="0"/>
-              <a:t>2022/11/23</a:t>
+              <a:t>2022/12/7</a:t>
             </a:fld>
             <a:endParaRPr lang="zh-CN" altLang="en-US"/>
           </a:p>
@@ -1229,7 +1229,7 @@
           <a:p>
             <a:fld id="{DA5C2C42-A0FF-4410-A8EC-9651A95059F4}" type="datetimeFigureOut">
               <a:rPr lang="zh-CN" altLang="en-US" smtClean="0"/>
-              <a:t>2022/11/23</a:t>
+              <a:t>2022/12/7</a:t>
             </a:fld>
             <a:endParaRPr lang="zh-CN" altLang="en-US"/>
           </a:p>
@@ -1504,7 +1504,7 @@
           <a:p>
             <a:fld id="{DA5C2C42-A0FF-4410-A8EC-9651A95059F4}" type="datetimeFigureOut">
               <a:rPr lang="zh-CN" altLang="en-US" smtClean="0"/>
-              <a:t>2022/11/23</a:t>
+              <a:t>2022/12/7</a:t>
             </a:fld>
             <a:endParaRPr lang="zh-CN" altLang="en-US"/>
           </a:p>
@@ -1769,7 +1769,7 @@
           <a:p>
             <a:fld id="{DA5C2C42-A0FF-4410-A8EC-9651A95059F4}" type="datetimeFigureOut">
               <a:rPr lang="zh-CN" altLang="en-US" smtClean="0"/>
-              <a:t>2022/11/23</a:t>
+              <a:t>2022/12/7</a:t>
             </a:fld>
             <a:endParaRPr lang="zh-CN" altLang="en-US"/>
           </a:p>
@@ -2181,7 +2181,7 @@
           <a:p>
             <a:fld id="{DA5C2C42-A0FF-4410-A8EC-9651A95059F4}" type="datetimeFigureOut">
               <a:rPr lang="zh-CN" altLang="en-US" smtClean="0"/>
-              <a:t>2022/11/23</a:t>
+              <a:t>2022/12/7</a:t>
             </a:fld>
             <a:endParaRPr lang="zh-CN" altLang="en-US"/>
           </a:p>
@@ -2322,7 +2322,7 @@
           <a:p>
             <a:fld id="{DA5C2C42-A0FF-4410-A8EC-9651A95059F4}" type="datetimeFigureOut">
               <a:rPr lang="zh-CN" altLang="en-US" smtClean="0"/>
-              <a:t>2022/11/23</a:t>
+              <a:t>2022/12/7</a:t>
             </a:fld>
             <a:endParaRPr lang="zh-CN" altLang="en-US"/>
           </a:p>
@@ -2435,7 +2435,7 @@
           <a:p>
             <a:fld id="{DA5C2C42-A0FF-4410-A8EC-9651A95059F4}" type="datetimeFigureOut">
               <a:rPr lang="zh-CN" altLang="en-US" smtClean="0"/>
-              <a:t>2022/11/23</a:t>
+              <a:t>2022/12/7</a:t>
             </a:fld>
             <a:endParaRPr lang="zh-CN" altLang="en-US"/>
           </a:p>
@@ -2746,7 +2746,7 @@
           <a:p>
             <a:fld id="{DA5C2C42-A0FF-4410-A8EC-9651A95059F4}" type="datetimeFigureOut">
               <a:rPr lang="zh-CN" altLang="en-US" smtClean="0"/>
-              <a:t>2022/11/23</a:t>
+              <a:t>2022/12/7</a:t>
             </a:fld>
             <a:endParaRPr lang="zh-CN" altLang="en-US"/>
           </a:p>
@@ -3034,7 +3034,7 @@
           <a:p>
             <a:fld id="{DA5C2C42-A0FF-4410-A8EC-9651A95059F4}" type="datetimeFigureOut">
               <a:rPr lang="zh-CN" altLang="en-US" smtClean="0"/>
-              <a:t>2022/11/23</a:t>
+              <a:t>2022/12/7</a:t>
             </a:fld>
             <a:endParaRPr lang="zh-CN" altLang="en-US"/>
           </a:p>
@@ -3275,7 +3275,7 @@
           <a:p>
             <a:fld id="{DA5C2C42-A0FF-4410-A8EC-9651A95059F4}" type="datetimeFigureOut">
               <a:rPr lang="zh-CN" altLang="en-US" smtClean="0"/>
-              <a:t>2022/11/23</a:t>
+              <a:t>2022/12/7</a:t>
             </a:fld>
             <a:endParaRPr lang="zh-CN" altLang="en-US"/>
           </a:p>
@@ -17912,6 +17912,490 @@
           </p:cxnSp>
         </p:grpSp>
       </p:grpSp>
+      <p:sp>
+        <p:nvSpPr>
+          <p:cNvPr id="26" name="文本框 25">
+            <a:extLst>
+              <a:ext uri="{FF2B5EF4-FFF2-40B4-BE49-F238E27FC236}">
+                <a16:creationId xmlns:a16="http://schemas.microsoft.com/office/drawing/2014/main" id="{75511FD6-A991-4CF3-B001-00AF280FB1C4}"/>
+              </a:ext>
+            </a:extLst>
+          </p:cNvPr>
+          <p:cNvSpPr txBox="1"/>
+          <p:nvPr/>
+        </p:nvSpPr>
+        <p:spPr>
+          <a:xfrm>
+            <a:off x="6946450" y="3710050"/>
+            <a:ext cx="1661032" cy="369332"/>
+          </a:xfrm>
+          <a:prstGeom prst="rect">
+            <a:avLst/>
+          </a:prstGeom>
+          <a:noFill/>
+        </p:spPr>
+        <p:txBody>
+          <a:bodyPr wrap="none" rtlCol="0">
+            <a:spAutoFit/>
+          </a:bodyPr>
+          <a:lstStyle/>
+          <a:p>
+            <a:r>
+              <a:rPr lang="en-US" altLang="zh-CN" dirty="0"/>
+              <a:t>Lambda_c_up1</a:t>
+            </a:r>
+            <a:endParaRPr lang="zh-CN" altLang="en-US" dirty="0"/>
+          </a:p>
+        </p:txBody>
+      </p:sp>
+      <p:sp>
+        <p:nvSpPr>
+          <p:cNvPr id="27" name="文本框 26">
+            <a:extLst>
+              <a:ext uri="{FF2B5EF4-FFF2-40B4-BE49-F238E27FC236}">
+                <a16:creationId xmlns:a16="http://schemas.microsoft.com/office/drawing/2014/main" id="{879F5993-9B50-4E1B-8F6B-6F56350BC1DC}"/>
+              </a:ext>
+            </a:extLst>
+          </p:cNvPr>
+          <p:cNvSpPr txBox="1"/>
+          <p:nvPr/>
+        </p:nvSpPr>
+        <p:spPr>
+          <a:xfrm rot="18685747">
+            <a:off x="6392344" y="1978327"/>
+            <a:ext cx="1672253" cy="369332"/>
+          </a:xfrm>
+          <a:prstGeom prst="rect">
+            <a:avLst/>
+          </a:prstGeom>
+          <a:noFill/>
+        </p:spPr>
+        <p:txBody>
+          <a:bodyPr wrap="none" rtlCol="0">
+            <a:spAutoFit/>
+          </a:bodyPr>
+          <a:lstStyle/>
+          <a:p>
+            <a:r>
+              <a:rPr lang="en-US" altLang="zh-CN" dirty="0">
+                <a:solidFill>
+                  <a:schemeClr val="accent3"/>
+                </a:solidFill>
+              </a:rPr>
+              <a:t>Lambda_a_dn2</a:t>
+            </a:r>
+            <a:endParaRPr lang="zh-CN" altLang="en-US" dirty="0">
+              <a:solidFill>
+                <a:schemeClr val="accent3"/>
+              </a:solidFill>
+            </a:endParaRPr>
+          </a:p>
+        </p:txBody>
+      </p:sp>
+      <p:sp>
+        <p:nvSpPr>
+          <p:cNvPr id="28" name="文本框 27">
+            <a:extLst>
+              <a:ext uri="{FF2B5EF4-FFF2-40B4-BE49-F238E27FC236}">
+                <a16:creationId xmlns:a16="http://schemas.microsoft.com/office/drawing/2014/main" id="{C632E428-EC45-448A-9B7F-03E054CDFE0E}"/>
+              </a:ext>
+            </a:extLst>
+          </p:cNvPr>
+          <p:cNvSpPr txBox="1"/>
+          <p:nvPr/>
+        </p:nvSpPr>
+        <p:spPr>
+          <a:xfrm>
+            <a:off x="8489138" y="719753"/>
+            <a:ext cx="1712328" cy="369332"/>
+          </a:xfrm>
+          <a:prstGeom prst="rect">
+            <a:avLst/>
+          </a:prstGeom>
+          <a:noFill/>
+        </p:spPr>
+        <p:txBody>
+          <a:bodyPr wrap="none" rtlCol="0">
+            <a:spAutoFit/>
+          </a:bodyPr>
+          <a:lstStyle/>
+          <a:p>
+            <a:r>
+              <a:rPr lang="en-US" altLang="zh-CN" dirty="0">
+                <a:solidFill>
+                  <a:schemeClr val="accent3"/>
+                </a:solidFill>
+              </a:rPr>
+              <a:t>Lambda_c_up3</a:t>
+            </a:r>
+            <a:endParaRPr lang="zh-CN" altLang="en-US" dirty="0">
+              <a:solidFill>
+                <a:schemeClr val="accent3"/>
+              </a:solidFill>
+            </a:endParaRPr>
+          </a:p>
+        </p:txBody>
+      </p:sp>
+      <p:sp>
+        <p:nvSpPr>
+          <p:cNvPr id="29" name="文本框 28">
+            <a:extLst>
+              <a:ext uri="{FF2B5EF4-FFF2-40B4-BE49-F238E27FC236}">
+                <a16:creationId xmlns:a16="http://schemas.microsoft.com/office/drawing/2014/main" id="{76BFA2D8-2205-47B1-AB59-553B80609DAB}"/>
+              </a:ext>
+            </a:extLst>
+          </p:cNvPr>
+          <p:cNvSpPr txBox="1"/>
+          <p:nvPr/>
+        </p:nvSpPr>
+        <p:spPr>
+          <a:xfrm>
+            <a:off x="10072719" y="1164543"/>
+            <a:ext cx="550151" cy="369332"/>
+          </a:xfrm>
+          <a:prstGeom prst="rect">
+            <a:avLst/>
+          </a:prstGeom>
+          <a:noFill/>
+        </p:spPr>
+        <p:txBody>
+          <a:bodyPr wrap="none" rtlCol="0">
+            <a:spAutoFit/>
+          </a:bodyPr>
+          <a:lstStyle/>
+          <a:p>
+            <a:r>
+              <a:rPr lang="en-US" altLang="zh-CN" dirty="0"/>
+              <a:t>Ba3</a:t>
+            </a:r>
+            <a:endParaRPr lang="zh-CN" altLang="en-US" dirty="0"/>
+          </a:p>
+        </p:txBody>
+      </p:sp>
+      <p:sp>
+        <p:nvSpPr>
+          <p:cNvPr id="31" name="文本框 30">
+            <a:extLst>
+              <a:ext uri="{FF2B5EF4-FFF2-40B4-BE49-F238E27FC236}">
+                <a16:creationId xmlns:a16="http://schemas.microsoft.com/office/drawing/2014/main" id="{000A70BC-5743-4F4E-882B-4542ED2BF02D}"/>
+              </a:ext>
+            </a:extLst>
+          </p:cNvPr>
+          <p:cNvSpPr txBox="1"/>
+          <p:nvPr/>
+        </p:nvSpPr>
+        <p:spPr>
+          <a:xfrm>
+            <a:off x="7969121" y="1199589"/>
+            <a:ext cx="567784" cy="369332"/>
+          </a:xfrm>
+          <a:prstGeom prst="rect">
+            <a:avLst/>
+          </a:prstGeom>
+          <a:noFill/>
+        </p:spPr>
+        <p:txBody>
+          <a:bodyPr wrap="none" rtlCol="0">
+            <a:spAutoFit/>
+          </a:bodyPr>
+          <a:lstStyle/>
+          <a:p>
+            <a:r>
+              <a:rPr lang="en-US" altLang="zh-CN" dirty="0"/>
+              <a:t>Bb2</a:t>
+            </a:r>
+            <a:endParaRPr lang="zh-CN" altLang="en-US" dirty="0"/>
+          </a:p>
+        </p:txBody>
+      </p:sp>
+      <p:sp>
+        <p:nvSpPr>
+          <p:cNvPr id="32" name="文本框 31">
+            <a:extLst>
+              <a:ext uri="{FF2B5EF4-FFF2-40B4-BE49-F238E27FC236}">
+                <a16:creationId xmlns:a16="http://schemas.microsoft.com/office/drawing/2014/main" id="{9D3EFC15-829E-4974-9B82-8C920CF2743E}"/>
+              </a:ext>
+            </a:extLst>
+          </p:cNvPr>
+          <p:cNvSpPr txBox="1"/>
+          <p:nvPr/>
+        </p:nvSpPr>
+        <p:spPr>
+          <a:xfrm>
+            <a:off x="6706626" y="3219084"/>
+            <a:ext cx="538930" cy="369332"/>
+          </a:xfrm>
+          <a:prstGeom prst="rect">
+            <a:avLst/>
+          </a:prstGeom>
+          <a:noFill/>
+        </p:spPr>
+        <p:txBody>
+          <a:bodyPr wrap="none" rtlCol="0">
+            <a:spAutoFit/>
+          </a:bodyPr>
+          <a:lstStyle/>
+          <a:p>
+            <a:r>
+              <a:rPr lang="en-US" altLang="zh-CN" dirty="0"/>
+              <a:t>Bc1</a:t>
+            </a:r>
+            <a:endParaRPr lang="zh-CN" altLang="en-US" dirty="0"/>
+          </a:p>
+        </p:txBody>
+      </p:sp>
+      <p:sp>
+        <p:nvSpPr>
+          <p:cNvPr id="33" name="文本框 32">
+            <a:extLst>
+              <a:ext uri="{FF2B5EF4-FFF2-40B4-BE49-F238E27FC236}">
+                <a16:creationId xmlns:a16="http://schemas.microsoft.com/office/drawing/2014/main" id="{02A58624-3477-47B2-AB4A-542C4E573DA8}"/>
+              </a:ext>
+            </a:extLst>
+          </p:cNvPr>
+          <p:cNvSpPr txBox="1"/>
+          <p:nvPr/>
+        </p:nvSpPr>
+        <p:spPr>
+          <a:xfrm rot="18026516">
+            <a:off x="9575404" y="1992161"/>
+            <a:ext cx="1794081" cy="369332"/>
+          </a:xfrm>
+          <a:prstGeom prst="rect">
+            <a:avLst/>
+          </a:prstGeom>
+          <a:noFill/>
+        </p:spPr>
+        <p:txBody>
+          <a:bodyPr wrap="none" rtlCol="0">
+            <a:spAutoFit/>
+          </a:bodyPr>
+          <a:lstStyle/>
+          <a:p>
+            <a:r>
+              <a:rPr lang="en-US" altLang="zh-CN" dirty="0"/>
+              <a:t>Lambda_a_dn10</a:t>
+            </a:r>
+            <a:endParaRPr lang="zh-CN" altLang="en-US" dirty="0"/>
+          </a:p>
+        </p:txBody>
+      </p:sp>
+      <p:sp>
+        <p:nvSpPr>
+          <p:cNvPr id="34" name="文本框 33">
+            <a:extLst>
+              <a:ext uri="{FF2B5EF4-FFF2-40B4-BE49-F238E27FC236}">
+                <a16:creationId xmlns:a16="http://schemas.microsoft.com/office/drawing/2014/main" id="{10B279EE-A5FB-47F4-92AB-3A8BDAD51907}"/>
+              </a:ext>
+            </a:extLst>
+          </p:cNvPr>
+          <p:cNvSpPr txBox="1"/>
+          <p:nvPr/>
+        </p:nvSpPr>
+        <p:spPr>
+          <a:xfrm>
+            <a:off x="7089672" y="2778618"/>
+            <a:ext cx="1661032" cy="369332"/>
+          </a:xfrm>
+          <a:prstGeom prst="rect">
+            <a:avLst/>
+          </a:prstGeom>
+          <a:noFill/>
+        </p:spPr>
+        <p:txBody>
+          <a:bodyPr wrap="none" rtlCol="0">
+            <a:spAutoFit/>
+          </a:bodyPr>
+          <a:lstStyle/>
+          <a:p>
+            <a:r>
+              <a:rPr lang="en-US" altLang="zh-CN" dirty="0"/>
+              <a:t>Lambda_c_dn6</a:t>
+            </a:r>
+            <a:endParaRPr lang="zh-CN" altLang="en-US" dirty="0"/>
+          </a:p>
+        </p:txBody>
+      </p:sp>
+      <p:sp>
+        <p:nvSpPr>
+          <p:cNvPr id="35" name="文本框 34">
+            <a:extLst>
+              <a:ext uri="{FF2B5EF4-FFF2-40B4-BE49-F238E27FC236}">
+                <a16:creationId xmlns:a16="http://schemas.microsoft.com/office/drawing/2014/main" id="{B11B0AAE-6858-41FB-9540-B84D471FB7AF}"/>
+              </a:ext>
+            </a:extLst>
+          </p:cNvPr>
+          <p:cNvSpPr txBox="1"/>
+          <p:nvPr/>
+        </p:nvSpPr>
+        <p:spPr>
+          <a:xfrm rot="3367739">
+            <a:off x="7379413" y="1989104"/>
+            <a:ext cx="1689886" cy="369332"/>
+          </a:xfrm>
+          <a:prstGeom prst="rect">
+            <a:avLst/>
+          </a:prstGeom>
+          <a:noFill/>
+        </p:spPr>
+        <p:txBody>
+          <a:bodyPr wrap="none" rtlCol="0">
+            <a:spAutoFit/>
+          </a:bodyPr>
+          <a:lstStyle/>
+          <a:p>
+            <a:r>
+              <a:rPr lang="en-US" altLang="zh-CN" dirty="0"/>
+              <a:t>Lambda_b_dn7</a:t>
+            </a:r>
+            <a:endParaRPr lang="zh-CN" altLang="en-US" dirty="0"/>
+          </a:p>
+        </p:txBody>
+      </p:sp>
+      <p:sp>
+        <p:nvSpPr>
+          <p:cNvPr id="36" name="文本框 35">
+            <a:extLst>
+              <a:ext uri="{FF2B5EF4-FFF2-40B4-BE49-F238E27FC236}">
+                <a16:creationId xmlns:a16="http://schemas.microsoft.com/office/drawing/2014/main" id="{117DD4D0-23DB-48A2-83A1-6B6DB8A7B74D}"/>
+              </a:ext>
+            </a:extLst>
+          </p:cNvPr>
+          <p:cNvSpPr txBox="1"/>
+          <p:nvPr/>
+        </p:nvSpPr>
+        <p:spPr>
+          <a:xfrm rot="3646528">
+            <a:off x="8013179" y="1449971"/>
+            <a:ext cx="1689886" cy="369332"/>
+          </a:xfrm>
+          <a:prstGeom prst="rect">
+            <a:avLst/>
+          </a:prstGeom>
+          <a:noFill/>
+        </p:spPr>
+        <p:txBody>
+          <a:bodyPr wrap="none" rtlCol="0">
+            <a:spAutoFit/>
+          </a:bodyPr>
+          <a:lstStyle/>
+          <a:p>
+            <a:r>
+              <a:rPr lang="en-US" altLang="zh-CN" dirty="0"/>
+              <a:t>Lambda_b_up8</a:t>
+            </a:r>
+            <a:endParaRPr lang="zh-CN" altLang="en-US" dirty="0"/>
+          </a:p>
+        </p:txBody>
+      </p:sp>
+      <p:sp>
+        <p:nvSpPr>
+          <p:cNvPr id="37" name="文本框 36">
+            <a:extLst>
+              <a:ext uri="{FF2B5EF4-FFF2-40B4-BE49-F238E27FC236}">
+                <a16:creationId xmlns:a16="http://schemas.microsoft.com/office/drawing/2014/main" id="{1FFBBEE1-A6EE-4749-94A7-00EF6143D27A}"/>
+              </a:ext>
+            </a:extLst>
+          </p:cNvPr>
+          <p:cNvSpPr txBox="1"/>
+          <p:nvPr/>
+        </p:nvSpPr>
+        <p:spPr>
+          <a:xfrm rot="18253062">
+            <a:off x="8872457" y="1482280"/>
+            <a:ext cx="1672253" cy="369332"/>
+          </a:xfrm>
+          <a:prstGeom prst="rect">
+            <a:avLst/>
+          </a:prstGeom>
+          <a:noFill/>
+        </p:spPr>
+        <p:txBody>
+          <a:bodyPr wrap="none" rtlCol="0">
+            <a:spAutoFit/>
+          </a:bodyPr>
+          <a:lstStyle/>
+          <a:p>
+            <a:r>
+              <a:rPr lang="en-US" altLang="zh-CN" dirty="0"/>
+              <a:t>Lambda_a_up9</a:t>
+            </a:r>
+            <a:endParaRPr lang="zh-CN" altLang="en-US" dirty="0"/>
+          </a:p>
+        </p:txBody>
+      </p:sp>
+      <p:sp>
+        <p:nvSpPr>
+          <p:cNvPr id="40" name="文本框 39">
+            <a:extLst>
+              <a:ext uri="{FF2B5EF4-FFF2-40B4-BE49-F238E27FC236}">
+                <a16:creationId xmlns:a16="http://schemas.microsoft.com/office/drawing/2014/main" id="{B0BD5883-46A1-442C-85C5-CF7D90812EE6}"/>
+              </a:ext>
+            </a:extLst>
+          </p:cNvPr>
+          <p:cNvSpPr txBox="1"/>
+          <p:nvPr/>
+        </p:nvSpPr>
+        <p:spPr>
+          <a:xfrm>
+            <a:off x="7725420" y="2363636"/>
+            <a:ext cx="559769" cy="369332"/>
+          </a:xfrm>
+          <a:prstGeom prst="rect">
+            <a:avLst/>
+          </a:prstGeom>
+          <a:noFill/>
+        </p:spPr>
+        <p:txBody>
+          <a:bodyPr wrap="none" rtlCol="0">
+            <a:spAutoFit/>
+          </a:bodyPr>
+          <a:lstStyle/>
+          <a:p>
+            <a:r>
+              <a:rPr lang="en-US" altLang="zh-CN" dirty="0"/>
+              <a:t>Td1</a:t>
+            </a:r>
+            <a:endParaRPr lang="zh-CN" altLang="en-US" dirty="0"/>
+          </a:p>
+        </p:txBody>
+      </p:sp>
+      <p:sp>
+        <p:nvSpPr>
+          <p:cNvPr id="41" name="文本框 40">
+            <a:extLst>
+              <a:ext uri="{FF2B5EF4-FFF2-40B4-BE49-F238E27FC236}">
+                <a16:creationId xmlns:a16="http://schemas.microsoft.com/office/drawing/2014/main" id="{C5F0E9E9-1A34-40D3-A134-204B306CA7D3}"/>
+              </a:ext>
+            </a:extLst>
+          </p:cNvPr>
+          <p:cNvSpPr txBox="1"/>
+          <p:nvPr/>
+        </p:nvSpPr>
+        <p:spPr>
+          <a:xfrm>
+            <a:off x="8998838" y="1526699"/>
+            <a:ext cx="553357" cy="369332"/>
+          </a:xfrm>
+          <a:prstGeom prst="rect">
+            <a:avLst/>
+          </a:prstGeom>
+          <a:noFill/>
+        </p:spPr>
+        <p:txBody>
+          <a:bodyPr wrap="none" rtlCol="0">
+            <a:spAutoFit/>
+          </a:bodyPr>
+          <a:lstStyle/>
+          <a:p>
+            <a:r>
+              <a:rPr lang="en-US" altLang="zh-CN" dirty="0"/>
+              <a:t>Tu2</a:t>
+            </a:r>
+            <a:endParaRPr lang="zh-CN" altLang="en-US" dirty="0"/>
+          </a:p>
+        </p:txBody>
+      </p:sp>
     </p:spTree>
     <p:extLst>
       <p:ext uri="{BB962C8B-B14F-4D97-AF65-F5344CB8AC3E}">
